--- a/PPT/캡스톤디자인_12주차_발표자료_5조.pptx
+++ b/PPT/캡스톤디자인_12주차_발표자료_5조.pptx
@@ -5,7 +5,7 @@
     <p:sldMasterId id="2147483648" r:id="rId1"/>
   </p:sldMasterIdLst>
   <p:notesMasterIdLst>
-    <p:notesMasterId r:id="rId21"/>
+    <p:notesMasterId r:id="rId22"/>
   </p:notesMasterIdLst>
   <p:sldIdLst>
     <p:sldId id="256" r:id="rId2"/>
@@ -18,23 +18,20 @@
     <p:sldId id="297" r:id="rId9"/>
     <p:sldId id="298" r:id="rId10"/>
     <p:sldId id="299" r:id="rId11"/>
-    <p:sldId id="292" r:id="rId12"/>
-    <p:sldId id="293" r:id="rId13"/>
-    <p:sldId id="294" r:id="rId14"/>
-    <p:sldId id="300" r:id="rId15"/>
-    <p:sldId id="301" r:id="rId16"/>
-    <p:sldId id="302" r:id="rId17"/>
-    <p:sldId id="285" r:id="rId18"/>
-    <p:sldId id="290" r:id="rId19"/>
-    <p:sldId id="266" r:id="rId20"/>
+    <p:sldId id="303" r:id="rId12"/>
+    <p:sldId id="304" r:id="rId13"/>
+    <p:sldId id="292" r:id="rId14"/>
+    <p:sldId id="293" r:id="rId15"/>
+    <p:sldId id="294" r:id="rId16"/>
+    <p:sldId id="300" r:id="rId17"/>
+    <p:sldId id="301" r:id="rId18"/>
+    <p:sldId id="285" r:id="rId19"/>
+    <p:sldId id="290" r:id="rId20"/>
+    <p:sldId id="266" r:id="rId21"/>
   </p:sldIdLst>
   <p:sldSz cx="12192000" cy="6858000"/>
   <p:notesSz cx="6858000" cy="9144000"/>
   <p:embeddedFontLst>
-    <p:embeddedFont>
-      <p:font typeface="HY견고딕" panose="02030600000101010101" pitchFamily="18" charset="-127"/>
-      <p:regular r:id="rId22"/>
-    </p:embeddedFont>
     <p:embeddedFont>
       <p:font typeface="Verdana" panose="020B0604030504040204" pitchFamily="34" charset="0"/>
       <p:regular r:id="rId23"/>
@@ -43,9 +40,21 @@
       <p:boldItalic r:id="rId26"/>
     </p:embeddedFont>
     <p:embeddedFont>
+      <p:font typeface="나눔스퀘어" panose="020B0600000101010101" pitchFamily="50" charset="-127"/>
+      <p:regular r:id="rId27"/>
+    </p:embeddedFont>
+    <p:embeddedFont>
       <p:font typeface="맑은 고딕" panose="020B0503020000020004" pitchFamily="50" charset="-127"/>
-      <p:regular r:id="rId27"/>
-      <p:bold r:id="rId28"/>
+      <p:regular r:id="rId28"/>
+      <p:bold r:id="rId29"/>
+    </p:embeddedFont>
+    <p:embeddedFont>
+      <p:font typeface="HY견고딕" panose="02030600000101010101" pitchFamily="18" charset="-127"/>
+      <p:regular r:id="rId30"/>
+    </p:embeddedFont>
+    <p:embeddedFont>
+      <p:font typeface="나눔스퀘어 ExtraBold" panose="020B0600000101010101" pitchFamily="50" charset="-127"/>
+      <p:bold r:id="rId31"/>
     </p:embeddedFont>
   </p:embeddedFontLst>
   <p:defaultTextStyle>
@@ -628,68 +637,7 @@
           <a:bodyPr/>
           <a:lstStyle/>
           <a:p>
-            <a:r>
-              <a:rPr lang="ko-KR" altLang="en-US" dirty="0"/>
-              <a:t>거의 다 똑같 </a:t>
-            </a:r>
             <a:endParaRPr lang="en-US" altLang="ko-KR" dirty="0"/>
-          </a:p>
-          <a:p>
-            <a:r>
-              <a:rPr lang="ko-KR" altLang="en-US" dirty="0"/>
-              <a:t>현재는 그냥 </a:t>
-            </a:r>
-            <a:r>
-              <a:rPr lang="ko-KR" altLang="en-US" dirty="0" err="1"/>
-              <a:t>브레드보드의</a:t>
-            </a:r>
-            <a:r>
-              <a:rPr lang="ko-KR" altLang="en-US" dirty="0"/>
-              <a:t> 중앙에 센서와 블루투스 모듈이 </a:t>
-            </a:r>
-            <a:r>
-              <a:rPr lang="ko-KR" altLang="en-US" dirty="0" err="1"/>
-              <a:t>연결되어있음</a:t>
-            </a:r>
-            <a:endParaRPr lang="en-US" altLang="ko-KR" dirty="0"/>
-          </a:p>
-          <a:p>
-            <a:r>
-              <a:rPr lang="ko-KR" altLang="en-US" dirty="0"/>
-              <a:t>이제는 그거를 칫솔 머리로 옮기고</a:t>
-            </a:r>
-            <a:r>
-              <a:rPr lang="en-US" altLang="ko-KR" dirty="0"/>
-              <a:t> </a:t>
-            </a:r>
-            <a:r>
-              <a:rPr lang="ko-KR" altLang="en-US" dirty="0" err="1"/>
-              <a:t>뒷통수쪽에</a:t>
-            </a:r>
-            <a:r>
-              <a:rPr lang="ko-KR" altLang="en-US" dirty="0"/>
-              <a:t> 진동모터를 연결하여 </a:t>
-            </a:r>
-            <a:r>
-              <a:rPr lang="ko-KR" altLang="en-US" dirty="0" err="1"/>
-              <a:t>진동에대한</a:t>
-            </a:r>
-            <a:r>
-              <a:rPr lang="ko-KR" altLang="en-US" dirty="0"/>
-              <a:t> 테스트를 진행할 예정</a:t>
-            </a:r>
-            <a:endParaRPr lang="en-US" altLang="ko-KR" dirty="0"/>
-          </a:p>
-          <a:p>
-            <a:r>
-              <a:rPr lang="ko-KR" altLang="en-US" dirty="0"/>
-              <a:t>압력센서를 추가했다 </a:t>
-            </a:r>
-            <a:r>
-              <a:rPr lang="en-US" altLang="ko-KR" dirty="0"/>
-              <a:t>- </a:t>
-            </a:r>
-            <a:endParaRPr lang="ko-KR" altLang="en-US" dirty="0"/>
           </a:p>
         </p:txBody>
       </p:sp>
@@ -710,7 +658,7 @@
           <a:p>
             <a:fld id="{231CB6DC-0120-4A0B-9EB4-AC0E3C50624C}" type="slidenum">
               <a:rPr lang="ko-KR" altLang="en-US" smtClean="0"/>
-              <a:t>16</a:t>
+              <a:t>17</a:t>
             </a:fld>
             <a:endParaRPr lang="ko-KR" altLang="en-US"/>
           </a:p>
@@ -719,7 +667,7 @@
     </p:spTree>
     <p:extLst>
       <p:ext uri="{BB962C8B-B14F-4D97-AF65-F5344CB8AC3E}">
-        <p14:creationId xmlns:p14="http://schemas.microsoft.com/office/powerpoint/2010/main" val="288302944"/>
+        <p14:creationId xmlns:p14="http://schemas.microsoft.com/office/powerpoint/2010/main" val="3559733693"/>
       </p:ext>
     </p:extLst>
   </p:cSld>
@@ -794,7 +742,7 @@
           <a:p>
             <a:fld id="{231CB6DC-0120-4A0B-9EB4-AC0E3C50624C}" type="slidenum">
               <a:rPr lang="ko-KR" altLang="en-US" smtClean="0"/>
-              <a:t>18</a:t>
+              <a:t>19</a:t>
             </a:fld>
             <a:endParaRPr lang="ko-KR" altLang="en-US"/>
           </a:p>
@@ -1277,67 +1225,6 @@
           <a:bodyPr/>
           <a:lstStyle/>
           <a:p>
-            <a:r>
-              <a:rPr lang="ko-KR" altLang="en-US" dirty="0"/>
-              <a:t>거의 다 똑같 </a:t>
-            </a:r>
-            <a:endParaRPr lang="en-US" altLang="ko-KR" dirty="0"/>
-          </a:p>
-          <a:p>
-            <a:r>
-              <a:rPr lang="ko-KR" altLang="en-US" dirty="0"/>
-              <a:t>현재는 그냥 </a:t>
-            </a:r>
-            <a:r>
-              <a:rPr lang="ko-KR" altLang="en-US" dirty="0" err="1"/>
-              <a:t>브레드보드의</a:t>
-            </a:r>
-            <a:r>
-              <a:rPr lang="ko-KR" altLang="en-US" dirty="0"/>
-              <a:t> 중앙에 센서와 블루투스 모듈이 </a:t>
-            </a:r>
-            <a:r>
-              <a:rPr lang="ko-KR" altLang="en-US" dirty="0" err="1"/>
-              <a:t>연결되어있음</a:t>
-            </a:r>
-            <a:endParaRPr lang="en-US" altLang="ko-KR" dirty="0"/>
-          </a:p>
-          <a:p>
-            <a:r>
-              <a:rPr lang="ko-KR" altLang="en-US" dirty="0"/>
-              <a:t>이제는 그거를 칫솔 머리로 옮기고</a:t>
-            </a:r>
-            <a:r>
-              <a:rPr lang="en-US" altLang="ko-KR" dirty="0"/>
-              <a:t> </a:t>
-            </a:r>
-            <a:r>
-              <a:rPr lang="ko-KR" altLang="en-US" dirty="0" err="1"/>
-              <a:t>뒷통수쪽에</a:t>
-            </a:r>
-            <a:r>
-              <a:rPr lang="ko-KR" altLang="en-US" dirty="0"/>
-              <a:t> 진동모터를 연결하여 </a:t>
-            </a:r>
-            <a:r>
-              <a:rPr lang="ko-KR" altLang="en-US" dirty="0" err="1"/>
-              <a:t>진동에대한</a:t>
-            </a:r>
-            <a:r>
-              <a:rPr lang="ko-KR" altLang="en-US" dirty="0"/>
-              <a:t> 테스트를 진행할 예정</a:t>
-            </a:r>
-            <a:endParaRPr lang="en-US" altLang="ko-KR" dirty="0"/>
-          </a:p>
-          <a:p>
-            <a:r>
-              <a:rPr lang="ko-KR" altLang="en-US" dirty="0"/>
-              <a:t>압력센서를 추가했다 </a:t>
-            </a:r>
-            <a:r>
-              <a:rPr lang="en-US" altLang="ko-KR" dirty="0"/>
-              <a:t>- </a:t>
-            </a:r>
             <a:endParaRPr lang="ko-KR" altLang="en-US" dirty="0"/>
           </a:p>
         </p:txBody>
@@ -1368,7 +1255,7 @@
     </p:spTree>
     <p:extLst>
       <p:ext uri="{BB962C8B-B14F-4D97-AF65-F5344CB8AC3E}">
-        <p14:creationId xmlns:p14="http://schemas.microsoft.com/office/powerpoint/2010/main" val="1304608223"/>
+        <p14:creationId xmlns:p14="http://schemas.microsoft.com/office/powerpoint/2010/main" val="126232865"/>
       </p:ext>
     </p:extLst>
   </p:cSld>
@@ -1422,67 +1309,6 @@
           <a:bodyPr/>
           <a:lstStyle/>
           <a:p>
-            <a:r>
-              <a:rPr lang="ko-KR" altLang="en-US" dirty="0"/>
-              <a:t>거의 다 똑같 </a:t>
-            </a:r>
-            <a:endParaRPr lang="en-US" altLang="ko-KR" dirty="0"/>
-          </a:p>
-          <a:p>
-            <a:r>
-              <a:rPr lang="ko-KR" altLang="en-US" dirty="0"/>
-              <a:t>현재는 그냥 </a:t>
-            </a:r>
-            <a:r>
-              <a:rPr lang="ko-KR" altLang="en-US" dirty="0" err="1"/>
-              <a:t>브레드보드의</a:t>
-            </a:r>
-            <a:r>
-              <a:rPr lang="ko-KR" altLang="en-US" dirty="0"/>
-              <a:t> 중앙에 센서와 블루투스 모듈이 </a:t>
-            </a:r>
-            <a:r>
-              <a:rPr lang="ko-KR" altLang="en-US" dirty="0" err="1"/>
-              <a:t>연결되어있음</a:t>
-            </a:r>
-            <a:endParaRPr lang="en-US" altLang="ko-KR" dirty="0"/>
-          </a:p>
-          <a:p>
-            <a:r>
-              <a:rPr lang="ko-KR" altLang="en-US" dirty="0"/>
-              <a:t>이제는 그거를 칫솔 머리로 옮기고</a:t>
-            </a:r>
-            <a:r>
-              <a:rPr lang="en-US" altLang="ko-KR" dirty="0"/>
-              <a:t> </a:t>
-            </a:r>
-            <a:r>
-              <a:rPr lang="ko-KR" altLang="en-US" dirty="0" err="1"/>
-              <a:t>뒷통수쪽에</a:t>
-            </a:r>
-            <a:r>
-              <a:rPr lang="ko-KR" altLang="en-US" dirty="0"/>
-              <a:t> 진동모터를 연결하여 </a:t>
-            </a:r>
-            <a:r>
-              <a:rPr lang="ko-KR" altLang="en-US" dirty="0" err="1"/>
-              <a:t>진동에대한</a:t>
-            </a:r>
-            <a:r>
-              <a:rPr lang="ko-KR" altLang="en-US" dirty="0"/>
-              <a:t> 테스트를 진행할 예정</a:t>
-            </a:r>
-            <a:endParaRPr lang="en-US" altLang="ko-KR" dirty="0"/>
-          </a:p>
-          <a:p>
-            <a:r>
-              <a:rPr lang="ko-KR" altLang="en-US" dirty="0"/>
-              <a:t>압력센서를 추가했다 </a:t>
-            </a:r>
-            <a:r>
-              <a:rPr lang="en-US" altLang="ko-KR" dirty="0"/>
-              <a:t>- </a:t>
-            </a:r>
             <a:endParaRPr lang="ko-KR" altLang="en-US" dirty="0"/>
           </a:p>
         </p:txBody>
@@ -1504,7 +1330,7 @@
           <a:p>
             <a:fld id="{231CB6DC-0120-4A0B-9EB4-AC0E3C50624C}" type="slidenum">
               <a:rPr lang="ko-KR" altLang="en-US" smtClean="0"/>
-              <a:t>13</a:t>
+              <a:t>14</a:t>
             </a:fld>
             <a:endParaRPr lang="ko-KR" altLang="en-US"/>
           </a:p>
@@ -1513,7 +1339,7 @@
     </p:spTree>
     <p:extLst>
       <p:ext uri="{BB962C8B-B14F-4D97-AF65-F5344CB8AC3E}">
-        <p14:creationId xmlns:p14="http://schemas.microsoft.com/office/powerpoint/2010/main" val="2051103200"/>
+        <p14:creationId xmlns:p14="http://schemas.microsoft.com/office/powerpoint/2010/main" val="1304608223"/>
       </p:ext>
     </p:extLst>
   </p:cSld>
@@ -1567,67 +1393,6 @@
           <a:bodyPr/>
           <a:lstStyle/>
           <a:p>
-            <a:r>
-              <a:rPr lang="ko-KR" altLang="en-US" dirty="0"/>
-              <a:t>거의 다 똑같 </a:t>
-            </a:r>
-            <a:endParaRPr lang="en-US" altLang="ko-KR" dirty="0"/>
-          </a:p>
-          <a:p>
-            <a:r>
-              <a:rPr lang="ko-KR" altLang="en-US" dirty="0"/>
-              <a:t>현재는 그냥 </a:t>
-            </a:r>
-            <a:r>
-              <a:rPr lang="ko-KR" altLang="en-US" dirty="0" err="1"/>
-              <a:t>브레드보드의</a:t>
-            </a:r>
-            <a:r>
-              <a:rPr lang="ko-KR" altLang="en-US" dirty="0"/>
-              <a:t> 중앙에 센서와 블루투스 모듈이 </a:t>
-            </a:r>
-            <a:r>
-              <a:rPr lang="ko-KR" altLang="en-US" dirty="0" err="1"/>
-              <a:t>연결되어있음</a:t>
-            </a:r>
-            <a:endParaRPr lang="en-US" altLang="ko-KR" dirty="0"/>
-          </a:p>
-          <a:p>
-            <a:r>
-              <a:rPr lang="ko-KR" altLang="en-US" dirty="0"/>
-              <a:t>이제는 그거를 칫솔 머리로 옮기고</a:t>
-            </a:r>
-            <a:r>
-              <a:rPr lang="en-US" altLang="ko-KR" dirty="0"/>
-              <a:t> </a:t>
-            </a:r>
-            <a:r>
-              <a:rPr lang="ko-KR" altLang="en-US" dirty="0" err="1"/>
-              <a:t>뒷통수쪽에</a:t>
-            </a:r>
-            <a:r>
-              <a:rPr lang="ko-KR" altLang="en-US" dirty="0"/>
-              <a:t> 진동모터를 연결하여 </a:t>
-            </a:r>
-            <a:r>
-              <a:rPr lang="ko-KR" altLang="en-US" dirty="0" err="1"/>
-              <a:t>진동에대한</a:t>
-            </a:r>
-            <a:r>
-              <a:rPr lang="ko-KR" altLang="en-US" dirty="0"/>
-              <a:t> 테스트를 진행할 예정</a:t>
-            </a:r>
-            <a:endParaRPr lang="en-US" altLang="ko-KR" dirty="0"/>
-          </a:p>
-          <a:p>
-            <a:r>
-              <a:rPr lang="ko-KR" altLang="en-US" dirty="0"/>
-              <a:t>압력센서를 추가했다 </a:t>
-            </a:r>
-            <a:r>
-              <a:rPr lang="en-US" altLang="ko-KR" dirty="0"/>
-              <a:t>- </a:t>
-            </a:r>
             <a:endParaRPr lang="ko-KR" altLang="en-US" dirty="0"/>
           </a:p>
         </p:txBody>
@@ -1658,7 +1423,7 @@
     </p:spTree>
     <p:extLst>
       <p:ext uri="{BB962C8B-B14F-4D97-AF65-F5344CB8AC3E}">
-        <p14:creationId xmlns:p14="http://schemas.microsoft.com/office/powerpoint/2010/main" val="3559733693"/>
+        <p14:creationId xmlns:p14="http://schemas.microsoft.com/office/powerpoint/2010/main" val="2051103200"/>
       </p:ext>
     </p:extLst>
   </p:cSld>
@@ -5841,7 +5606,7 @@
         </p:spPr>
         <p:txBody>
           <a:bodyPr vert="horz" lIns="91440" tIns="45720" rIns="91440" bIns="45720" rtlCol="0">
-            <a:normAutofit fontScale="92500" lnSpcReduction="20000"/>
+            <a:normAutofit fontScale="92500" lnSpcReduction="10000"/>
           </a:bodyPr>
           <a:lstStyle>
             <a:lvl1pPr marL="228600" indent="-228600" algn="l" defTabSz="914400" rtl="0" eaLnBrk="1" latinLnBrk="1" hangingPunct="1">
@@ -6285,7 +6050,7 @@
         </p:nvSpPr>
         <p:spPr>
           <a:xfrm>
-            <a:off x="1066800" y="5366137"/>
+            <a:off x="1066800" y="5625633"/>
             <a:ext cx="307552" cy="315252"/>
           </a:xfrm>
           <a:prstGeom prst="rightArrow">
@@ -6337,7 +6102,7 @@
         </p:nvSpPr>
         <p:spPr>
           <a:xfrm>
-            <a:off x="1066800" y="3965962"/>
+            <a:off x="1066800" y="4163674"/>
             <a:ext cx="307552" cy="315252"/>
           </a:xfrm>
           <a:prstGeom prst="rightArrow">
@@ -6490,7 +6255,7 @@
                 <a:latin typeface="나눔스퀘어" panose="020B0600000101010101" pitchFamily="50" charset="-127"/>
                 <a:ea typeface="나눔스퀘어" panose="020B0600000101010101" pitchFamily="50" charset="-127"/>
               </a:rPr>
-              <a:t>양치 시간 측정 기능 구현</a:t>
+              <a:t>블루투스 통신</a:t>
             </a:r>
             <a:endParaRPr sz="4800" dirty="0">
               <a:latin typeface="나눔스퀘어" panose="020B0600000101010101" pitchFamily="50" charset="-127"/>
@@ -6502,7 +6267,7 @@
     </p:spTree>
     <p:extLst>
       <p:ext uri="{BB962C8B-B14F-4D97-AF65-F5344CB8AC3E}">
-        <p14:creationId xmlns:p14="http://schemas.microsoft.com/office/powerpoint/2010/main" val="483107859"/>
+        <p14:creationId xmlns:p14="http://schemas.microsoft.com/office/powerpoint/2010/main" val="773196304"/>
       </p:ext>
     </p:extLst>
   </p:cSld>
@@ -6543,8 +6308,8 @@
         </p:nvSpPr>
         <p:spPr>
           <a:xfrm>
-            <a:off x="2898653" y="341922"/>
-            <a:ext cx="6394700" cy="830997"/>
+            <a:off x="4248388" y="341922"/>
+            <a:ext cx="3695242" cy="830997"/>
           </a:xfrm>
           <a:prstGeom prst="rect">
             <a:avLst/>
@@ -6566,7 +6331,7 @@
                 <a:latin typeface="나눔스퀘어" panose="020B0600000101010101" pitchFamily="50" charset="-127"/>
                 <a:ea typeface="나눔스퀘어" panose="020B0600000101010101" pitchFamily="50" charset="-127"/>
               </a:rPr>
-              <a:t>양치 시간 측정 기능 구현</a:t>
+              <a:t>블루투스 통신</a:t>
             </a:r>
           </a:p>
         </p:txBody>
@@ -6773,12 +6538,43 @@
               </a:buBlip>
             </a:pPr>
             <a:r>
+              <a:rPr lang="ko-KR" altLang="en-US" sz="2400" dirty="0">
+                <a:latin typeface="나눔스퀘어" panose="020B0600000101010101" pitchFamily="50" charset="-127"/>
+                <a:ea typeface="나눔스퀘어" panose="020B0600000101010101" pitchFamily="50" charset="-127"/>
+              </a:rPr>
+              <a:t>블루투스 통신 연결 방식 변경</a:t>
+            </a:r>
+            <a:endParaRPr lang="en-US" altLang="ko-KR" sz="2400" dirty="0">
+              <a:latin typeface="나눔스퀘어" panose="020B0600000101010101" pitchFamily="50" charset="-127"/>
+              <a:ea typeface="나눔스퀘어" panose="020B0600000101010101" pitchFamily="50" charset="-127"/>
+            </a:endParaRPr>
+          </a:p>
+          <a:p>
+            <a:pPr marL="0" indent="0">
+              <a:lnSpc>
+                <a:spcPct val="150000"/>
+              </a:lnSpc>
+              <a:buSzPct val="50000"/>
+              <a:buNone/>
+            </a:pPr>
+            <a:r>
               <a:rPr lang="en-US" altLang="ko-KR" sz="2400" dirty="0">
                 <a:latin typeface="나눔스퀘어" panose="020B0600000101010101" pitchFamily="50" charset="-127"/>
                 <a:ea typeface="나눔스퀘어" panose="020B0600000101010101" pitchFamily="50" charset="-127"/>
               </a:rPr>
-              <a:t>@@@</a:t>
-            </a:r>
+              <a:t>         </a:t>
+            </a:r>
+            <a:r>
+              <a:rPr lang="ko-KR" altLang="en-US" sz="2400" dirty="0">
+                <a:latin typeface="나눔스퀘어" panose="020B0600000101010101" pitchFamily="50" charset="-127"/>
+                <a:ea typeface="나눔스퀘어" panose="020B0600000101010101" pitchFamily="50" charset="-127"/>
+              </a:rPr>
+              <a:t>모델을 누르면 블루투스 통신 시작 및 종료</a:t>
+            </a:r>
+            <a:endParaRPr lang="en-US" altLang="ko-KR" sz="1000" dirty="0">
+              <a:latin typeface="나눔스퀘어" panose="020B0600000101010101" pitchFamily="50" charset="-127"/>
+              <a:ea typeface="나눔스퀘어" panose="020B0600000101010101" pitchFamily="50" charset="-127"/>
+            </a:endParaRPr>
           </a:p>
           <a:p>
             <a:pPr marL="722312" indent="-722312">
@@ -6790,28 +6586,120 @@
                 <a:blip r:embed="rId3"/>
               </a:buBlip>
             </a:pPr>
+            <a:r>
+              <a:rPr lang="ko-KR" altLang="en-US" sz="2400" dirty="0">
+                <a:latin typeface="나눔스퀘어" panose="020B0600000101010101" pitchFamily="50" charset="-127"/>
+                <a:ea typeface="나눔스퀘어" panose="020B0600000101010101" pitchFamily="50" charset="-127"/>
+              </a:rPr>
+              <a:t>블루투스 모듈에서 보내는 값과 애플리케이션에서 받는 값이 다른 문제</a:t>
+            </a:r>
             <a:endParaRPr lang="en-US" altLang="ko-KR" sz="2400" dirty="0">
               <a:latin typeface="나눔스퀘어" panose="020B0600000101010101" pitchFamily="50" charset="-127"/>
               <a:ea typeface="나눔스퀘어" panose="020B0600000101010101" pitchFamily="50" charset="-127"/>
             </a:endParaRPr>
           </a:p>
           <a:p>
-            <a:pPr marL="722312" indent="-722312">
+            <a:pPr marL="0" indent="0">
               <a:lnSpc>
                 <a:spcPct val="150000"/>
               </a:lnSpc>
               <a:buSzPct val="50000"/>
-              <a:buBlip>
-                <a:blip r:embed="rId3"/>
-              </a:buBlip>
+              <a:buNone/>
             </a:pPr>
             <a:r>
               <a:rPr lang="en-US" altLang="ko-KR" sz="2400" dirty="0">
                 <a:latin typeface="나눔스퀘어" panose="020B0600000101010101" pitchFamily="50" charset="-127"/>
                 <a:ea typeface="나눔스퀘어" panose="020B0600000101010101" pitchFamily="50" charset="-127"/>
               </a:rPr>
-              <a:t>@@@</a:t>
-            </a:r>
+              <a:t>         (</a:t>
+            </a:r>
+            <a:r>
+              <a:rPr lang="ko-KR" altLang="en-US" sz="2400" dirty="0">
+                <a:latin typeface="나눔스퀘어" panose="020B0600000101010101" pitchFamily="50" charset="-127"/>
+                <a:ea typeface="나눔스퀘어" panose="020B0600000101010101" pitchFamily="50" charset="-127"/>
+              </a:rPr>
+              <a:t>치아 번호 </a:t>
+            </a:r>
+            <a:r>
+              <a:rPr lang="en-US" altLang="ko-KR" sz="2400" dirty="0">
+                <a:latin typeface="나눔스퀘어" panose="020B0600000101010101" pitchFamily="50" charset="-127"/>
+                <a:ea typeface="나눔스퀘어" panose="020B0600000101010101" pitchFamily="50" charset="-127"/>
+              </a:rPr>
+              <a:t>% 7) </a:t>
+            </a:r>
+            <a:r>
+              <a:rPr lang="ko-KR" altLang="en-US" sz="2400" dirty="0">
+                <a:latin typeface="나눔스퀘어" panose="020B0600000101010101" pitchFamily="50" charset="-127"/>
+                <a:ea typeface="나눔스퀘어" panose="020B0600000101010101" pitchFamily="50" charset="-127"/>
+              </a:rPr>
+              <a:t>한 값을 </a:t>
+            </a:r>
+            <a:r>
+              <a:rPr lang="en-US" altLang="ko-KR" sz="2400" dirty="0">
+                <a:latin typeface="나눔스퀘어" panose="020B0600000101010101" pitchFamily="50" charset="-127"/>
+                <a:ea typeface="나눔스퀘어" panose="020B0600000101010101" pitchFamily="50" charset="-127"/>
+              </a:rPr>
+              <a:t>checksum</a:t>
+            </a:r>
+            <a:r>
+              <a:rPr lang="ko-KR" altLang="en-US" sz="2400" dirty="0">
+                <a:latin typeface="나눔스퀘어" panose="020B0600000101010101" pitchFamily="50" charset="-127"/>
+                <a:ea typeface="나눔스퀘어" panose="020B0600000101010101" pitchFamily="50" charset="-127"/>
+              </a:rPr>
+              <a:t>으로 보냄</a:t>
+            </a:r>
+            <a:endParaRPr lang="en-US" altLang="ko-KR" sz="2400" dirty="0">
+              <a:latin typeface="나눔스퀘어" panose="020B0600000101010101" pitchFamily="50" charset="-127"/>
+              <a:ea typeface="나눔스퀘어" panose="020B0600000101010101" pitchFamily="50" charset="-127"/>
+            </a:endParaRPr>
+          </a:p>
+          <a:p>
+            <a:pPr marL="0" indent="0">
+              <a:lnSpc>
+                <a:spcPct val="150000"/>
+              </a:lnSpc>
+              <a:buSzPct val="50000"/>
+              <a:buNone/>
+            </a:pPr>
+            <a:r>
+              <a:rPr lang="ko-KR" altLang="en-US" sz="2400" dirty="0">
+                <a:latin typeface="나눔스퀘어" panose="020B0600000101010101" pitchFamily="50" charset="-127"/>
+                <a:ea typeface="나눔스퀘어" panose="020B0600000101010101" pitchFamily="50" charset="-127"/>
+              </a:rPr>
+              <a:t>         통신 </a:t>
+            </a:r>
+            <a:r>
+              <a:rPr lang="en-US" altLang="ko-KR" sz="2400" dirty="0">
+                <a:latin typeface="나눔스퀘어" panose="020B0600000101010101" pitchFamily="50" charset="-127"/>
+                <a:ea typeface="나눔스퀘어" panose="020B0600000101010101" pitchFamily="50" charset="-127"/>
+              </a:rPr>
+              <a:t>interval</a:t>
+            </a:r>
+            <a:r>
+              <a:rPr lang="ko-KR" altLang="en-US" sz="2400" dirty="0">
+                <a:latin typeface="나눔스퀘어" panose="020B0600000101010101" pitchFamily="50" charset="-127"/>
+                <a:ea typeface="나눔스퀘어" panose="020B0600000101010101" pitchFamily="50" charset="-127"/>
+              </a:rPr>
+              <a:t>을 줄여서 </a:t>
+            </a:r>
+            <a:r>
+              <a:rPr lang="en-US" altLang="ko-KR" sz="2400" dirty="0">
+                <a:latin typeface="나눔스퀘어" panose="020B0600000101010101" pitchFamily="50" charset="-127"/>
+                <a:ea typeface="나눔스퀘어" panose="020B0600000101010101" pitchFamily="50" charset="-127"/>
+              </a:rPr>
+              <a:t>checksum</a:t>
+            </a:r>
+            <a:r>
+              <a:rPr lang="ko-KR" altLang="en-US" sz="2400" dirty="0">
+                <a:latin typeface="나눔스퀘어" panose="020B0600000101010101" pitchFamily="50" charset="-127"/>
+                <a:ea typeface="나눔스퀘어" panose="020B0600000101010101" pitchFamily="50" charset="-127"/>
+              </a:rPr>
+              <a:t>의 값이 다른 경우 값을 버림</a:t>
+            </a:r>
+            <a:endParaRPr lang="en-US" altLang="ko-KR" sz="2400" dirty="0">
+              <a:latin typeface="나눔스퀘어" panose="020B0600000101010101" pitchFamily="50" charset="-127"/>
+              <a:ea typeface="나눔스퀘어" panose="020B0600000101010101" pitchFamily="50" charset="-127"/>
+            </a:endParaRPr>
           </a:p>
         </p:txBody>
       </p:sp>
@@ -6867,7 +6755,7 @@
         </p:blipFill>
         <p:spPr>
           <a:xfrm>
-            <a:off x="1781175" y="2896742"/>
+            <a:off x="1781175" y="3166784"/>
             <a:ext cx="390145" cy="408433"/>
           </a:xfrm>
           <a:prstGeom prst="rect">
@@ -6875,421 +6763,21 @@
           </a:prstGeom>
         </p:spPr>
       </p:pic>
-    </p:spTree>
-    <p:extLst>
-      <p:ext uri="{BB962C8B-B14F-4D97-AF65-F5344CB8AC3E}">
-        <p14:creationId xmlns:p14="http://schemas.microsoft.com/office/powerpoint/2010/main" val="3408821831"/>
-      </p:ext>
-    </p:extLst>
-  </p:cSld>
-  <p:clrMapOvr>
-    <a:masterClrMapping/>
-  </p:clrMapOvr>
-</p:sld>
-</file>
-
-<file path=ppt/slides/slide13.xml><?xml version="1.0" encoding="utf-8"?>
-<p:sld xmlns:a="http://schemas.openxmlformats.org/drawingml/2006/main" xmlns:r="http://schemas.openxmlformats.org/officeDocument/2006/relationships" xmlns:p="http://schemas.openxmlformats.org/presentationml/2006/main">
-  <p:cSld>
-    <p:spTree>
-      <p:nvGrpSpPr>
-        <p:cNvPr id="1" name=""/>
-        <p:cNvGrpSpPr/>
-        <p:nvPr/>
-      </p:nvGrpSpPr>
-      <p:grpSpPr>
-        <a:xfrm>
-          <a:off x="0" y="0"/>
-          <a:ext cx="0" cy="0"/>
-          <a:chOff x="0" y="0"/>
-          <a:chExt cx="0" cy="0"/>
-        </a:xfrm>
-      </p:grpSpPr>
-      <p:sp>
-        <p:nvSpPr>
-          <p:cNvPr id="6" name="TextBox 5">
-            <a:extLst>
-              <a:ext uri="{FF2B5EF4-FFF2-40B4-BE49-F238E27FC236}">
-                <a16:creationId xmlns:a16="http://schemas.microsoft.com/office/drawing/2014/main" id="{42A6955F-C97B-4E5D-AA79-0644E3710CD5}"/>
-              </a:ext>
-            </a:extLst>
-          </p:cNvPr>
-          <p:cNvSpPr txBox="1"/>
+      <p:sp>
+        <p:nvSpPr>
+          <p:cNvPr id="7" name="화살표: 오른쪽 6">
+            <a:extLst>
+              <a:ext uri="{FF2B5EF4-FFF2-40B4-BE49-F238E27FC236}">
+                <a16:creationId xmlns:a16="http://schemas.microsoft.com/office/drawing/2014/main" id="{DDC70A15-F33E-4A0E-8AF0-95BC9271ADB3}"/>
+              </a:ext>
+            </a:extLst>
+          </p:cNvPr>
+          <p:cNvSpPr/>
           <p:nvPr/>
         </p:nvSpPr>
         <p:spPr>
           <a:xfrm>
-            <a:off x="2898653" y="341922"/>
-            <a:ext cx="6394700" cy="830997"/>
-          </a:xfrm>
-          <a:prstGeom prst="rect">
-            <a:avLst/>
-          </a:prstGeom>
-          <a:noFill/>
-        </p:spPr>
-        <p:txBody>
-          <a:bodyPr wrap="none" rtlCol="0">
-            <a:spAutoFit/>
-          </a:bodyPr>
-          <a:lstStyle/>
-          <a:p>
-            <a:pPr algn="ctr"/>
-            <a:r>
-              <a:rPr lang="ko-KR" altLang="en-US" sz="4800" dirty="0">
-                <a:solidFill>
-                  <a:srgbClr val="6BC7BF"/>
-                </a:solidFill>
-                <a:latin typeface="나눔스퀘어" panose="020B0600000101010101" pitchFamily="50" charset="-127"/>
-                <a:ea typeface="나눔스퀘어" panose="020B0600000101010101" pitchFamily="50" charset="-127"/>
-              </a:rPr>
-              <a:t>양치 시간 측정 기능 구현</a:t>
-            </a:r>
-          </a:p>
-        </p:txBody>
-      </p:sp>
-      <p:sp>
-        <p:nvSpPr>
-          <p:cNvPr id="16" name="다양한 스마트 헬스케어 제품 출시…">
-            <a:extLst>
-              <a:ext uri="{FF2B5EF4-FFF2-40B4-BE49-F238E27FC236}">
-                <a16:creationId xmlns:a16="http://schemas.microsoft.com/office/drawing/2014/main" id="{41E72F1B-F8D1-4DAB-828A-0B72251BC4D4}"/>
-              </a:ext>
-            </a:extLst>
-          </p:cNvPr>
-          <p:cNvSpPr txBox="1">
-            <a:spLocks/>
-          </p:cNvSpPr>
-          <p:nvPr/>
-        </p:nvSpPr>
-        <p:spPr>
-          <a:xfrm>
-            <a:off x="1857376" y="1536510"/>
-            <a:ext cx="8648700" cy="4603470"/>
-          </a:xfrm>
-          <a:prstGeom prst="rect">
-            <a:avLst/>
-          </a:prstGeom>
-        </p:spPr>
-        <p:txBody>
-          <a:bodyPr vert="horz" lIns="91440" tIns="45720" rIns="91440" bIns="45720" rtlCol="0">
-            <a:normAutofit/>
-          </a:bodyPr>
-          <a:lstStyle>
-            <a:lvl1pPr marL="228600" indent="-228600" algn="l" defTabSz="914400" rtl="0" eaLnBrk="1" latinLnBrk="1" hangingPunct="1">
-              <a:lnSpc>
-                <a:spcPct val="90000"/>
-              </a:lnSpc>
-              <a:spcBef>
-                <a:spcPts val="1000"/>
-              </a:spcBef>
-              <a:buFont typeface="Arial" panose="020B0604020202020204" pitchFamily="34" charset="0"/>
-              <a:buChar char="•"/>
-              <a:defRPr sz="2800" kern="1200">
-                <a:solidFill>
-                  <a:schemeClr val="tx1"/>
-                </a:solidFill>
-                <a:latin typeface="+mn-lt"/>
-                <a:ea typeface="+mn-ea"/>
-                <a:cs typeface="+mn-cs"/>
-              </a:defRPr>
-            </a:lvl1pPr>
-            <a:lvl2pPr marL="685800" indent="-228600" algn="l" defTabSz="914400" rtl="0" eaLnBrk="1" latinLnBrk="1" hangingPunct="1">
-              <a:lnSpc>
-                <a:spcPct val="90000"/>
-              </a:lnSpc>
-              <a:spcBef>
-                <a:spcPts val="500"/>
-              </a:spcBef>
-              <a:buFont typeface="Arial" panose="020B0604020202020204" pitchFamily="34" charset="0"/>
-              <a:buChar char="•"/>
-              <a:defRPr sz="2400" kern="1200">
-                <a:solidFill>
-                  <a:schemeClr val="tx1"/>
-                </a:solidFill>
-                <a:latin typeface="+mn-lt"/>
-                <a:ea typeface="+mn-ea"/>
-                <a:cs typeface="+mn-cs"/>
-              </a:defRPr>
-            </a:lvl2pPr>
-            <a:lvl3pPr marL="1143000" indent="-228600" algn="l" defTabSz="914400" rtl="0" eaLnBrk="1" latinLnBrk="1" hangingPunct="1">
-              <a:lnSpc>
-                <a:spcPct val="90000"/>
-              </a:lnSpc>
-              <a:spcBef>
-                <a:spcPts val="500"/>
-              </a:spcBef>
-              <a:buFont typeface="Arial" panose="020B0604020202020204" pitchFamily="34" charset="0"/>
-              <a:buChar char="•"/>
-              <a:defRPr sz="2000" kern="1200">
-                <a:solidFill>
-                  <a:schemeClr val="tx1"/>
-                </a:solidFill>
-                <a:latin typeface="+mn-lt"/>
-                <a:ea typeface="+mn-ea"/>
-                <a:cs typeface="+mn-cs"/>
-              </a:defRPr>
-            </a:lvl3pPr>
-            <a:lvl4pPr marL="1600200" indent="-228600" algn="l" defTabSz="914400" rtl="0" eaLnBrk="1" latinLnBrk="1" hangingPunct="1">
-              <a:lnSpc>
-                <a:spcPct val="90000"/>
-              </a:lnSpc>
-              <a:spcBef>
-                <a:spcPts val="500"/>
-              </a:spcBef>
-              <a:buFont typeface="Arial" panose="020B0604020202020204" pitchFamily="34" charset="0"/>
-              <a:buChar char="•"/>
-              <a:defRPr sz="1800" kern="1200">
-                <a:solidFill>
-                  <a:schemeClr val="tx1"/>
-                </a:solidFill>
-                <a:latin typeface="+mn-lt"/>
-                <a:ea typeface="+mn-ea"/>
-                <a:cs typeface="+mn-cs"/>
-              </a:defRPr>
-            </a:lvl4pPr>
-            <a:lvl5pPr marL="2057400" indent="-228600" algn="l" defTabSz="914400" rtl="0" eaLnBrk="1" latinLnBrk="1" hangingPunct="1">
-              <a:lnSpc>
-                <a:spcPct val="90000"/>
-              </a:lnSpc>
-              <a:spcBef>
-                <a:spcPts val="500"/>
-              </a:spcBef>
-              <a:buFont typeface="Arial" panose="020B0604020202020204" pitchFamily="34" charset="0"/>
-              <a:buChar char="•"/>
-              <a:defRPr sz="1800" kern="1200">
-                <a:solidFill>
-                  <a:schemeClr val="tx1"/>
-                </a:solidFill>
-                <a:latin typeface="+mn-lt"/>
-                <a:ea typeface="+mn-ea"/>
-                <a:cs typeface="+mn-cs"/>
-              </a:defRPr>
-            </a:lvl5pPr>
-            <a:lvl6pPr marL="2514600" indent="-228600" algn="l" defTabSz="914400" rtl="0" eaLnBrk="1" latinLnBrk="1" hangingPunct="1">
-              <a:lnSpc>
-                <a:spcPct val="90000"/>
-              </a:lnSpc>
-              <a:spcBef>
-                <a:spcPts val="500"/>
-              </a:spcBef>
-              <a:buFont typeface="Arial" panose="020B0604020202020204" pitchFamily="34" charset="0"/>
-              <a:buChar char="•"/>
-              <a:defRPr sz="1800" kern="1200">
-                <a:solidFill>
-                  <a:schemeClr val="tx1"/>
-                </a:solidFill>
-                <a:latin typeface="+mn-lt"/>
-                <a:ea typeface="+mn-ea"/>
-                <a:cs typeface="+mn-cs"/>
-              </a:defRPr>
-            </a:lvl6pPr>
-            <a:lvl7pPr marL="2971800" indent="-228600" algn="l" defTabSz="914400" rtl="0" eaLnBrk="1" latinLnBrk="1" hangingPunct="1">
-              <a:lnSpc>
-                <a:spcPct val="90000"/>
-              </a:lnSpc>
-              <a:spcBef>
-                <a:spcPts val="500"/>
-              </a:spcBef>
-              <a:buFont typeface="Arial" panose="020B0604020202020204" pitchFamily="34" charset="0"/>
-              <a:buChar char="•"/>
-              <a:defRPr sz="1800" kern="1200">
-                <a:solidFill>
-                  <a:schemeClr val="tx1"/>
-                </a:solidFill>
-                <a:latin typeface="+mn-lt"/>
-                <a:ea typeface="+mn-ea"/>
-                <a:cs typeface="+mn-cs"/>
-              </a:defRPr>
-            </a:lvl7pPr>
-            <a:lvl8pPr marL="3429000" indent="-228600" algn="l" defTabSz="914400" rtl="0" eaLnBrk="1" latinLnBrk="1" hangingPunct="1">
-              <a:lnSpc>
-                <a:spcPct val="90000"/>
-              </a:lnSpc>
-              <a:spcBef>
-                <a:spcPts val="500"/>
-              </a:spcBef>
-              <a:buFont typeface="Arial" panose="020B0604020202020204" pitchFamily="34" charset="0"/>
-              <a:buChar char="•"/>
-              <a:defRPr sz="1800" kern="1200">
-                <a:solidFill>
-                  <a:schemeClr val="tx1"/>
-                </a:solidFill>
-                <a:latin typeface="+mn-lt"/>
-                <a:ea typeface="+mn-ea"/>
-                <a:cs typeface="+mn-cs"/>
-              </a:defRPr>
-            </a:lvl8pPr>
-            <a:lvl9pPr marL="3886200" indent="-228600" algn="l" defTabSz="914400" rtl="0" eaLnBrk="1" latinLnBrk="1" hangingPunct="1">
-              <a:lnSpc>
-                <a:spcPct val="90000"/>
-              </a:lnSpc>
-              <a:spcBef>
-                <a:spcPts val="500"/>
-              </a:spcBef>
-              <a:buFont typeface="Arial" panose="020B0604020202020204" pitchFamily="34" charset="0"/>
-              <a:buChar char="•"/>
-              <a:defRPr sz="1800" kern="1200">
-                <a:solidFill>
-                  <a:schemeClr val="tx1"/>
-                </a:solidFill>
-                <a:latin typeface="+mn-lt"/>
-                <a:ea typeface="+mn-ea"/>
-                <a:cs typeface="+mn-cs"/>
-              </a:defRPr>
-            </a:lvl9pPr>
-          </a:lstStyle>
-          <a:p>
-            <a:pPr marL="722312" indent="-722312">
-              <a:lnSpc>
-                <a:spcPct val="150000"/>
-              </a:lnSpc>
-              <a:buSzPct val="50000"/>
-              <a:buBlip>
-                <a:blip r:embed="rId3"/>
-              </a:buBlip>
-            </a:pPr>
-            <a:r>
-              <a:rPr lang="en-US" altLang="ko-KR" sz="2400" dirty="0">
-                <a:latin typeface="나눔스퀘어" panose="020B0600000101010101" pitchFamily="50" charset="-127"/>
-                <a:ea typeface="나눔스퀘어" panose="020B0600000101010101" pitchFamily="50" charset="-127"/>
-              </a:rPr>
-              <a:t>@@@@</a:t>
-            </a:r>
-          </a:p>
-          <a:p>
-            <a:pPr marL="1179512" lvl="1" indent="-722312">
-              <a:lnSpc>
-                <a:spcPct val="150000"/>
-              </a:lnSpc>
-              <a:buSzPct val="50000"/>
-              <a:buBlip>
-                <a:blip r:embed="rId3"/>
-              </a:buBlip>
-            </a:pPr>
-            <a:r>
-              <a:rPr lang="en-US" altLang="ko-KR" sz="2000" dirty="0">
-                <a:latin typeface="나눔스퀘어" panose="020B0600000101010101" pitchFamily="50" charset="-127"/>
-                <a:ea typeface="나눔스퀘어" panose="020B0600000101010101" pitchFamily="50" charset="-127"/>
-              </a:rPr>
-              <a:t>@@@</a:t>
-            </a:r>
-          </a:p>
-          <a:p>
-            <a:pPr marL="1179512" lvl="1" indent="-722312">
-              <a:lnSpc>
-                <a:spcPct val="150000"/>
-              </a:lnSpc>
-              <a:buSzPct val="50000"/>
-              <a:buBlip>
-                <a:blip r:embed="rId3"/>
-              </a:buBlip>
-            </a:pPr>
-            <a:endParaRPr lang="en-US" altLang="ko-KR" sz="2000" dirty="0">
-              <a:latin typeface="나눔스퀘어" panose="020B0600000101010101" pitchFamily="50" charset="-127"/>
-              <a:ea typeface="나눔스퀘어" panose="020B0600000101010101" pitchFamily="50" charset="-127"/>
-            </a:endParaRPr>
-          </a:p>
-          <a:p>
-            <a:pPr marL="1636712" lvl="2" indent="-722312">
-              <a:lnSpc>
-                <a:spcPct val="150000"/>
-              </a:lnSpc>
-              <a:buSzPct val="50000"/>
-              <a:buBlip>
-                <a:blip r:embed="rId3"/>
-              </a:buBlip>
-            </a:pPr>
-            <a:r>
-              <a:rPr lang="en-US" altLang="ko-KR" sz="1600" dirty="0">
-                <a:latin typeface="나눔스퀘어" panose="020B0600000101010101" pitchFamily="50" charset="-127"/>
-                <a:ea typeface="나눔스퀘어" panose="020B0600000101010101" pitchFamily="50" charset="-127"/>
-              </a:rPr>
-              <a:t>@@@@</a:t>
-            </a:r>
-          </a:p>
-          <a:p>
-            <a:pPr marL="1636712" lvl="2" indent="-722312">
-              <a:lnSpc>
-                <a:spcPct val="150000"/>
-              </a:lnSpc>
-              <a:buSzPct val="50000"/>
-              <a:buBlip>
-                <a:blip r:embed="rId3"/>
-              </a:buBlip>
-            </a:pPr>
-            <a:r>
-              <a:rPr lang="en-US" altLang="ko-KR" sz="1600" dirty="0">
-                <a:latin typeface="나눔스퀘어" panose="020B0600000101010101" pitchFamily="50" charset="-127"/>
-                <a:ea typeface="나눔스퀘어" panose="020B0600000101010101" pitchFamily="50" charset="-127"/>
-              </a:rPr>
-              <a:t>@@@@</a:t>
-            </a:r>
-          </a:p>
-          <a:p>
-            <a:pPr marL="1179512" lvl="1" indent="-722312">
-              <a:lnSpc>
-                <a:spcPct val="150000"/>
-              </a:lnSpc>
-              <a:buSzPct val="50000"/>
-              <a:buBlip>
-                <a:blip r:embed="rId3"/>
-              </a:buBlip>
-            </a:pPr>
-            <a:r>
-              <a:rPr lang="en-US" altLang="ko-KR" sz="2000" dirty="0">
-                <a:latin typeface="나눔스퀘어" panose="020B0600000101010101" pitchFamily="50" charset="-127"/>
-                <a:ea typeface="나눔스퀘어" panose="020B0600000101010101" pitchFamily="50" charset="-127"/>
-              </a:rPr>
-              <a:t>@@@@@</a:t>
-            </a:r>
-          </a:p>
-        </p:txBody>
-      </p:sp>
-      <p:pic>
-        <p:nvPicPr>
-          <p:cNvPr id="7" name="그림 6" descr="3.png">
-            <a:extLst>
-              <a:ext uri="{FF2B5EF4-FFF2-40B4-BE49-F238E27FC236}">
-                <a16:creationId xmlns:a16="http://schemas.microsoft.com/office/drawing/2014/main" id="{2585907F-9FC8-479B-BAFA-8E656443B984}"/>
-              </a:ext>
-            </a:extLst>
-          </p:cNvPr>
-          <p:cNvPicPr>
-            <a:picLocks noChangeAspect="1"/>
-          </p:cNvPicPr>
-          <p:nvPr/>
-        </p:nvPicPr>
-        <p:blipFill>
-          <a:blip r:embed="rId4" cstate="print"/>
-          <a:stretch>
-            <a:fillRect/>
-          </a:stretch>
-        </p:blipFill>
-        <p:spPr>
-          <a:xfrm>
-            <a:off x="1781174" y="1754884"/>
-            <a:ext cx="390145" cy="408433"/>
-          </a:xfrm>
-          <a:prstGeom prst="rect">
-            <a:avLst/>
-          </a:prstGeom>
-        </p:spPr>
-      </p:pic>
-      <p:sp>
-        <p:nvSpPr>
-          <p:cNvPr id="8" name="화살표: 오른쪽 7">
-            <a:extLst>
-              <a:ext uri="{FF2B5EF4-FFF2-40B4-BE49-F238E27FC236}">
-                <a16:creationId xmlns:a16="http://schemas.microsoft.com/office/drawing/2014/main" id="{4E127EC8-5EED-43A5-9F39-4557CDA8FF1A}"/>
-              </a:ext>
-            </a:extLst>
-          </p:cNvPr>
-          <p:cNvSpPr/>
-          <p:nvPr/>
-        </p:nvSpPr>
-        <p:spPr>
-          <a:xfrm>
-            <a:off x="2381250" y="2328727"/>
+            <a:off x="2171320" y="2428733"/>
             <a:ext cx="307552" cy="315252"/>
           </a:xfrm>
           <a:prstGeom prst="rightArrow">
@@ -7329,10 +6817,10 @@
       </p:sp>
       <p:sp>
         <p:nvSpPr>
-          <p:cNvPr id="11" name="화살표: 오른쪽 10">
-            <a:extLst>
-              <a:ext uri="{FF2B5EF4-FFF2-40B4-BE49-F238E27FC236}">
-                <a16:creationId xmlns:a16="http://schemas.microsoft.com/office/drawing/2014/main" id="{6CBA0446-21DF-44D6-8D54-0DD66F808BBB}"/>
+          <p:cNvPr id="8" name="화살표: 오른쪽 7">
+            <a:extLst>
+              <a:ext uri="{FF2B5EF4-FFF2-40B4-BE49-F238E27FC236}">
+                <a16:creationId xmlns:a16="http://schemas.microsoft.com/office/drawing/2014/main" id="{549C68FA-5950-4937-9EBB-761410AB24A3}"/>
               </a:ext>
             </a:extLst>
           </p:cNvPr>
@@ -7341,7 +6829,7 @@
         </p:nvSpPr>
         <p:spPr>
           <a:xfrm>
-            <a:off x="2381250" y="4166397"/>
+            <a:off x="2171320" y="4673454"/>
             <a:ext cx="307552" cy="315252"/>
           </a:xfrm>
           <a:prstGeom prst="rightArrow">
@@ -7379,869 +6867,21 @@
           </a:p>
         </p:txBody>
       </p:sp>
-    </p:spTree>
-    <p:extLst>
-      <p:ext uri="{BB962C8B-B14F-4D97-AF65-F5344CB8AC3E}">
-        <p14:creationId xmlns:p14="http://schemas.microsoft.com/office/powerpoint/2010/main" val="2458351895"/>
-      </p:ext>
-    </p:extLst>
-  </p:cSld>
-  <p:clrMapOvr>
-    <a:masterClrMapping/>
-  </p:clrMapOvr>
-</p:sld>
-</file>
-
-<file path=ppt/slides/slide14.xml><?xml version="1.0" encoding="utf-8"?>
-<p:sld xmlns:a="http://schemas.openxmlformats.org/drawingml/2006/main" xmlns:r="http://schemas.openxmlformats.org/officeDocument/2006/relationships" xmlns:p="http://schemas.openxmlformats.org/presentationml/2006/main">
-  <p:cSld>
-    <p:spTree>
-      <p:nvGrpSpPr>
-        <p:cNvPr id="1" name=""/>
-        <p:cNvGrpSpPr/>
-        <p:nvPr/>
-      </p:nvGrpSpPr>
-      <p:grpSpPr>
-        <a:xfrm>
-          <a:off x="0" y="0"/>
-          <a:ext cx="0" cy="0"/>
-          <a:chOff x="0" y="0"/>
-          <a:chExt cx="0" cy="0"/>
-        </a:xfrm>
-      </p:grpSpPr>
-      <p:sp>
-        <p:nvSpPr>
-          <p:cNvPr id="7" name="개발 배경">
-            <a:extLst>
-              <a:ext uri="{FF2B5EF4-FFF2-40B4-BE49-F238E27FC236}">
-                <a16:creationId xmlns:a16="http://schemas.microsoft.com/office/drawing/2014/main" id="{7BCC61F2-9241-4C7E-891D-B602AF36CE71}"/>
-              </a:ext>
-            </a:extLst>
-          </p:cNvPr>
-          <p:cNvSpPr txBox="1">
-            <a:spLocks noGrp="1"/>
-          </p:cNvSpPr>
-          <p:nvPr>
-            <p:ph type="title"/>
-          </p:nvPr>
-        </p:nvSpPr>
-        <p:spPr>
-          <a:prstGeom prst="rect">
-            <a:avLst/>
-          </a:prstGeom>
-        </p:spPr>
-        <p:txBody>
-          <a:bodyPr>
-            <a:normAutofit/>
-          </a:bodyPr>
-          <a:lstStyle/>
-          <a:p>
-            <a:pPr algn="ctr"/>
-            <a:r>
-              <a:rPr lang="ko-KR" altLang="en-US" sz="4800" dirty="0">
-                <a:latin typeface="나눔스퀘어" panose="020B0600000101010101" pitchFamily="50" charset="-127"/>
-                <a:ea typeface="나눔스퀘어" panose="020B0600000101010101" pitchFamily="50" charset="-127"/>
-              </a:rPr>
-              <a:t>치아 관련 정보 제공 기능</a:t>
-            </a:r>
-            <a:endParaRPr sz="4800" dirty="0">
-              <a:latin typeface="나눔스퀘어" panose="020B0600000101010101" pitchFamily="50" charset="-127"/>
-              <a:ea typeface="나눔스퀘어" panose="020B0600000101010101" pitchFamily="50" charset="-127"/>
-            </a:endParaRPr>
-          </a:p>
-        </p:txBody>
-      </p:sp>
-    </p:spTree>
-    <p:extLst>
-      <p:ext uri="{BB962C8B-B14F-4D97-AF65-F5344CB8AC3E}">
-        <p14:creationId xmlns:p14="http://schemas.microsoft.com/office/powerpoint/2010/main" val="3424345109"/>
-      </p:ext>
-    </p:extLst>
-  </p:cSld>
-  <p:clrMapOvr>
-    <a:masterClrMapping/>
-  </p:clrMapOvr>
-</p:sld>
-</file>
-
-<file path=ppt/slides/slide15.xml><?xml version="1.0" encoding="utf-8"?>
-<p:sld xmlns:a="http://schemas.openxmlformats.org/drawingml/2006/main" xmlns:r="http://schemas.openxmlformats.org/officeDocument/2006/relationships" xmlns:p="http://schemas.openxmlformats.org/presentationml/2006/main">
-  <p:cSld>
-    <p:spTree>
-      <p:nvGrpSpPr>
-        <p:cNvPr id="1" name=""/>
-        <p:cNvGrpSpPr/>
-        <p:nvPr/>
-      </p:nvGrpSpPr>
-      <p:grpSpPr>
-        <a:xfrm>
-          <a:off x="0" y="0"/>
-          <a:ext cx="0" cy="0"/>
-          <a:chOff x="0" y="0"/>
-          <a:chExt cx="0" cy="0"/>
-        </a:xfrm>
-      </p:grpSpPr>
-      <p:sp>
-        <p:nvSpPr>
-          <p:cNvPr id="6" name="TextBox 5">
-            <a:extLst>
-              <a:ext uri="{FF2B5EF4-FFF2-40B4-BE49-F238E27FC236}">
-                <a16:creationId xmlns:a16="http://schemas.microsoft.com/office/drawing/2014/main" id="{42A6955F-C97B-4E5D-AA79-0644E3710CD5}"/>
-              </a:ext>
-            </a:extLst>
-          </p:cNvPr>
-          <p:cNvSpPr txBox="1"/>
+      <p:sp>
+        <p:nvSpPr>
+          <p:cNvPr id="9" name="화살표: 오른쪽 8">
+            <a:extLst>
+              <a:ext uri="{FF2B5EF4-FFF2-40B4-BE49-F238E27FC236}">
+                <a16:creationId xmlns:a16="http://schemas.microsoft.com/office/drawing/2014/main" id="{654533E6-33C3-4900-8F04-1EDE988BC82E}"/>
+              </a:ext>
+            </a:extLst>
+          </p:cNvPr>
+          <p:cNvSpPr/>
           <p:nvPr/>
         </p:nvSpPr>
         <p:spPr>
           <a:xfrm>
-            <a:off x="1769342" y="341922"/>
-            <a:ext cx="8653331" cy="830997"/>
-          </a:xfrm>
-          <a:prstGeom prst="rect">
-            <a:avLst/>
-          </a:prstGeom>
-          <a:noFill/>
-        </p:spPr>
-        <p:txBody>
-          <a:bodyPr wrap="none" rtlCol="0">
-            <a:spAutoFit/>
-          </a:bodyPr>
-          <a:lstStyle/>
-          <a:p>
-            <a:pPr algn="ctr"/>
-            <a:r>
-              <a:rPr lang="ko-KR" altLang="en-US" sz="4800" dirty="0">
-                <a:solidFill>
-                  <a:srgbClr val="6BC7BF"/>
-                </a:solidFill>
-                <a:latin typeface="나눔스퀘어" panose="020B0600000101010101" pitchFamily="50" charset="-127"/>
-                <a:ea typeface="나눔스퀘어" panose="020B0600000101010101" pitchFamily="50" charset="-127"/>
-              </a:rPr>
-              <a:t>치아 관련 정보 제공 기능 구현</a:t>
-            </a:r>
-          </a:p>
-        </p:txBody>
-      </p:sp>
-      <p:sp>
-        <p:nvSpPr>
-          <p:cNvPr id="16" name="다양한 스마트 헬스케어 제품 출시…">
-            <a:extLst>
-              <a:ext uri="{FF2B5EF4-FFF2-40B4-BE49-F238E27FC236}">
-                <a16:creationId xmlns:a16="http://schemas.microsoft.com/office/drawing/2014/main" id="{41E72F1B-F8D1-4DAB-828A-0B72251BC4D4}"/>
-              </a:ext>
-            </a:extLst>
-          </p:cNvPr>
-          <p:cNvSpPr txBox="1">
-            <a:spLocks/>
-          </p:cNvSpPr>
-          <p:nvPr/>
-        </p:nvSpPr>
-        <p:spPr>
-          <a:xfrm>
-            <a:off x="1857376" y="1536510"/>
-            <a:ext cx="8648700" cy="4603470"/>
-          </a:xfrm>
-          <a:prstGeom prst="rect">
-            <a:avLst/>
-          </a:prstGeom>
-        </p:spPr>
-        <p:txBody>
-          <a:bodyPr vert="horz" lIns="91440" tIns="45720" rIns="91440" bIns="45720" rtlCol="0">
-            <a:normAutofit/>
-          </a:bodyPr>
-          <a:lstStyle>
-            <a:lvl1pPr marL="228600" indent="-228600" algn="l" defTabSz="914400" rtl="0" eaLnBrk="1" latinLnBrk="1" hangingPunct="1">
-              <a:lnSpc>
-                <a:spcPct val="90000"/>
-              </a:lnSpc>
-              <a:spcBef>
-                <a:spcPts val="1000"/>
-              </a:spcBef>
-              <a:buFont typeface="Arial" panose="020B0604020202020204" pitchFamily="34" charset="0"/>
-              <a:buChar char="•"/>
-              <a:defRPr sz="2800" kern="1200">
-                <a:solidFill>
-                  <a:schemeClr val="tx1"/>
-                </a:solidFill>
-                <a:latin typeface="+mn-lt"/>
-                <a:ea typeface="+mn-ea"/>
-                <a:cs typeface="+mn-cs"/>
-              </a:defRPr>
-            </a:lvl1pPr>
-            <a:lvl2pPr marL="685800" indent="-228600" algn="l" defTabSz="914400" rtl="0" eaLnBrk="1" latinLnBrk="1" hangingPunct="1">
-              <a:lnSpc>
-                <a:spcPct val="90000"/>
-              </a:lnSpc>
-              <a:spcBef>
-                <a:spcPts val="500"/>
-              </a:spcBef>
-              <a:buFont typeface="Arial" panose="020B0604020202020204" pitchFamily="34" charset="0"/>
-              <a:buChar char="•"/>
-              <a:defRPr sz="2400" kern="1200">
-                <a:solidFill>
-                  <a:schemeClr val="tx1"/>
-                </a:solidFill>
-                <a:latin typeface="+mn-lt"/>
-                <a:ea typeface="+mn-ea"/>
-                <a:cs typeface="+mn-cs"/>
-              </a:defRPr>
-            </a:lvl2pPr>
-            <a:lvl3pPr marL="1143000" indent="-228600" algn="l" defTabSz="914400" rtl="0" eaLnBrk="1" latinLnBrk="1" hangingPunct="1">
-              <a:lnSpc>
-                <a:spcPct val="90000"/>
-              </a:lnSpc>
-              <a:spcBef>
-                <a:spcPts val="500"/>
-              </a:spcBef>
-              <a:buFont typeface="Arial" panose="020B0604020202020204" pitchFamily="34" charset="0"/>
-              <a:buChar char="•"/>
-              <a:defRPr sz="2000" kern="1200">
-                <a:solidFill>
-                  <a:schemeClr val="tx1"/>
-                </a:solidFill>
-                <a:latin typeface="+mn-lt"/>
-                <a:ea typeface="+mn-ea"/>
-                <a:cs typeface="+mn-cs"/>
-              </a:defRPr>
-            </a:lvl3pPr>
-            <a:lvl4pPr marL="1600200" indent="-228600" algn="l" defTabSz="914400" rtl="0" eaLnBrk="1" latinLnBrk="1" hangingPunct="1">
-              <a:lnSpc>
-                <a:spcPct val="90000"/>
-              </a:lnSpc>
-              <a:spcBef>
-                <a:spcPts val="500"/>
-              </a:spcBef>
-              <a:buFont typeface="Arial" panose="020B0604020202020204" pitchFamily="34" charset="0"/>
-              <a:buChar char="•"/>
-              <a:defRPr sz="1800" kern="1200">
-                <a:solidFill>
-                  <a:schemeClr val="tx1"/>
-                </a:solidFill>
-                <a:latin typeface="+mn-lt"/>
-                <a:ea typeface="+mn-ea"/>
-                <a:cs typeface="+mn-cs"/>
-              </a:defRPr>
-            </a:lvl4pPr>
-            <a:lvl5pPr marL="2057400" indent="-228600" algn="l" defTabSz="914400" rtl="0" eaLnBrk="1" latinLnBrk="1" hangingPunct="1">
-              <a:lnSpc>
-                <a:spcPct val="90000"/>
-              </a:lnSpc>
-              <a:spcBef>
-                <a:spcPts val="500"/>
-              </a:spcBef>
-              <a:buFont typeface="Arial" panose="020B0604020202020204" pitchFamily="34" charset="0"/>
-              <a:buChar char="•"/>
-              <a:defRPr sz="1800" kern="1200">
-                <a:solidFill>
-                  <a:schemeClr val="tx1"/>
-                </a:solidFill>
-                <a:latin typeface="+mn-lt"/>
-                <a:ea typeface="+mn-ea"/>
-                <a:cs typeface="+mn-cs"/>
-              </a:defRPr>
-            </a:lvl5pPr>
-            <a:lvl6pPr marL="2514600" indent="-228600" algn="l" defTabSz="914400" rtl="0" eaLnBrk="1" latinLnBrk="1" hangingPunct="1">
-              <a:lnSpc>
-                <a:spcPct val="90000"/>
-              </a:lnSpc>
-              <a:spcBef>
-                <a:spcPts val="500"/>
-              </a:spcBef>
-              <a:buFont typeface="Arial" panose="020B0604020202020204" pitchFamily="34" charset="0"/>
-              <a:buChar char="•"/>
-              <a:defRPr sz="1800" kern="1200">
-                <a:solidFill>
-                  <a:schemeClr val="tx1"/>
-                </a:solidFill>
-                <a:latin typeface="+mn-lt"/>
-                <a:ea typeface="+mn-ea"/>
-                <a:cs typeface="+mn-cs"/>
-              </a:defRPr>
-            </a:lvl6pPr>
-            <a:lvl7pPr marL="2971800" indent="-228600" algn="l" defTabSz="914400" rtl="0" eaLnBrk="1" latinLnBrk="1" hangingPunct="1">
-              <a:lnSpc>
-                <a:spcPct val="90000"/>
-              </a:lnSpc>
-              <a:spcBef>
-                <a:spcPts val="500"/>
-              </a:spcBef>
-              <a:buFont typeface="Arial" panose="020B0604020202020204" pitchFamily="34" charset="0"/>
-              <a:buChar char="•"/>
-              <a:defRPr sz="1800" kern="1200">
-                <a:solidFill>
-                  <a:schemeClr val="tx1"/>
-                </a:solidFill>
-                <a:latin typeface="+mn-lt"/>
-                <a:ea typeface="+mn-ea"/>
-                <a:cs typeface="+mn-cs"/>
-              </a:defRPr>
-            </a:lvl7pPr>
-            <a:lvl8pPr marL="3429000" indent="-228600" algn="l" defTabSz="914400" rtl="0" eaLnBrk="1" latinLnBrk="1" hangingPunct="1">
-              <a:lnSpc>
-                <a:spcPct val="90000"/>
-              </a:lnSpc>
-              <a:spcBef>
-                <a:spcPts val="500"/>
-              </a:spcBef>
-              <a:buFont typeface="Arial" panose="020B0604020202020204" pitchFamily="34" charset="0"/>
-              <a:buChar char="•"/>
-              <a:defRPr sz="1800" kern="1200">
-                <a:solidFill>
-                  <a:schemeClr val="tx1"/>
-                </a:solidFill>
-                <a:latin typeface="+mn-lt"/>
-                <a:ea typeface="+mn-ea"/>
-                <a:cs typeface="+mn-cs"/>
-              </a:defRPr>
-            </a:lvl8pPr>
-            <a:lvl9pPr marL="3886200" indent="-228600" algn="l" defTabSz="914400" rtl="0" eaLnBrk="1" latinLnBrk="1" hangingPunct="1">
-              <a:lnSpc>
-                <a:spcPct val="90000"/>
-              </a:lnSpc>
-              <a:spcBef>
-                <a:spcPts val="500"/>
-              </a:spcBef>
-              <a:buFont typeface="Arial" panose="020B0604020202020204" pitchFamily="34" charset="0"/>
-              <a:buChar char="•"/>
-              <a:defRPr sz="1800" kern="1200">
-                <a:solidFill>
-                  <a:schemeClr val="tx1"/>
-                </a:solidFill>
-                <a:latin typeface="+mn-lt"/>
-                <a:ea typeface="+mn-ea"/>
-                <a:cs typeface="+mn-cs"/>
-              </a:defRPr>
-            </a:lvl9pPr>
-          </a:lstStyle>
-          <a:p>
-            <a:pPr marL="722312" indent="-722312">
-              <a:lnSpc>
-                <a:spcPct val="150000"/>
-              </a:lnSpc>
-              <a:buSzPct val="50000"/>
-              <a:buBlip>
-                <a:blip r:embed="rId3"/>
-              </a:buBlip>
-            </a:pPr>
-            <a:r>
-              <a:rPr lang="en-US" altLang="ko-KR" sz="2400" dirty="0">
-                <a:latin typeface="나눔스퀘어" panose="020B0600000101010101" pitchFamily="50" charset="-127"/>
-                <a:ea typeface="나눔스퀘어" panose="020B0600000101010101" pitchFamily="50" charset="-127"/>
-              </a:rPr>
-              <a:t>@@@@</a:t>
-            </a:r>
-          </a:p>
-          <a:p>
-            <a:pPr marL="722312" indent="-722312">
-              <a:lnSpc>
-                <a:spcPct val="150000"/>
-              </a:lnSpc>
-              <a:buSzPct val="50000"/>
-              <a:buBlip>
-                <a:blip r:embed="rId3"/>
-              </a:buBlip>
-            </a:pPr>
-            <a:endParaRPr lang="en-US" altLang="ko-KR" sz="2400" dirty="0">
-              <a:latin typeface="나눔스퀘어" panose="020B0600000101010101" pitchFamily="50" charset="-127"/>
-              <a:ea typeface="나눔스퀘어" panose="020B0600000101010101" pitchFamily="50" charset="-127"/>
-            </a:endParaRPr>
-          </a:p>
-          <a:p>
-            <a:pPr marL="722312" indent="-722312">
-              <a:lnSpc>
-                <a:spcPct val="150000"/>
-              </a:lnSpc>
-              <a:buSzPct val="50000"/>
-              <a:buBlip>
-                <a:blip r:embed="rId3"/>
-              </a:buBlip>
-            </a:pPr>
-            <a:r>
-              <a:rPr lang="en-US" altLang="ko-KR" sz="2400" dirty="0">
-                <a:latin typeface="나눔스퀘어" panose="020B0600000101010101" pitchFamily="50" charset="-127"/>
-                <a:ea typeface="나눔스퀘어" panose="020B0600000101010101" pitchFamily="50" charset="-127"/>
-              </a:rPr>
-              <a:t>@@@@</a:t>
-            </a:r>
-          </a:p>
-        </p:txBody>
-      </p:sp>
-      <p:pic>
-        <p:nvPicPr>
-          <p:cNvPr id="64" name="그림 63" descr="1.png">
-            <a:extLst>
-              <a:ext uri="{FF2B5EF4-FFF2-40B4-BE49-F238E27FC236}">
-                <a16:creationId xmlns:a16="http://schemas.microsoft.com/office/drawing/2014/main" id="{F923AA2F-5286-4D0A-9BBE-31164C954B53}"/>
-              </a:ext>
-            </a:extLst>
-          </p:cNvPr>
-          <p:cNvPicPr>
-            <a:picLocks noChangeAspect="1"/>
-          </p:cNvPicPr>
-          <p:nvPr/>
-        </p:nvPicPr>
-        <p:blipFill>
-          <a:blip r:embed="rId4" cstate="print"/>
-          <a:stretch>
-            <a:fillRect/>
-          </a:stretch>
-        </p:blipFill>
-        <p:spPr>
-          <a:xfrm>
-            <a:off x="1781175" y="1743718"/>
-            <a:ext cx="390145" cy="408433"/>
-          </a:xfrm>
-          <a:prstGeom prst="rect">
-            <a:avLst/>
-          </a:prstGeom>
-        </p:spPr>
-      </p:pic>
-      <p:pic>
-        <p:nvPicPr>
-          <p:cNvPr id="20" name="그림 19" descr="2.png">
-            <a:extLst>
-              <a:ext uri="{FF2B5EF4-FFF2-40B4-BE49-F238E27FC236}">
-                <a16:creationId xmlns:a16="http://schemas.microsoft.com/office/drawing/2014/main" id="{AA55A246-8134-4CF6-938A-4A43F0B28579}"/>
-              </a:ext>
-            </a:extLst>
-          </p:cNvPr>
-          <p:cNvPicPr>
-            <a:picLocks noChangeAspect="1"/>
-          </p:cNvPicPr>
-          <p:nvPr/>
-        </p:nvPicPr>
-        <p:blipFill>
-          <a:blip r:embed="rId5" cstate="print"/>
-          <a:stretch>
-            <a:fillRect/>
-          </a:stretch>
-        </p:blipFill>
-        <p:spPr>
-          <a:xfrm>
-            <a:off x="1781175" y="2896742"/>
-            <a:ext cx="390145" cy="408433"/>
-          </a:xfrm>
-          <a:prstGeom prst="rect">
-            <a:avLst/>
-          </a:prstGeom>
-        </p:spPr>
-      </p:pic>
-    </p:spTree>
-    <p:extLst>
-      <p:ext uri="{BB962C8B-B14F-4D97-AF65-F5344CB8AC3E}">
-        <p14:creationId xmlns:p14="http://schemas.microsoft.com/office/powerpoint/2010/main" val="200657752"/>
-      </p:ext>
-    </p:extLst>
-  </p:cSld>
-  <p:clrMapOvr>
-    <a:masterClrMapping/>
-  </p:clrMapOvr>
-</p:sld>
-</file>
-
-<file path=ppt/slides/slide16.xml><?xml version="1.0" encoding="utf-8"?>
-<p:sld xmlns:a="http://schemas.openxmlformats.org/drawingml/2006/main" xmlns:r="http://schemas.openxmlformats.org/officeDocument/2006/relationships" xmlns:p="http://schemas.openxmlformats.org/presentationml/2006/main">
-  <p:cSld>
-    <p:spTree>
-      <p:nvGrpSpPr>
-        <p:cNvPr id="1" name=""/>
-        <p:cNvGrpSpPr/>
-        <p:nvPr/>
-      </p:nvGrpSpPr>
-      <p:grpSpPr>
-        <a:xfrm>
-          <a:off x="0" y="0"/>
-          <a:ext cx="0" cy="0"/>
-          <a:chOff x="0" y="0"/>
-          <a:chExt cx="0" cy="0"/>
-        </a:xfrm>
-      </p:grpSpPr>
-      <p:sp>
-        <p:nvSpPr>
-          <p:cNvPr id="6" name="TextBox 5">
-            <a:extLst>
-              <a:ext uri="{FF2B5EF4-FFF2-40B4-BE49-F238E27FC236}">
-                <a16:creationId xmlns:a16="http://schemas.microsoft.com/office/drawing/2014/main" id="{42A6955F-C97B-4E5D-AA79-0644E3710CD5}"/>
-              </a:ext>
-            </a:extLst>
-          </p:cNvPr>
-          <p:cNvSpPr txBox="1"/>
-          <p:nvPr/>
-        </p:nvSpPr>
-        <p:spPr>
-          <a:xfrm>
-            <a:off x="1769342" y="341922"/>
-            <a:ext cx="8653331" cy="830997"/>
-          </a:xfrm>
-          <a:prstGeom prst="rect">
-            <a:avLst/>
-          </a:prstGeom>
-          <a:noFill/>
-        </p:spPr>
-        <p:txBody>
-          <a:bodyPr wrap="none" rtlCol="0">
-            <a:spAutoFit/>
-          </a:bodyPr>
-          <a:lstStyle/>
-          <a:p>
-            <a:pPr algn="ctr"/>
-            <a:r>
-              <a:rPr lang="ko-KR" altLang="en-US" sz="4800" dirty="0">
-                <a:solidFill>
-                  <a:srgbClr val="6BC7BF"/>
-                </a:solidFill>
-                <a:latin typeface="나눔스퀘어" panose="020B0600000101010101" pitchFamily="50" charset="-127"/>
-                <a:ea typeface="나눔스퀘어" panose="020B0600000101010101" pitchFamily="50" charset="-127"/>
-              </a:rPr>
-              <a:t>치아 관련 정보 제공 기능 구현</a:t>
-            </a:r>
-          </a:p>
-        </p:txBody>
-      </p:sp>
-      <p:sp>
-        <p:nvSpPr>
-          <p:cNvPr id="16" name="다양한 스마트 헬스케어 제품 출시…">
-            <a:extLst>
-              <a:ext uri="{FF2B5EF4-FFF2-40B4-BE49-F238E27FC236}">
-                <a16:creationId xmlns:a16="http://schemas.microsoft.com/office/drawing/2014/main" id="{41E72F1B-F8D1-4DAB-828A-0B72251BC4D4}"/>
-              </a:ext>
-            </a:extLst>
-          </p:cNvPr>
-          <p:cNvSpPr txBox="1">
-            <a:spLocks/>
-          </p:cNvSpPr>
-          <p:nvPr/>
-        </p:nvSpPr>
-        <p:spPr>
-          <a:xfrm>
-            <a:off x="1857376" y="1536510"/>
-            <a:ext cx="8648700" cy="4603470"/>
-          </a:xfrm>
-          <a:prstGeom prst="rect">
-            <a:avLst/>
-          </a:prstGeom>
-        </p:spPr>
-        <p:txBody>
-          <a:bodyPr vert="horz" lIns="91440" tIns="45720" rIns="91440" bIns="45720" rtlCol="0">
-            <a:normAutofit/>
-          </a:bodyPr>
-          <a:lstStyle>
-            <a:lvl1pPr marL="228600" indent="-228600" algn="l" defTabSz="914400" rtl="0" eaLnBrk="1" latinLnBrk="1" hangingPunct="1">
-              <a:lnSpc>
-                <a:spcPct val="90000"/>
-              </a:lnSpc>
-              <a:spcBef>
-                <a:spcPts val="1000"/>
-              </a:spcBef>
-              <a:buFont typeface="Arial" panose="020B0604020202020204" pitchFamily="34" charset="0"/>
-              <a:buChar char="•"/>
-              <a:defRPr sz="2800" kern="1200">
-                <a:solidFill>
-                  <a:schemeClr val="tx1"/>
-                </a:solidFill>
-                <a:latin typeface="+mn-lt"/>
-                <a:ea typeface="+mn-ea"/>
-                <a:cs typeface="+mn-cs"/>
-              </a:defRPr>
-            </a:lvl1pPr>
-            <a:lvl2pPr marL="685800" indent="-228600" algn="l" defTabSz="914400" rtl="0" eaLnBrk="1" latinLnBrk="1" hangingPunct="1">
-              <a:lnSpc>
-                <a:spcPct val="90000"/>
-              </a:lnSpc>
-              <a:spcBef>
-                <a:spcPts val="500"/>
-              </a:spcBef>
-              <a:buFont typeface="Arial" panose="020B0604020202020204" pitchFamily="34" charset="0"/>
-              <a:buChar char="•"/>
-              <a:defRPr sz="2400" kern="1200">
-                <a:solidFill>
-                  <a:schemeClr val="tx1"/>
-                </a:solidFill>
-                <a:latin typeface="+mn-lt"/>
-                <a:ea typeface="+mn-ea"/>
-                <a:cs typeface="+mn-cs"/>
-              </a:defRPr>
-            </a:lvl2pPr>
-            <a:lvl3pPr marL="1143000" indent="-228600" algn="l" defTabSz="914400" rtl="0" eaLnBrk="1" latinLnBrk="1" hangingPunct="1">
-              <a:lnSpc>
-                <a:spcPct val="90000"/>
-              </a:lnSpc>
-              <a:spcBef>
-                <a:spcPts val="500"/>
-              </a:spcBef>
-              <a:buFont typeface="Arial" panose="020B0604020202020204" pitchFamily="34" charset="0"/>
-              <a:buChar char="•"/>
-              <a:defRPr sz="2000" kern="1200">
-                <a:solidFill>
-                  <a:schemeClr val="tx1"/>
-                </a:solidFill>
-                <a:latin typeface="+mn-lt"/>
-                <a:ea typeface="+mn-ea"/>
-                <a:cs typeface="+mn-cs"/>
-              </a:defRPr>
-            </a:lvl3pPr>
-            <a:lvl4pPr marL="1600200" indent="-228600" algn="l" defTabSz="914400" rtl="0" eaLnBrk="1" latinLnBrk="1" hangingPunct="1">
-              <a:lnSpc>
-                <a:spcPct val="90000"/>
-              </a:lnSpc>
-              <a:spcBef>
-                <a:spcPts val="500"/>
-              </a:spcBef>
-              <a:buFont typeface="Arial" panose="020B0604020202020204" pitchFamily="34" charset="0"/>
-              <a:buChar char="•"/>
-              <a:defRPr sz="1800" kern="1200">
-                <a:solidFill>
-                  <a:schemeClr val="tx1"/>
-                </a:solidFill>
-                <a:latin typeface="+mn-lt"/>
-                <a:ea typeface="+mn-ea"/>
-                <a:cs typeface="+mn-cs"/>
-              </a:defRPr>
-            </a:lvl4pPr>
-            <a:lvl5pPr marL="2057400" indent="-228600" algn="l" defTabSz="914400" rtl="0" eaLnBrk="1" latinLnBrk="1" hangingPunct="1">
-              <a:lnSpc>
-                <a:spcPct val="90000"/>
-              </a:lnSpc>
-              <a:spcBef>
-                <a:spcPts val="500"/>
-              </a:spcBef>
-              <a:buFont typeface="Arial" panose="020B0604020202020204" pitchFamily="34" charset="0"/>
-              <a:buChar char="•"/>
-              <a:defRPr sz="1800" kern="1200">
-                <a:solidFill>
-                  <a:schemeClr val="tx1"/>
-                </a:solidFill>
-                <a:latin typeface="+mn-lt"/>
-                <a:ea typeface="+mn-ea"/>
-                <a:cs typeface="+mn-cs"/>
-              </a:defRPr>
-            </a:lvl5pPr>
-            <a:lvl6pPr marL="2514600" indent="-228600" algn="l" defTabSz="914400" rtl="0" eaLnBrk="1" latinLnBrk="1" hangingPunct="1">
-              <a:lnSpc>
-                <a:spcPct val="90000"/>
-              </a:lnSpc>
-              <a:spcBef>
-                <a:spcPts val="500"/>
-              </a:spcBef>
-              <a:buFont typeface="Arial" panose="020B0604020202020204" pitchFamily="34" charset="0"/>
-              <a:buChar char="•"/>
-              <a:defRPr sz="1800" kern="1200">
-                <a:solidFill>
-                  <a:schemeClr val="tx1"/>
-                </a:solidFill>
-                <a:latin typeface="+mn-lt"/>
-                <a:ea typeface="+mn-ea"/>
-                <a:cs typeface="+mn-cs"/>
-              </a:defRPr>
-            </a:lvl6pPr>
-            <a:lvl7pPr marL="2971800" indent="-228600" algn="l" defTabSz="914400" rtl="0" eaLnBrk="1" latinLnBrk="1" hangingPunct="1">
-              <a:lnSpc>
-                <a:spcPct val="90000"/>
-              </a:lnSpc>
-              <a:spcBef>
-                <a:spcPts val="500"/>
-              </a:spcBef>
-              <a:buFont typeface="Arial" panose="020B0604020202020204" pitchFamily="34" charset="0"/>
-              <a:buChar char="•"/>
-              <a:defRPr sz="1800" kern="1200">
-                <a:solidFill>
-                  <a:schemeClr val="tx1"/>
-                </a:solidFill>
-                <a:latin typeface="+mn-lt"/>
-                <a:ea typeface="+mn-ea"/>
-                <a:cs typeface="+mn-cs"/>
-              </a:defRPr>
-            </a:lvl7pPr>
-            <a:lvl8pPr marL="3429000" indent="-228600" algn="l" defTabSz="914400" rtl="0" eaLnBrk="1" latinLnBrk="1" hangingPunct="1">
-              <a:lnSpc>
-                <a:spcPct val="90000"/>
-              </a:lnSpc>
-              <a:spcBef>
-                <a:spcPts val="500"/>
-              </a:spcBef>
-              <a:buFont typeface="Arial" panose="020B0604020202020204" pitchFamily="34" charset="0"/>
-              <a:buChar char="•"/>
-              <a:defRPr sz="1800" kern="1200">
-                <a:solidFill>
-                  <a:schemeClr val="tx1"/>
-                </a:solidFill>
-                <a:latin typeface="+mn-lt"/>
-                <a:ea typeface="+mn-ea"/>
-                <a:cs typeface="+mn-cs"/>
-              </a:defRPr>
-            </a:lvl8pPr>
-            <a:lvl9pPr marL="3886200" indent="-228600" algn="l" defTabSz="914400" rtl="0" eaLnBrk="1" latinLnBrk="1" hangingPunct="1">
-              <a:lnSpc>
-                <a:spcPct val="90000"/>
-              </a:lnSpc>
-              <a:spcBef>
-                <a:spcPts val="500"/>
-              </a:spcBef>
-              <a:buFont typeface="Arial" panose="020B0604020202020204" pitchFamily="34" charset="0"/>
-              <a:buChar char="•"/>
-              <a:defRPr sz="1800" kern="1200">
-                <a:solidFill>
-                  <a:schemeClr val="tx1"/>
-                </a:solidFill>
-                <a:latin typeface="+mn-lt"/>
-                <a:ea typeface="+mn-ea"/>
-                <a:cs typeface="+mn-cs"/>
-              </a:defRPr>
-            </a:lvl9pPr>
-          </a:lstStyle>
-          <a:p>
-            <a:pPr marL="722312" indent="-722312">
-              <a:lnSpc>
-                <a:spcPct val="150000"/>
-              </a:lnSpc>
-              <a:buSzPct val="50000"/>
-              <a:buBlip>
-                <a:blip r:embed="rId3"/>
-              </a:buBlip>
-            </a:pPr>
-            <a:r>
-              <a:rPr lang="en-US" altLang="ko-KR" sz="2400" dirty="0">
-                <a:latin typeface="나눔스퀘어" panose="020B0600000101010101" pitchFamily="50" charset="-127"/>
-                <a:ea typeface="나눔스퀘어" panose="020B0600000101010101" pitchFamily="50" charset="-127"/>
-              </a:rPr>
-              <a:t>@@@</a:t>
-            </a:r>
-          </a:p>
-          <a:p>
-            <a:pPr marL="1179512" lvl="1" indent="-722312">
-              <a:lnSpc>
-                <a:spcPct val="150000"/>
-              </a:lnSpc>
-              <a:buSzPct val="50000"/>
-              <a:buBlip>
-                <a:blip r:embed="rId3"/>
-              </a:buBlip>
-            </a:pPr>
-            <a:r>
-              <a:rPr lang="en-US" altLang="ko-KR" sz="2000" dirty="0">
-                <a:latin typeface="나눔스퀘어" panose="020B0600000101010101" pitchFamily="50" charset="-127"/>
-                <a:ea typeface="나눔스퀘어" panose="020B0600000101010101" pitchFamily="50" charset="-127"/>
-              </a:rPr>
-              <a:t>@@@</a:t>
-            </a:r>
-          </a:p>
-          <a:p>
-            <a:pPr marL="1179512" lvl="1" indent="-722312">
-              <a:lnSpc>
-                <a:spcPct val="150000"/>
-              </a:lnSpc>
-              <a:buSzPct val="50000"/>
-              <a:buBlip>
-                <a:blip r:embed="rId3"/>
-              </a:buBlip>
-            </a:pPr>
-            <a:endParaRPr lang="en-US" altLang="ko-KR" sz="2000" dirty="0">
-              <a:latin typeface="나눔스퀘어" panose="020B0600000101010101" pitchFamily="50" charset="-127"/>
-              <a:ea typeface="나눔스퀘어" panose="020B0600000101010101" pitchFamily="50" charset="-127"/>
-            </a:endParaRPr>
-          </a:p>
-          <a:p>
-            <a:pPr marL="1636712" lvl="2" indent="-722312">
-              <a:lnSpc>
-                <a:spcPct val="150000"/>
-              </a:lnSpc>
-              <a:buSzPct val="50000"/>
-              <a:buBlip>
-                <a:blip r:embed="rId3"/>
-              </a:buBlip>
-            </a:pPr>
-            <a:r>
-              <a:rPr lang="en-US" altLang="ko-KR" sz="1600" dirty="0">
-                <a:latin typeface="나눔스퀘어" panose="020B0600000101010101" pitchFamily="50" charset="-127"/>
-                <a:ea typeface="나눔스퀘어" panose="020B0600000101010101" pitchFamily="50" charset="-127"/>
-              </a:rPr>
-              <a:t>@@@</a:t>
-            </a:r>
-          </a:p>
-          <a:p>
-            <a:pPr marL="1636712" lvl="2" indent="-722312">
-              <a:lnSpc>
-                <a:spcPct val="150000"/>
-              </a:lnSpc>
-              <a:buSzPct val="50000"/>
-              <a:buBlip>
-                <a:blip r:embed="rId3"/>
-              </a:buBlip>
-            </a:pPr>
-            <a:r>
-              <a:rPr lang="en-US" altLang="ko-KR" sz="1600" dirty="0">
-                <a:latin typeface="나눔스퀘어" panose="020B0600000101010101" pitchFamily="50" charset="-127"/>
-                <a:ea typeface="나눔스퀘어" panose="020B0600000101010101" pitchFamily="50" charset="-127"/>
-              </a:rPr>
-              <a:t>@@@</a:t>
-            </a:r>
-          </a:p>
-          <a:p>
-            <a:pPr marL="1179512" lvl="1" indent="-722312">
-              <a:lnSpc>
-                <a:spcPct val="150000"/>
-              </a:lnSpc>
-              <a:buSzPct val="50000"/>
-              <a:buBlip>
-                <a:blip r:embed="rId3"/>
-              </a:buBlip>
-            </a:pPr>
-            <a:r>
-              <a:rPr lang="en-US" altLang="ko-KR" sz="2000" dirty="0">
-                <a:latin typeface="나눔스퀘어" panose="020B0600000101010101" pitchFamily="50" charset="-127"/>
-                <a:ea typeface="나눔스퀘어" panose="020B0600000101010101" pitchFamily="50" charset="-127"/>
-              </a:rPr>
-              <a:t>@@@</a:t>
-            </a:r>
-          </a:p>
-        </p:txBody>
-      </p:sp>
-      <p:pic>
-        <p:nvPicPr>
-          <p:cNvPr id="7" name="그림 6" descr="3.png">
-            <a:extLst>
-              <a:ext uri="{FF2B5EF4-FFF2-40B4-BE49-F238E27FC236}">
-                <a16:creationId xmlns:a16="http://schemas.microsoft.com/office/drawing/2014/main" id="{2585907F-9FC8-479B-BAFA-8E656443B984}"/>
-              </a:ext>
-            </a:extLst>
-          </p:cNvPr>
-          <p:cNvPicPr>
-            <a:picLocks noChangeAspect="1"/>
-          </p:cNvPicPr>
-          <p:nvPr/>
-        </p:nvPicPr>
-        <p:blipFill>
-          <a:blip r:embed="rId4" cstate="print"/>
-          <a:stretch>
-            <a:fillRect/>
-          </a:stretch>
-        </p:blipFill>
-        <p:spPr>
-          <a:xfrm>
-            <a:off x="1781174" y="1754884"/>
-            <a:ext cx="390145" cy="408433"/>
-          </a:xfrm>
-          <a:prstGeom prst="rect">
-            <a:avLst/>
-          </a:prstGeom>
-        </p:spPr>
-      </p:pic>
-      <p:sp>
-        <p:nvSpPr>
-          <p:cNvPr id="8" name="화살표: 오른쪽 7">
-            <a:extLst>
-              <a:ext uri="{FF2B5EF4-FFF2-40B4-BE49-F238E27FC236}">
-                <a16:creationId xmlns:a16="http://schemas.microsoft.com/office/drawing/2014/main" id="{4E127EC8-5EED-43A5-9F39-4557CDA8FF1A}"/>
-              </a:ext>
-            </a:extLst>
-          </p:cNvPr>
-          <p:cNvSpPr/>
-          <p:nvPr/>
-        </p:nvSpPr>
-        <p:spPr>
-          <a:xfrm>
-            <a:off x="2381250" y="2328727"/>
+            <a:off x="2171320" y="5406717"/>
             <a:ext cx="307552" cy="315252"/>
           </a:xfrm>
           <a:prstGeom prst="rightArrow">
@@ -8279,12 +6919,1700 @@
           </a:p>
         </p:txBody>
       </p:sp>
-      <p:sp>
-        <p:nvSpPr>
-          <p:cNvPr id="11" name="화살표: 오른쪽 10">
-            <a:extLst>
-              <a:ext uri="{FF2B5EF4-FFF2-40B4-BE49-F238E27FC236}">
-                <a16:creationId xmlns:a16="http://schemas.microsoft.com/office/drawing/2014/main" id="{6CBA0446-21DF-44D6-8D54-0DD66F808BBB}"/>
+    </p:spTree>
+    <p:extLst>
+      <p:ext uri="{BB962C8B-B14F-4D97-AF65-F5344CB8AC3E}">
+        <p14:creationId xmlns:p14="http://schemas.microsoft.com/office/powerpoint/2010/main" val="2311389267"/>
+      </p:ext>
+    </p:extLst>
+  </p:cSld>
+  <p:clrMapOvr>
+    <a:masterClrMapping/>
+  </p:clrMapOvr>
+</p:sld>
+</file>
+
+<file path=ppt/slides/slide13.xml><?xml version="1.0" encoding="utf-8"?>
+<p:sld xmlns:a="http://schemas.openxmlformats.org/drawingml/2006/main" xmlns:r="http://schemas.openxmlformats.org/officeDocument/2006/relationships" xmlns:p="http://schemas.openxmlformats.org/presentationml/2006/main">
+  <p:cSld>
+    <p:spTree>
+      <p:nvGrpSpPr>
+        <p:cNvPr id="1" name=""/>
+        <p:cNvGrpSpPr/>
+        <p:nvPr/>
+      </p:nvGrpSpPr>
+      <p:grpSpPr>
+        <a:xfrm>
+          <a:off x="0" y="0"/>
+          <a:ext cx="0" cy="0"/>
+          <a:chOff x="0" y="0"/>
+          <a:chExt cx="0" cy="0"/>
+        </a:xfrm>
+      </p:grpSpPr>
+      <p:sp>
+        <p:nvSpPr>
+          <p:cNvPr id="7" name="개발 배경">
+            <a:extLst>
+              <a:ext uri="{FF2B5EF4-FFF2-40B4-BE49-F238E27FC236}">
+                <a16:creationId xmlns:a16="http://schemas.microsoft.com/office/drawing/2014/main" id="{7BCC61F2-9241-4C7E-891D-B602AF36CE71}"/>
+              </a:ext>
+            </a:extLst>
+          </p:cNvPr>
+          <p:cNvSpPr txBox="1">
+            <a:spLocks noGrp="1"/>
+          </p:cNvSpPr>
+          <p:nvPr>
+            <p:ph type="title"/>
+          </p:nvPr>
+        </p:nvSpPr>
+        <p:spPr>
+          <a:prstGeom prst="rect">
+            <a:avLst/>
+          </a:prstGeom>
+        </p:spPr>
+        <p:txBody>
+          <a:bodyPr>
+            <a:normAutofit/>
+          </a:bodyPr>
+          <a:lstStyle/>
+          <a:p>
+            <a:pPr algn="ctr"/>
+            <a:r>
+              <a:rPr lang="ko-KR" altLang="en-US" sz="4800" dirty="0">
+                <a:latin typeface="나눔스퀘어" panose="020B0600000101010101" pitchFamily="50" charset="-127"/>
+                <a:ea typeface="나눔스퀘어" panose="020B0600000101010101" pitchFamily="50" charset="-127"/>
+              </a:rPr>
+              <a:t>양치 시간 측정 기능 구현</a:t>
+            </a:r>
+            <a:endParaRPr sz="4800" dirty="0">
+              <a:latin typeface="나눔스퀘어" panose="020B0600000101010101" pitchFamily="50" charset="-127"/>
+              <a:ea typeface="나눔스퀘어" panose="020B0600000101010101" pitchFamily="50" charset="-127"/>
+            </a:endParaRPr>
+          </a:p>
+        </p:txBody>
+      </p:sp>
+    </p:spTree>
+    <p:extLst>
+      <p:ext uri="{BB962C8B-B14F-4D97-AF65-F5344CB8AC3E}">
+        <p14:creationId xmlns:p14="http://schemas.microsoft.com/office/powerpoint/2010/main" val="483107859"/>
+      </p:ext>
+    </p:extLst>
+  </p:cSld>
+  <p:clrMapOvr>
+    <a:masterClrMapping/>
+  </p:clrMapOvr>
+</p:sld>
+</file>
+
+<file path=ppt/slides/slide14.xml><?xml version="1.0" encoding="utf-8"?>
+<p:sld xmlns:a="http://schemas.openxmlformats.org/drawingml/2006/main" xmlns:r="http://schemas.openxmlformats.org/officeDocument/2006/relationships" xmlns:p="http://schemas.openxmlformats.org/presentationml/2006/main">
+  <p:cSld>
+    <p:spTree>
+      <p:nvGrpSpPr>
+        <p:cNvPr id="1" name=""/>
+        <p:cNvGrpSpPr/>
+        <p:nvPr/>
+      </p:nvGrpSpPr>
+      <p:grpSpPr>
+        <a:xfrm>
+          <a:off x="0" y="0"/>
+          <a:ext cx="0" cy="0"/>
+          <a:chOff x="0" y="0"/>
+          <a:chExt cx="0" cy="0"/>
+        </a:xfrm>
+      </p:grpSpPr>
+      <p:sp>
+        <p:nvSpPr>
+          <p:cNvPr id="6" name="TextBox 5">
+            <a:extLst>
+              <a:ext uri="{FF2B5EF4-FFF2-40B4-BE49-F238E27FC236}">
+                <a16:creationId xmlns:a16="http://schemas.microsoft.com/office/drawing/2014/main" id="{42A6955F-C97B-4E5D-AA79-0644E3710CD5}"/>
+              </a:ext>
+            </a:extLst>
+          </p:cNvPr>
+          <p:cNvSpPr txBox="1"/>
+          <p:nvPr/>
+        </p:nvSpPr>
+        <p:spPr>
+          <a:xfrm>
+            <a:off x="2898653" y="341922"/>
+            <a:ext cx="6394700" cy="830997"/>
+          </a:xfrm>
+          <a:prstGeom prst="rect">
+            <a:avLst/>
+          </a:prstGeom>
+          <a:noFill/>
+        </p:spPr>
+        <p:txBody>
+          <a:bodyPr wrap="none" rtlCol="0">
+            <a:spAutoFit/>
+          </a:bodyPr>
+          <a:lstStyle/>
+          <a:p>
+            <a:pPr algn="ctr"/>
+            <a:r>
+              <a:rPr lang="ko-KR" altLang="en-US" sz="4800" dirty="0">
+                <a:solidFill>
+                  <a:srgbClr val="6BC7BF"/>
+                </a:solidFill>
+                <a:latin typeface="나눔스퀘어" panose="020B0600000101010101" pitchFamily="50" charset="-127"/>
+                <a:ea typeface="나눔스퀘어" panose="020B0600000101010101" pitchFamily="50" charset="-127"/>
+              </a:rPr>
+              <a:t>양치 시간 측정 기능 구현</a:t>
+            </a:r>
+          </a:p>
+        </p:txBody>
+      </p:sp>
+      <p:sp>
+        <p:nvSpPr>
+          <p:cNvPr id="16" name="다양한 스마트 헬스케어 제품 출시…">
+            <a:extLst>
+              <a:ext uri="{FF2B5EF4-FFF2-40B4-BE49-F238E27FC236}">
+                <a16:creationId xmlns:a16="http://schemas.microsoft.com/office/drawing/2014/main" id="{41E72F1B-F8D1-4DAB-828A-0B72251BC4D4}"/>
+              </a:ext>
+            </a:extLst>
+          </p:cNvPr>
+          <p:cNvSpPr txBox="1">
+            <a:spLocks/>
+          </p:cNvSpPr>
+          <p:nvPr/>
+        </p:nvSpPr>
+        <p:spPr>
+          <a:xfrm>
+            <a:off x="1857376" y="1536510"/>
+            <a:ext cx="8648700" cy="4603470"/>
+          </a:xfrm>
+          <a:prstGeom prst="rect">
+            <a:avLst/>
+          </a:prstGeom>
+        </p:spPr>
+        <p:txBody>
+          <a:bodyPr vert="horz" lIns="91440" tIns="45720" rIns="91440" bIns="45720" rtlCol="0">
+            <a:normAutofit/>
+          </a:bodyPr>
+          <a:lstStyle>
+            <a:lvl1pPr marL="228600" indent="-228600" algn="l" defTabSz="914400" rtl="0" eaLnBrk="1" latinLnBrk="1" hangingPunct="1">
+              <a:lnSpc>
+                <a:spcPct val="90000"/>
+              </a:lnSpc>
+              <a:spcBef>
+                <a:spcPts val="1000"/>
+              </a:spcBef>
+              <a:buFont typeface="Arial" panose="020B0604020202020204" pitchFamily="34" charset="0"/>
+              <a:buChar char="•"/>
+              <a:defRPr sz="2800" kern="1200">
+                <a:solidFill>
+                  <a:schemeClr val="tx1"/>
+                </a:solidFill>
+                <a:latin typeface="+mn-lt"/>
+                <a:ea typeface="+mn-ea"/>
+                <a:cs typeface="+mn-cs"/>
+              </a:defRPr>
+            </a:lvl1pPr>
+            <a:lvl2pPr marL="685800" indent="-228600" algn="l" defTabSz="914400" rtl="0" eaLnBrk="1" latinLnBrk="1" hangingPunct="1">
+              <a:lnSpc>
+                <a:spcPct val="90000"/>
+              </a:lnSpc>
+              <a:spcBef>
+                <a:spcPts val="500"/>
+              </a:spcBef>
+              <a:buFont typeface="Arial" panose="020B0604020202020204" pitchFamily="34" charset="0"/>
+              <a:buChar char="•"/>
+              <a:defRPr sz="2400" kern="1200">
+                <a:solidFill>
+                  <a:schemeClr val="tx1"/>
+                </a:solidFill>
+                <a:latin typeface="+mn-lt"/>
+                <a:ea typeface="+mn-ea"/>
+                <a:cs typeface="+mn-cs"/>
+              </a:defRPr>
+            </a:lvl2pPr>
+            <a:lvl3pPr marL="1143000" indent="-228600" algn="l" defTabSz="914400" rtl="0" eaLnBrk="1" latinLnBrk="1" hangingPunct="1">
+              <a:lnSpc>
+                <a:spcPct val="90000"/>
+              </a:lnSpc>
+              <a:spcBef>
+                <a:spcPts val="500"/>
+              </a:spcBef>
+              <a:buFont typeface="Arial" panose="020B0604020202020204" pitchFamily="34" charset="0"/>
+              <a:buChar char="•"/>
+              <a:defRPr sz="2000" kern="1200">
+                <a:solidFill>
+                  <a:schemeClr val="tx1"/>
+                </a:solidFill>
+                <a:latin typeface="+mn-lt"/>
+                <a:ea typeface="+mn-ea"/>
+                <a:cs typeface="+mn-cs"/>
+              </a:defRPr>
+            </a:lvl3pPr>
+            <a:lvl4pPr marL="1600200" indent="-228600" algn="l" defTabSz="914400" rtl="0" eaLnBrk="1" latinLnBrk="1" hangingPunct="1">
+              <a:lnSpc>
+                <a:spcPct val="90000"/>
+              </a:lnSpc>
+              <a:spcBef>
+                <a:spcPts val="500"/>
+              </a:spcBef>
+              <a:buFont typeface="Arial" panose="020B0604020202020204" pitchFamily="34" charset="0"/>
+              <a:buChar char="•"/>
+              <a:defRPr sz="1800" kern="1200">
+                <a:solidFill>
+                  <a:schemeClr val="tx1"/>
+                </a:solidFill>
+                <a:latin typeface="+mn-lt"/>
+                <a:ea typeface="+mn-ea"/>
+                <a:cs typeface="+mn-cs"/>
+              </a:defRPr>
+            </a:lvl4pPr>
+            <a:lvl5pPr marL="2057400" indent="-228600" algn="l" defTabSz="914400" rtl="0" eaLnBrk="1" latinLnBrk="1" hangingPunct="1">
+              <a:lnSpc>
+                <a:spcPct val="90000"/>
+              </a:lnSpc>
+              <a:spcBef>
+                <a:spcPts val="500"/>
+              </a:spcBef>
+              <a:buFont typeface="Arial" panose="020B0604020202020204" pitchFamily="34" charset="0"/>
+              <a:buChar char="•"/>
+              <a:defRPr sz="1800" kern="1200">
+                <a:solidFill>
+                  <a:schemeClr val="tx1"/>
+                </a:solidFill>
+                <a:latin typeface="+mn-lt"/>
+                <a:ea typeface="+mn-ea"/>
+                <a:cs typeface="+mn-cs"/>
+              </a:defRPr>
+            </a:lvl5pPr>
+            <a:lvl6pPr marL="2514600" indent="-228600" algn="l" defTabSz="914400" rtl="0" eaLnBrk="1" latinLnBrk="1" hangingPunct="1">
+              <a:lnSpc>
+                <a:spcPct val="90000"/>
+              </a:lnSpc>
+              <a:spcBef>
+                <a:spcPts val="500"/>
+              </a:spcBef>
+              <a:buFont typeface="Arial" panose="020B0604020202020204" pitchFamily="34" charset="0"/>
+              <a:buChar char="•"/>
+              <a:defRPr sz="1800" kern="1200">
+                <a:solidFill>
+                  <a:schemeClr val="tx1"/>
+                </a:solidFill>
+                <a:latin typeface="+mn-lt"/>
+                <a:ea typeface="+mn-ea"/>
+                <a:cs typeface="+mn-cs"/>
+              </a:defRPr>
+            </a:lvl6pPr>
+            <a:lvl7pPr marL="2971800" indent="-228600" algn="l" defTabSz="914400" rtl="0" eaLnBrk="1" latinLnBrk="1" hangingPunct="1">
+              <a:lnSpc>
+                <a:spcPct val="90000"/>
+              </a:lnSpc>
+              <a:spcBef>
+                <a:spcPts val="500"/>
+              </a:spcBef>
+              <a:buFont typeface="Arial" panose="020B0604020202020204" pitchFamily="34" charset="0"/>
+              <a:buChar char="•"/>
+              <a:defRPr sz="1800" kern="1200">
+                <a:solidFill>
+                  <a:schemeClr val="tx1"/>
+                </a:solidFill>
+                <a:latin typeface="+mn-lt"/>
+                <a:ea typeface="+mn-ea"/>
+                <a:cs typeface="+mn-cs"/>
+              </a:defRPr>
+            </a:lvl7pPr>
+            <a:lvl8pPr marL="3429000" indent="-228600" algn="l" defTabSz="914400" rtl="0" eaLnBrk="1" latinLnBrk="1" hangingPunct="1">
+              <a:lnSpc>
+                <a:spcPct val="90000"/>
+              </a:lnSpc>
+              <a:spcBef>
+                <a:spcPts val="500"/>
+              </a:spcBef>
+              <a:buFont typeface="Arial" panose="020B0604020202020204" pitchFamily="34" charset="0"/>
+              <a:buChar char="•"/>
+              <a:defRPr sz="1800" kern="1200">
+                <a:solidFill>
+                  <a:schemeClr val="tx1"/>
+                </a:solidFill>
+                <a:latin typeface="+mn-lt"/>
+                <a:ea typeface="+mn-ea"/>
+                <a:cs typeface="+mn-cs"/>
+              </a:defRPr>
+            </a:lvl8pPr>
+            <a:lvl9pPr marL="3886200" indent="-228600" algn="l" defTabSz="914400" rtl="0" eaLnBrk="1" latinLnBrk="1" hangingPunct="1">
+              <a:lnSpc>
+                <a:spcPct val="90000"/>
+              </a:lnSpc>
+              <a:spcBef>
+                <a:spcPts val="500"/>
+              </a:spcBef>
+              <a:buFont typeface="Arial" panose="020B0604020202020204" pitchFamily="34" charset="0"/>
+              <a:buChar char="•"/>
+              <a:defRPr sz="1800" kern="1200">
+                <a:solidFill>
+                  <a:schemeClr val="tx1"/>
+                </a:solidFill>
+                <a:latin typeface="+mn-lt"/>
+                <a:ea typeface="+mn-ea"/>
+                <a:cs typeface="+mn-cs"/>
+              </a:defRPr>
+            </a:lvl9pPr>
+          </a:lstStyle>
+          <a:p>
+            <a:pPr marL="722312" indent="-722312">
+              <a:lnSpc>
+                <a:spcPct val="150000"/>
+              </a:lnSpc>
+              <a:buSzPct val="50000"/>
+              <a:buBlip>
+                <a:blip r:embed="rId3"/>
+              </a:buBlip>
+            </a:pPr>
+            <a:endParaRPr lang="en-US" altLang="ko-KR" dirty="0">
+              <a:latin typeface="나눔스퀘어" panose="020B0600000101010101" pitchFamily="50" charset="-127"/>
+              <a:ea typeface="나눔스퀘어" panose="020B0600000101010101" pitchFamily="50" charset="-127"/>
+            </a:endParaRPr>
+          </a:p>
+          <a:p>
+            <a:pPr marL="722312" indent="-722312">
+              <a:lnSpc>
+                <a:spcPct val="150000"/>
+              </a:lnSpc>
+              <a:buSzPct val="50000"/>
+              <a:buBlip>
+                <a:blip r:embed="rId3"/>
+              </a:buBlip>
+            </a:pPr>
+            <a:r>
+              <a:rPr lang="ko-KR" altLang="en-US" dirty="0">
+                <a:latin typeface="나눔스퀘어" panose="020B0600000101010101" pitchFamily="50" charset="-127"/>
+                <a:ea typeface="나눔스퀘어" panose="020B0600000101010101" pitchFamily="50" charset="-127"/>
+              </a:rPr>
+              <a:t>블루투스 모듈과 통신하는 단위만큼 양치 시간을 더하여 양치 시간 측정</a:t>
+            </a:r>
+            <a:endParaRPr lang="en-US" altLang="ko-KR" dirty="0">
+              <a:latin typeface="나눔스퀘어" panose="020B0600000101010101" pitchFamily="50" charset="-127"/>
+              <a:ea typeface="나눔스퀘어" panose="020B0600000101010101" pitchFamily="50" charset="-127"/>
+            </a:endParaRPr>
+          </a:p>
+          <a:p>
+            <a:pPr marL="0" indent="0">
+              <a:lnSpc>
+                <a:spcPct val="150000"/>
+              </a:lnSpc>
+              <a:buSzPct val="50000"/>
+              <a:buNone/>
+            </a:pPr>
+            <a:endParaRPr lang="en-US" altLang="ko-KR" dirty="0">
+              <a:latin typeface="나눔스퀘어" panose="020B0600000101010101" pitchFamily="50" charset="-127"/>
+              <a:ea typeface="나눔스퀘어" panose="020B0600000101010101" pitchFamily="50" charset="-127"/>
+            </a:endParaRPr>
+          </a:p>
+          <a:p>
+            <a:pPr marL="722312" indent="-722312">
+              <a:lnSpc>
+                <a:spcPct val="150000"/>
+              </a:lnSpc>
+              <a:buSzPct val="50000"/>
+              <a:buBlip>
+                <a:blip r:embed="rId3"/>
+              </a:buBlip>
+            </a:pPr>
+            <a:r>
+              <a:rPr lang="en-US" altLang="ko-KR" dirty="0">
+                <a:latin typeface="나눔스퀘어" panose="020B0600000101010101" pitchFamily="50" charset="-127"/>
+                <a:ea typeface="나눔스퀘어" panose="020B0600000101010101" pitchFamily="50" charset="-127"/>
+              </a:rPr>
+              <a:t>3</a:t>
+            </a:r>
+            <a:r>
+              <a:rPr lang="ko-KR" altLang="en-US" dirty="0">
+                <a:latin typeface="나눔스퀘어" panose="020B0600000101010101" pitchFamily="50" charset="-127"/>
+                <a:ea typeface="나눔스퀘어" panose="020B0600000101010101" pitchFamily="50" charset="-127"/>
+              </a:rPr>
+              <a:t>분이 되면 소리로 알림</a:t>
+            </a:r>
+            <a:endParaRPr lang="en-US" altLang="ko-KR" dirty="0">
+              <a:latin typeface="나눔스퀘어" panose="020B0600000101010101" pitchFamily="50" charset="-127"/>
+              <a:ea typeface="나눔스퀘어" panose="020B0600000101010101" pitchFamily="50" charset="-127"/>
+            </a:endParaRPr>
+          </a:p>
+        </p:txBody>
+      </p:sp>
+      <p:pic>
+        <p:nvPicPr>
+          <p:cNvPr id="64" name="그림 63" descr="1.png">
+            <a:extLst>
+              <a:ext uri="{FF2B5EF4-FFF2-40B4-BE49-F238E27FC236}">
+                <a16:creationId xmlns:a16="http://schemas.microsoft.com/office/drawing/2014/main" id="{F923AA2F-5286-4D0A-9BBE-31164C954B53}"/>
+              </a:ext>
+            </a:extLst>
+          </p:cNvPr>
+          <p:cNvPicPr>
+            <a:picLocks noChangeAspect="1"/>
+          </p:cNvPicPr>
+          <p:nvPr/>
+        </p:nvPicPr>
+        <p:blipFill>
+          <a:blip r:embed="rId4" cstate="print"/>
+          <a:stretch>
+            <a:fillRect/>
+          </a:stretch>
+        </p:blipFill>
+        <p:spPr>
+          <a:xfrm>
+            <a:off x="1857376" y="2534550"/>
+            <a:ext cx="390145" cy="408433"/>
+          </a:xfrm>
+          <a:prstGeom prst="rect">
+            <a:avLst/>
+          </a:prstGeom>
+        </p:spPr>
+      </p:pic>
+      <p:pic>
+        <p:nvPicPr>
+          <p:cNvPr id="20" name="그림 19" descr="2.png">
+            <a:extLst>
+              <a:ext uri="{FF2B5EF4-FFF2-40B4-BE49-F238E27FC236}">
+                <a16:creationId xmlns:a16="http://schemas.microsoft.com/office/drawing/2014/main" id="{AA55A246-8134-4CF6-938A-4A43F0B28579}"/>
+              </a:ext>
+            </a:extLst>
+          </p:cNvPr>
+          <p:cNvPicPr>
+            <a:picLocks noChangeAspect="1"/>
+          </p:cNvPicPr>
+          <p:nvPr/>
+        </p:nvPicPr>
+        <p:blipFill>
+          <a:blip r:embed="rId5" cstate="print"/>
+          <a:stretch>
+            <a:fillRect/>
+          </a:stretch>
+        </p:blipFill>
+        <p:spPr>
+          <a:xfrm>
+            <a:off x="1857376" y="4732681"/>
+            <a:ext cx="390145" cy="408433"/>
+          </a:xfrm>
+          <a:prstGeom prst="rect">
+            <a:avLst/>
+          </a:prstGeom>
+        </p:spPr>
+      </p:pic>
+    </p:spTree>
+    <p:extLst>
+      <p:ext uri="{BB962C8B-B14F-4D97-AF65-F5344CB8AC3E}">
+        <p14:creationId xmlns:p14="http://schemas.microsoft.com/office/powerpoint/2010/main" val="3408821831"/>
+      </p:ext>
+    </p:extLst>
+  </p:cSld>
+  <p:clrMapOvr>
+    <a:masterClrMapping/>
+  </p:clrMapOvr>
+</p:sld>
+</file>
+
+<file path=ppt/slides/slide15.xml><?xml version="1.0" encoding="utf-8"?>
+<p:sld xmlns:a="http://schemas.openxmlformats.org/drawingml/2006/main" xmlns:r="http://schemas.openxmlformats.org/officeDocument/2006/relationships" xmlns:p="http://schemas.openxmlformats.org/presentationml/2006/main">
+  <p:cSld>
+    <p:spTree>
+      <p:nvGrpSpPr>
+        <p:cNvPr id="1" name=""/>
+        <p:cNvGrpSpPr/>
+        <p:nvPr/>
+      </p:nvGrpSpPr>
+      <p:grpSpPr>
+        <a:xfrm>
+          <a:off x="0" y="0"/>
+          <a:ext cx="0" cy="0"/>
+          <a:chOff x="0" y="0"/>
+          <a:chExt cx="0" cy="0"/>
+        </a:xfrm>
+      </p:grpSpPr>
+      <p:sp>
+        <p:nvSpPr>
+          <p:cNvPr id="6" name="TextBox 5">
+            <a:extLst>
+              <a:ext uri="{FF2B5EF4-FFF2-40B4-BE49-F238E27FC236}">
+                <a16:creationId xmlns:a16="http://schemas.microsoft.com/office/drawing/2014/main" id="{42A6955F-C97B-4E5D-AA79-0644E3710CD5}"/>
+              </a:ext>
+            </a:extLst>
+          </p:cNvPr>
+          <p:cNvSpPr txBox="1"/>
+          <p:nvPr/>
+        </p:nvSpPr>
+        <p:spPr>
+          <a:xfrm>
+            <a:off x="2898653" y="341922"/>
+            <a:ext cx="6394700" cy="830997"/>
+          </a:xfrm>
+          <a:prstGeom prst="rect">
+            <a:avLst/>
+          </a:prstGeom>
+          <a:noFill/>
+        </p:spPr>
+        <p:txBody>
+          <a:bodyPr wrap="none" rtlCol="0">
+            <a:spAutoFit/>
+          </a:bodyPr>
+          <a:lstStyle/>
+          <a:p>
+            <a:pPr algn="ctr"/>
+            <a:r>
+              <a:rPr lang="ko-KR" altLang="en-US" sz="4800" dirty="0">
+                <a:solidFill>
+                  <a:srgbClr val="6BC7BF"/>
+                </a:solidFill>
+                <a:latin typeface="나눔스퀘어" panose="020B0600000101010101" pitchFamily="50" charset="-127"/>
+                <a:ea typeface="나눔스퀘어" panose="020B0600000101010101" pitchFamily="50" charset="-127"/>
+              </a:rPr>
+              <a:t>양치 시간 측정 기능 구현</a:t>
+            </a:r>
+          </a:p>
+        </p:txBody>
+      </p:sp>
+      <p:sp>
+        <p:nvSpPr>
+          <p:cNvPr id="16" name="다양한 스마트 헬스케어 제품 출시…">
+            <a:extLst>
+              <a:ext uri="{FF2B5EF4-FFF2-40B4-BE49-F238E27FC236}">
+                <a16:creationId xmlns:a16="http://schemas.microsoft.com/office/drawing/2014/main" id="{41E72F1B-F8D1-4DAB-828A-0B72251BC4D4}"/>
+              </a:ext>
+            </a:extLst>
+          </p:cNvPr>
+          <p:cNvSpPr txBox="1">
+            <a:spLocks/>
+          </p:cNvSpPr>
+          <p:nvPr/>
+        </p:nvSpPr>
+        <p:spPr>
+          <a:xfrm>
+            <a:off x="1857376" y="1536510"/>
+            <a:ext cx="8648700" cy="4603470"/>
+          </a:xfrm>
+          <a:prstGeom prst="rect">
+            <a:avLst/>
+          </a:prstGeom>
+        </p:spPr>
+        <p:txBody>
+          <a:bodyPr vert="horz" lIns="91440" tIns="45720" rIns="91440" bIns="45720" rtlCol="0">
+            <a:normAutofit/>
+          </a:bodyPr>
+          <a:lstStyle>
+            <a:lvl1pPr marL="228600" indent="-228600" algn="l" defTabSz="914400" rtl="0" eaLnBrk="1" latinLnBrk="1" hangingPunct="1">
+              <a:lnSpc>
+                <a:spcPct val="90000"/>
+              </a:lnSpc>
+              <a:spcBef>
+                <a:spcPts val="1000"/>
+              </a:spcBef>
+              <a:buFont typeface="Arial" panose="020B0604020202020204" pitchFamily="34" charset="0"/>
+              <a:buChar char="•"/>
+              <a:defRPr sz="2800" kern="1200">
+                <a:solidFill>
+                  <a:schemeClr val="tx1"/>
+                </a:solidFill>
+                <a:latin typeface="+mn-lt"/>
+                <a:ea typeface="+mn-ea"/>
+                <a:cs typeface="+mn-cs"/>
+              </a:defRPr>
+            </a:lvl1pPr>
+            <a:lvl2pPr marL="685800" indent="-228600" algn="l" defTabSz="914400" rtl="0" eaLnBrk="1" latinLnBrk="1" hangingPunct="1">
+              <a:lnSpc>
+                <a:spcPct val="90000"/>
+              </a:lnSpc>
+              <a:spcBef>
+                <a:spcPts val="500"/>
+              </a:spcBef>
+              <a:buFont typeface="Arial" panose="020B0604020202020204" pitchFamily="34" charset="0"/>
+              <a:buChar char="•"/>
+              <a:defRPr sz="2400" kern="1200">
+                <a:solidFill>
+                  <a:schemeClr val="tx1"/>
+                </a:solidFill>
+                <a:latin typeface="+mn-lt"/>
+                <a:ea typeface="+mn-ea"/>
+                <a:cs typeface="+mn-cs"/>
+              </a:defRPr>
+            </a:lvl2pPr>
+            <a:lvl3pPr marL="1143000" indent="-228600" algn="l" defTabSz="914400" rtl="0" eaLnBrk="1" latinLnBrk="1" hangingPunct="1">
+              <a:lnSpc>
+                <a:spcPct val="90000"/>
+              </a:lnSpc>
+              <a:spcBef>
+                <a:spcPts val="500"/>
+              </a:spcBef>
+              <a:buFont typeface="Arial" panose="020B0604020202020204" pitchFamily="34" charset="0"/>
+              <a:buChar char="•"/>
+              <a:defRPr sz="2000" kern="1200">
+                <a:solidFill>
+                  <a:schemeClr val="tx1"/>
+                </a:solidFill>
+                <a:latin typeface="+mn-lt"/>
+                <a:ea typeface="+mn-ea"/>
+                <a:cs typeface="+mn-cs"/>
+              </a:defRPr>
+            </a:lvl3pPr>
+            <a:lvl4pPr marL="1600200" indent="-228600" algn="l" defTabSz="914400" rtl="0" eaLnBrk="1" latinLnBrk="1" hangingPunct="1">
+              <a:lnSpc>
+                <a:spcPct val="90000"/>
+              </a:lnSpc>
+              <a:spcBef>
+                <a:spcPts val="500"/>
+              </a:spcBef>
+              <a:buFont typeface="Arial" panose="020B0604020202020204" pitchFamily="34" charset="0"/>
+              <a:buChar char="•"/>
+              <a:defRPr sz="1800" kern="1200">
+                <a:solidFill>
+                  <a:schemeClr val="tx1"/>
+                </a:solidFill>
+                <a:latin typeface="+mn-lt"/>
+                <a:ea typeface="+mn-ea"/>
+                <a:cs typeface="+mn-cs"/>
+              </a:defRPr>
+            </a:lvl4pPr>
+            <a:lvl5pPr marL="2057400" indent="-228600" algn="l" defTabSz="914400" rtl="0" eaLnBrk="1" latinLnBrk="1" hangingPunct="1">
+              <a:lnSpc>
+                <a:spcPct val="90000"/>
+              </a:lnSpc>
+              <a:spcBef>
+                <a:spcPts val="500"/>
+              </a:spcBef>
+              <a:buFont typeface="Arial" panose="020B0604020202020204" pitchFamily="34" charset="0"/>
+              <a:buChar char="•"/>
+              <a:defRPr sz="1800" kern="1200">
+                <a:solidFill>
+                  <a:schemeClr val="tx1"/>
+                </a:solidFill>
+                <a:latin typeface="+mn-lt"/>
+                <a:ea typeface="+mn-ea"/>
+                <a:cs typeface="+mn-cs"/>
+              </a:defRPr>
+            </a:lvl5pPr>
+            <a:lvl6pPr marL="2514600" indent="-228600" algn="l" defTabSz="914400" rtl="0" eaLnBrk="1" latinLnBrk="1" hangingPunct="1">
+              <a:lnSpc>
+                <a:spcPct val="90000"/>
+              </a:lnSpc>
+              <a:spcBef>
+                <a:spcPts val="500"/>
+              </a:spcBef>
+              <a:buFont typeface="Arial" panose="020B0604020202020204" pitchFamily="34" charset="0"/>
+              <a:buChar char="•"/>
+              <a:defRPr sz="1800" kern="1200">
+                <a:solidFill>
+                  <a:schemeClr val="tx1"/>
+                </a:solidFill>
+                <a:latin typeface="+mn-lt"/>
+                <a:ea typeface="+mn-ea"/>
+                <a:cs typeface="+mn-cs"/>
+              </a:defRPr>
+            </a:lvl6pPr>
+            <a:lvl7pPr marL="2971800" indent="-228600" algn="l" defTabSz="914400" rtl="0" eaLnBrk="1" latinLnBrk="1" hangingPunct="1">
+              <a:lnSpc>
+                <a:spcPct val="90000"/>
+              </a:lnSpc>
+              <a:spcBef>
+                <a:spcPts val="500"/>
+              </a:spcBef>
+              <a:buFont typeface="Arial" panose="020B0604020202020204" pitchFamily="34" charset="0"/>
+              <a:buChar char="•"/>
+              <a:defRPr sz="1800" kern="1200">
+                <a:solidFill>
+                  <a:schemeClr val="tx1"/>
+                </a:solidFill>
+                <a:latin typeface="+mn-lt"/>
+                <a:ea typeface="+mn-ea"/>
+                <a:cs typeface="+mn-cs"/>
+              </a:defRPr>
+            </a:lvl7pPr>
+            <a:lvl8pPr marL="3429000" indent="-228600" algn="l" defTabSz="914400" rtl="0" eaLnBrk="1" latinLnBrk="1" hangingPunct="1">
+              <a:lnSpc>
+                <a:spcPct val="90000"/>
+              </a:lnSpc>
+              <a:spcBef>
+                <a:spcPts val="500"/>
+              </a:spcBef>
+              <a:buFont typeface="Arial" panose="020B0604020202020204" pitchFamily="34" charset="0"/>
+              <a:buChar char="•"/>
+              <a:defRPr sz="1800" kern="1200">
+                <a:solidFill>
+                  <a:schemeClr val="tx1"/>
+                </a:solidFill>
+                <a:latin typeface="+mn-lt"/>
+                <a:ea typeface="+mn-ea"/>
+                <a:cs typeface="+mn-cs"/>
+              </a:defRPr>
+            </a:lvl8pPr>
+            <a:lvl9pPr marL="3886200" indent="-228600" algn="l" defTabSz="914400" rtl="0" eaLnBrk="1" latinLnBrk="1" hangingPunct="1">
+              <a:lnSpc>
+                <a:spcPct val="90000"/>
+              </a:lnSpc>
+              <a:spcBef>
+                <a:spcPts val="500"/>
+              </a:spcBef>
+              <a:buFont typeface="Arial" panose="020B0604020202020204" pitchFamily="34" charset="0"/>
+              <a:buChar char="•"/>
+              <a:defRPr sz="1800" kern="1200">
+                <a:solidFill>
+                  <a:schemeClr val="tx1"/>
+                </a:solidFill>
+                <a:latin typeface="+mn-lt"/>
+                <a:ea typeface="+mn-ea"/>
+                <a:cs typeface="+mn-cs"/>
+              </a:defRPr>
+            </a:lvl9pPr>
+          </a:lstStyle>
+          <a:p>
+            <a:pPr marL="722312" indent="-722312">
+              <a:lnSpc>
+                <a:spcPct val="150000"/>
+              </a:lnSpc>
+              <a:buSzPct val="50000"/>
+              <a:buBlip>
+                <a:blip r:embed="rId3"/>
+              </a:buBlip>
+            </a:pPr>
+            <a:endParaRPr lang="en-US" altLang="ko-KR" sz="2400" dirty="0">
+              <a:latin typeface="나눔스퀘어" panose="020B0600000101010101" pitchFamily="50" charset="-127"/>
+              <a:ea typeface="나눔스퀘어" panose="020B0600000101010101" pitchFamily="50" charset="-127"/>
+            </a:endParaRPr>
+          </a:p>
+        </p:txBody>
+      </p:sp>
+    </p:spTree>
+    <p:extLst>
+      <p:ext uri="{BB962C8B-B14F-4D97-AF65-F5344CB8AC3E}">
+        <p14:creationId xmlns:p14="http://schemas.microsoft.com/office/powerpoint/2010/main" val="2458351895"/>
+      </p:ext>
+    </p:extLst>
+  </p:cSld>
+  <p:clrMapOvr>
+    <a:masterClrMapping/>
+  </p:clrMapOvr>
+</p:sld>
+</file>
+
+<file path=ppt/slides/slide16.xml><?xml version="1.0" encoding="utf-8"?>
+<p:sld xmlns:a="http://schemas.openxmlformats.org/drawingml/2006/main" xmlns:r="http://schemas.openxmlformats.org/officeDocument/2006/relationships" xmlns:p="http://schemas.openxmlformats.org/presentationml/2006/main">
+  <p:cSld>
+    <p:spTree>
+      <p:nvGrpSpPr>
+        <p:cNvPr id="1" name=""/>
+        <p:cNvGrpSpPr/>
+        <p:nvPr/>
+      </p:nvGrpSpPr>
+      <p:grpSpPr>
+        <a:xfrm>
+          <a:off x="0" y="0"/>
+          <a:ext cx="0" cy="0"/>
+          <a:chOff x="0" y="0"/>
+          <a:chExt cx="0" cy="0"/>
+        </a:xfrm>
+      </p:grpSpPr>
+      <p:sp>
+        <p:nvSpPr>
+          <p:cNvPr id="7" name="개발 배경">
+            <a:extLst>
+              <a:ext uri="{FF2B5EF4-FFF2-40B4-BE49-F238E27FC236}">
+                <a16:creationId xmlns:a16="http://schemas.microsoft.com/office/drawing/2014/main" id="{7BCC61F2-9241-4C7E-891D-B602AF36CE71}"/>
+              </a:ext>
+            </a:extLst>
+          </p:cNvPr>
+          <p:cNvSpPr txBox="1">
+            <a:spLocks noGrp="1"/>
+          </p:cNvSpPr>
+          <p:nvPr>
+            <p:ph type="title"/>
+          </p:nvPr>
+        </p:nvSpPr>
+        <p:spPr>
+          <a:prstGeom prst="rect">
+            <a:avLst/>
+          </a:prstGeom>
+        </p:spPr>
+        <p:txBody>
+          <a:bodyPr>
+            <a:normAutofit/>
+          </a:bodyPr>
+          <a:lstStyle/>
+          <a:p>
+            <a:pPr algn="ctr"/>
+            <a:r>
+              <a:rPr lang="ko-KR" altLang="en-US" sz="4800" dirty="0">
+                <a:latin typeface="나눔스퀘어" panose="020B0600000101010101" pitchFamily="50" charset="-127"/>
+                <a:ea typeface="나눔스퀘어" panose="020B0600000101010101" pitchFamily="50" charset="-127"/>
+              </a:rPr>
+              <a:t>치아 관련 정보 제공 기능</a:t>
+            </a:r>
+            <a:endParaRPr sz="4800" dirty="0">
+              <a:latin typeface="나눔스퀘어" panose="020B0600000101010101" pitchFamily="50" charset="-127"/>
+              <a:ea typeface="나눔스퀘어" panose="020B0600000101010101" pitchFamily="50" charset="-127"/>
+            </a:endParaRPr>
+          </a:p>
+        </p:txBody>
+      </p:sp>
+    </p:spTree>
+    <p:extLst>
+      <p:ext uri="{BB962C8B-B14F-4D97-AF65-F5344CB8AC3E}">
+        <p14:creationId xmlns:p14="http://schemas.microsoft.com/office/powerpoint/2010/main" val="3424345109"/>
+      </p:ext>
+    </p:extLst>
+  </p:cSld>
+  <p:clrMapOvr>
+    <a:masterClrMapping/>
+  </p:clrMapOvr>
+</p:sld>
+</file>
+
+<file path=ppt/slides/slide17.xml><?xml version="1.0" encoding="utf-8"?>
+<p:sld xmlns:a="http://schemas.openxmlformats.org/drawingml/2006/main" xmlns:r="http://schemas.openxmlformats.org/officeDocument/2006/relationships" xmlns:p="http://schemas.openxmlformats.org/presentationml/2006/main">
+  <p:cSld>
+    <p:spTree>
+      <p:nvGrpSpPr>
+        <p:cNvPr id="1" name=""/>
+        <p:cNvGrpSpPr/>
+        <p:nvPr/>
+      </p:nvGrpSpPr>
+      <p:grpSpPr>
+        <a:xfrm>
+          <a:off x="0" y="0"/>
+          <a:ext cx="0" cy="0"/>
+          <a:chOff x="0" y="0"/>
+          <a:chExt cx="0" cy="0"/>
+        </a:xfrm>
+      </p:grpSpPr>
+      <p:sp>
+        <p:nvSpPr>
+          <p:cNvPr id="6" name="TextBox 5">
+            <a:extLst>
+              <a:ext uri="{FF2B5EF4-FFF2-40B4-BE49-F238E27FC236}">
+                <a16:creationId xmlns:a16="http://schemas.microsoft.com/office/drawing/2014/main" id="{42A6955F-C97B-4E5D-AA79-0644E3710CD5}"/>
+              </a:ext>
+            </a:extLst>
+          </p:cNvPr>
+          <p:cNvSpPr txBox="1"/>
+          <p:nvPr/>
+        </p:nvSpPr>
+        <p:spPr>
+          <a:xfrm>
+            <a:off x="1769342" y="341922"/>
+            <a:ext cx="8653331" cy="830997"/>
+          </a:xfrm>
+          <a:prstGeom prst="rect">
+            <a:avLst/>
+          </a:prstGeom>
+          <a:noFill/>
+        </p:spPr>
+        <p:txBody>
+          <a:bodyPr wrap="none" rtlCol="0">
+            <a:spAutoFit/>
+          </a:bodyPr>
+          <a:lstStyle/>
+          <a:p>
+            <a:pPr algn="ctr"/>
+            <a:r>
+              <a:rPr lang="ko-KR" altLang="en-US" sz="4800" dirty="0">
+                <a:solidFill>
+                  <a:srgbClr val="6BC7BF"/>
+                </a:solidFill>
+                <a:latin typeface="나눔스퀘어" panose="020B0600000101010101" pitchFamily="50" charset="-127"/>
+                <a:ea typeface="나눔스퀘어" panose="020B0600000101010101" pitchFamily="50" charset="-127"/>
+              </a:rPr>
+              <a:t>치아 관련 정보 제공 기능 구현</a:t>
+            </a:r>
+          </a:p>
+        </p:txBody>
+      </p:sp>
+      <p:sp>
+        <p:nvSpPr>
+          <p:cNvPr id="16" name="다양한 스마트 헬스케어 제품 출시…">
+            <a:extLst>
+              <a:ext uri="{FF2B5EF4-FFF2-40B4-BE49-F238E27FC236}">
+                <a16:creationId xmlns:a16="http://schemas.microsoft.com/office/drawing/2014/main" id="{41E72F1B-F8D1-4DAB-828A-0B72251BC4D4}"/>
+              </a:ext>
+            </a:extLst>
+          </p:cNvPr>
+          <p:cNvSpPr txBox="1">
+            <a:spLocks/>
+          </p:cNvSpPr>
+          <p:nvPr/>
+        </p:nvSpPr>
+        <p:spPr>
+          <a:xfrm>
+            <a:off x="1857376" y="1536510"/>
+            <a:ext cx="8648700" cy="4603470"/>
+          </a:xfrm>
+          <a:prstGeom prst="rect">
+            <a:avLst/>
+          </a:prstGeom>
+        </p:spPr>
+        <p:txBody>
+          <a:bodyPr vert="horz" lIns="91440" tIns="45720" rIns="91440" bIns="45720" rtlCol="0">
+            <a:normAutofit/>
+          </a:bodyPr>
+          <a:lstStyle>
+            <a:lvl1pPr marL="228600" indent="-228600" algn="l" defTabSz="914400" rtl="0" eaLnBrk="1" latinLnBrk="1" hangingPunct="1">
+              <a:lnSpc>
+                <a:spcPct val="90000"/>
+              </a:lnSpc>
+              <a:spcBef>
+                <a:spcPts val="1000"/>
+              </a:spcBef>
+              <a:buFont typeface="Arial" panose="020B0604020202020204" pitchFamily="34" charset="0"/>
+              <a:buChar char="•"/>
+              <a:defRPr sz="2800" kern="1200">
+                <a:solidFill>
+                  <a:schemeClr val="tx1"/>
+                </a:solidFill>
+                <a:latin typeface="+mn-lt"/>
+                <a:ea typeface="+mn-ea"/>
+                <a:cs typeface="+mn-cs"/>
+              </a:defRPr>
+            </a:lvl1pPr>
+            <a:lvl2pPr marL="685800" indent="-228600" algn="l" defTabSz="914400" rtl="0" eaLnBrk="1" latinLnBrk="1" hangingPunct="1">
+              <a:lnSpc>
+                <a:spcPct val="90000"/>
+              </a:lnSpc>
+              <a:spcBef>
+                <a:spcPts val="500"/>
+              </a:spcBef>
+              <a:buFont typeface="Arial" panose="020B0604020202020204" pitchFamily="34" charset="0"/>
+              <a:buChar char="•"/>
+              <a:defRPr sz="2400" kern="1200">
+                <a:solidFill>
+                  <a:schemeClr val="tx1"/>
+                </a:solidFill>
+                <a:latin typeface="+mn-lt"/>
+                <a:ea typeface="+mn-ea"/>
+                <a:cs typeface="+mn-cs"/>
+              </a:defRPr>
+            </a:lvl2pPr>
+            <a:lvl3pPr marL="1143000" indent="-228600" algn="l" defTabSz="914400" rtl="0" eaLnBrk="1" latinLnBrk="1" hangingPunct="1">
+              <a:lnSpc>
+                <a:spcPct val="90000"/>
+              </a:lnSpc>
+              <a:spcBef>
+                <a:spcPts val="500"/>
+              </a:spcBef>
+              <a:buFont typeface="Arial" panose="020B0604020202020204" pitchFamily="34" charset="0"/>
+              <a:buChar char="•"/>
+              <a:defRPr sz="2000" kern="1200">
+                <a:solidFill>
+                  <a:schemeClr val="tx1"/>
+                </a:solidFill>
+                <a:latin typeface="+mn-lt"/>
+                <a:ea typeface="+mn-ea"/>
+                <a:cs typeface="+mn-cs"/>
+              </a:defRPr>
+            </a:lvl3pPr>
+            <a:lvl4pPr marL="1600200" indent="-228600" algn="l" defTabSz="914400" rtl="0" eaLnBrk="1" latinLnBrk="1" hangingPunct="1">
+              <a:lnSpc>
+                <a:spcPct val="90000"/>
+              </a:lnSpc>
+              <a:spcBef>
+                <a:spcPts val="500"/>
+              </a:spcBef>
+              <a:buFont typeface="Arial" panose="020B0604020202020204" pitchFamily="34" charset="0"/>
+              <a:buChar char="•"/>
+              <a:defRPr sz="1800" kern="1200">
+                <a:solidFill>
+                  <a:schemeClr val="tx1"/>
+                </a:solidFill>
+                <a:latin typeface="+mn-lt"/>
+                <a:ea typeface="+mn-ea"/>
+                <a:cs typeface="+mn-cs"/>
+              </a:defRPr>
+            </a:lvl4pPr>
+            <a:lvl5pPr marL="2057400" indent="-228600" algn="l" defTabSz="914400" rtl="0" eaLnBrk="1" latinLnBrk="1" hangingPunct="1">
+              <a:lnSpc>
+                <a:spcPct val="90000"/>
+              </a:lnSpc>
+              <a:spcBef>
+                <a:spcPts val="500"/>
+              </a:spcBef>
+              <a:buFont typeface="Arial" panose="020B0604020202020204" pitchFamily="34" charset="0"/>
+              <a:buChar char="•"/>
+              <a:defRPr sz="1800" kern="1200">
+                <a:solidFill>
+                  <a:schemeClr val="tx1"/>
+                </a:solidFill>
+                <a:latin typeface="+mn-lt"/>
+                <a:ea typeface="+mn-ea"/>
+                <a:cs typeface="+mn-cs"/>
+              </a:defRPr>
+            </a:lvl5pPr>
+            <a:lvl6pPr marL="2514600" indent="-228600" algn="l" defTabSz="914400" rtl="0" eaLnBrk="1" latinLnBrk="1" hangingPunct="1">
+              <a:lnSpc>
+                <a:spcPct val="90000"/>
+              </a:lnSpc>
+              <a:spcBef>
+                <a:spcPts val="500"/>
+              </a:spcBef>
+              <a:buFont typeface="Arial" panose="020B0604020202020204" pitchFamily="34" charset="0"/>
+              <a:buChar char="•"/>
+              <a:defRPr sz="1800" kern="1200">
+                <a:solidFill>
+                  <a:schemeClr val="tx1"/>
+                </a:solidFill>
+                <a:latin typeface="+mn-lt"/>
+                <a:ea typeface="+mn-ea"/>
+                <a:cs typeface="+mn-cs"/>
+              </a:defRPr>
+            </a:lvl6pPr>
+            <a:lvl7pPr marL="2971800" indent="-228600" algn="l" defTabSz="914400" rtl="0" eaLnBrk="1" latinLnBrk="1" hangingPunct="1">
+              <a:lnSpc>
+                <a:spcPct val="90000"/>
+              </a:lnSpc>
+              <a:spcBef>
+                <a:spcPts val="500"/>
+              </a:spcBef>
+              <a:buFont typeface="Arial" panose="020B0604020202020204" pitchFamily="34" charset="0"/>
+              <a:buChar char="•"/>
+              <a:defRPr sz="1800" kern="1200">
+                <a:solidFill>
+                  <a:schemeClr val="tx1"/>
+                </a:solidFill>
+                <a:latin typeface="+mn-lt"/>
+                <a:ea typeface="+mn-ea"/>
+                <a:cs typeface="+mn-cs"/>
+              </a:defRPr>
+            </a:lvl7pPr>
+            <a:lvl8pPr marL="3429000" indent="-228600" algn="l" defTabSz="914400" rtl="0" eaLnBrk="1" latinLnBrk="1" hangingPunct="1">
+              <a:lnSpc>
+                <a:spcPct val="90000"/>
+              </a:lnSpc>
+              <a:spcBef>
+                <a:spcPts val="500"/>
+              </a:spcBef>
+              <a:buFont typeface="Arial" panose="020B0604020202020204" pitchFamily="34" charset="0"/>
+              <a:buChar char="•"/>
+              <a:defRPr sz="1800" kern="1200">
+                <a:solidFill>
+                  <a:schemeClr val="tx1"/>
+                </a:solidFill>
+                <a:latin typeface="+mn-lt"/>
+                <a:ea typeface="+mn-ea"/>
+                <a:cs typeface="+mn-cs"/>
+              </a:defRPr>
+            </a:lvl8pPr>
+            <a:lvl9pPr marL="3886200" indent="-228600" algn="l" defTabSz="914400" rtl="0" eaLnBrk="1" latinLnBrk="1" hangingPunct="1">
+              <a:lnSpc>
+                <a:spcPct val="90000"/>
+              </a:lnSpc>
+              <a:spcBef>
+                <a:spcPts val="500"/>
+              </a:spcBef>
+              <a:buFont typeface="Arial" panose="020B0604020202020204" pitchFamily="34" charset="0"/>
+              <a:buChar char="•"/>
+              <a:defRPr sz="1800" kern="1200">
+                <a:solidFill>
+                  <a:schemeClr val="tx1"/>
+                </a:solidFill>
+                <a:latin typeface="+mn-lt"/>
+                <a:ea typeface="+mn-ea"/>
+                <a:cs typeface="+mn-cs"/>
+              </a:defRPr>
+            </a:lvl9pPr>
+          </a:lstStyle>
+          <a:p>
+            <a:pPr marL="722312" indent="-722312">
+              <a:lnSpc>
+                <a:spcPct val="150000"/>
+              </a:lnSpc>
+              <a:buSzPct val="50000"/>
+              <a:buBlip>
+                <a:blip r:embed="rId3"/>
+              </a:buBlip>
+            </a:pPr>
+            <a:r>
+              <a:rPr lang="en-US" altLang="ko-KR" sz="3200" dirty="0">
+                <a:latin typeface="나눔스퀘어" panose="020B0600000101010101" pitchFamily="50" charset="-127"/>
+                <a:ea typeface="나눔스퀘어" panose="020B0600000101010101" pitchFamily="50" charset="-127"/>
+              </a:rPr>
+              <a:t>10</a:t>
+            </a:r>
+            <a:r>
+              <a:rPr lang="ko-KR" altLang="en-US" sz="3200" dirty="0">
+                <a:latin typeface="나눔스퀘어" panose="020B0600000101010101" pitchFamily="50" charset="-127"/>
+                <a:ea typeface="나눔스퀘어" panose="020B0600000101010101" pitchFamily="50" charset="-127"/>
+              </a:rPr>
+              <a:t>초에 한번씩 바뀌면서 치아 관련 정보 제공</a:t>
+            </a:r>
+            <a:endParaRPr lang="en-US" altLang="ko-KR" sz="3200" dirty="0">
+              <a:latin typeface="나눔스퀘어" panose="020B0600000101010101" pitchFamily="50" charset="-127"/>
+              <a:ea typeface="나눔스퀘어" panose="020B0600000101010101" pitchFamily="50" charset="-127"/>
+            </a:endParaRPr>
+          </a:p>
+          <a:p>
+            <a:pPr marL="722312" indent="-722312">
+              <a:lnSpc>
+                <a:spcPct val="150000"/>
+              </a:lnSpc>
+              <a:buSzPct val="50000"/>
+              <a:buBlip>
+                <a:blip r:embed="rId3"/>
+              </a:buBlip>
+            </a:pPr>
+            <a:endParaRPr lang="en-US" altLang="ko-KR" sz="2400" dirty="0">
+              <a:latin typeface="나눔스퀘어" panose="020B0600000101010101" pitchFamily="50" charset="-127"/>
+              <a:ea typeface="나눔스퀘어" panose="020B0600000101010101" pitchFamily="50" charset="-127"/>
+            </a:endParaRPr>
+          </a:p>
+        </p:txBody>
+      </p:sp>
+      <p:pic>
+        <p:nvPicPr>
+          <p:cNvPr id="64" name="그림 63" descr="1.png">
+            <a:extLst>
+              <a:ext uri="{FF2B5EF4-FFF2-40B4-BE49-F238E27FC236}">
+                <a16:creationId xmlns:a16="http://schemas.microsoft.com/office/drawing/2014/main" id="{F923AA2F-5286-4D0A-9BBE-31164C954B53}"/>
+              </a:ext>
+            </a:extLst>
+          </p:cNvPr>
+          <p:cNvPicPr>
+            <a:picLocks noChangeAspect="1"/>
+          </p:cNvPicPr>
+          <p:nvPr/>
+        </p:nvPicPr>
+        <p:blipFill>
+          <a:blip r:embed="rId4" cstate="print"/>
+          <a:stretch>
+            <a:fillRect/>
+          </a:stretch>
+        </p:blipFill>
+        <p:spPr>
+          <a:xfrm>
+            <a:off x="1781175" y="1743718"/>
+            <a:ext cx="390145" cy="408433"/>
+          </a:xfrm>
+          <a:prstGeom prst="rect">
+            <a:avLst/>
+          </a:prstGeom>
+        </p:spPr>
+      </p:pic>
+    </p:spTree>
+    <p:extLst>
+      <p:ext uri="{BB962C8B-B14F-4D97-AF65-F5344CB8AC3E}">
+        <p14:creationId xmlns:p14="http://schemas.microsoft.com/office/powerpoint/2010/main" val="200657752"/>
+      </p:ext>
+    </p:extLst>
+  </p:cSld>
+  <p:clrMapOvr>
+    <a:masterClrMapping/>
+  </p:clrMapOvr>
+</p:sld>
+</file>
+
+<file path=ppt/slides/slide18.xml><?xml version="1.0" encoding="utf-8"?>
+<p:sld xmlns:a="http://schemas.openxmlformats.org/drawingml/2006/main" xmlns:r="http://schemas.openxmlformats.org/officeDocument/2006/relationships" xmlns:p="http://schemas.openxmlformats.org/presentationml/2006/main">
+  <p:cSld>
+    <p:spTree>
+      <p:nvGrpSpPr>
+        <p:cNvPr id="1" name=""/>
+        <p:cNvGrpSpPr/>
+        <p:nvPr/>
+      </p:nvGrpSpPr>
+      <p:grpSpPr>
+        <a:xfrm>
+          <a:off x="0" y="0"/>
+          <a:ext cx="0" cy="0"/>
+          <a:chOff x="0" y="0"/>
+          <a:chExt cx="0" cy="0"/>
+        </a:xfrm>
+      </p:grpSpPr>
+      <p:sp>
+        <p:nvSpPr>
+          <p:cNvPr id="7" name="개발 배경">
+            <a:extLst>
+              <a:ext uri="{FF2B5EF4-FFF2-40B4-BE49-F238E27FC236}">
+                <a16:creationId xmlns:a16="http://schemas.microsoft.com/office/drawing/2014/main" id="{7BCC61F2-9241-4C7E-891D-B602AF36CE71}"/>
+              </a:ext>
+            </a:extLst>
+          </p:cNvPr>
+          <p:cNvSpPr txBox="1">
+            <a:spLocks noGrp="1"/>
+          </p:cNvSpPr>
+          <p:nvPr>
+            <p:ph type="title"/>
+          </p:nvPr>
+        </p:nvSpPr>
+        <p:spPr>
+          <a:prstGeom prst="rect">
+            <a:avLst/>
+          </a:prstGeom>
+        </p:spPr>
+        <p:txBody>
+          <a:bodyPr>
+            <a:normAutofit/>
+          </a:bodyPr>
+          <a:lstStyle/>
+          <a:p>
+            <a:pPr algn="ctr"/>
+            <a:r>
+              <a:rPr lang="ko-KR" altLang="en-US" sz="7200" dirty="0">
+                <a:latin typeface="나눔스퀘어" panose="020B0600000101010101" pitchFamily="50" charset="-127"/>
+                <a:ea typeface="나눔스퀘어" panose="020B0600000101010101" pitchFamily="50" charset="-127"/>
+              </a:rPr>
+              <a:t>추후 일정</a:t>
+            </a:r>
+            <a:endParaRPr sz="7200" dirty="0">
+              <a:latin typeface="나눔스퀘어" panose="020B0600000101010101" pitchFamily="50" charset="-127"/>
+              <a:ea typeface="나눔스퀘어" panose="020B0600000101010101" pitchFamily="50" charset="-127"/>
+            </a:endParaRPr>
+          </a:p>
+        </p:txBody>
+      </p:sp>
+    </p:spTree>
+    <p:extLst>
+      <p:ext uri="{BB962C8B-B14F-4D97-AF65-F5344CB8AC3E}">
+        <p14:creationId xmlns:p14="http://schemas.microsoft.com/office/powerpoint/2010/main" val="2629804364"/>
+      </p:ext>
+    </p:extLst>
+  </p:cSld>
+  <p:clrMapOvr>
+    <a:masterClrMapping/>
+  </p:clrMapOvr>
+</p:sld>
+</file>
+
+<file path=ppt/slides/slide19.xml><?xml version="1.0" encoding="utf-8"?>
+<p:sld xmlns:a="http://schemas.openxmlformats.org/drawingml/2006/main" xmlns:r="http://schemas.openxmlformats.org/officeDocument/2006/relationships" xmlns:p="http://schemas.openxmlformats.org/presentationml/2006/main">
+  <p:cSld>
+    <p:spTree>
+      <p:nvGrpSpPr>
+        <p:cNvPr id="1" name=""/>
+        <p:cNvGrpSpPr/>
+        <p:nvPr/>
+      </p:nvGrpSpPr>
+      <p:grpSpPr>
+        <a:xfrm>
+          <a:off x="0" y="0"/>
+          <a:ext cx="0" cy="0"/>
+          <a:chOff x="0" y="0"/>
+          <a:chExt cx="0" cy="0"/>
+        </a:xfrm>
+      </p:grpSpPr>
+      <p:sp>
+        <p:nvSpPr>
+          <p:cNvPr id="6" name="TextBox 5">
+            <a:extLst>
+              <a:ext uri="{FF2B5EF4-FFF2-40B4-BE49-F238E27FC236}">
+                <a16:creationId xmlns:a16="http://schemas.microsoft.com/office/drawing/2014/main" id="{42A6955F-C97B-4E5D-AA79-0644E3710CD5}"/>
+              </a:ext>
+            </a:extLst>
+          </p:cNvPr>
+          <p:cNvSpPr txBox="1"/>
+          <p:nvPr/>
+        </p:nvSpPr>
+        <p:spPr>
+          <a:xfrm>
+            <a:off x="4807830" y="341922"/>
+            <a:ext cx="2576346" cy="830997"/>
+          </a:xfrm>
+          <a:prstGeom prst="rect">
+            <a:avLst/>
+          </a:prstGeom>
+          <a:noFill/>
+        </p:spPr>
+        <p:txBody>
+          <a:bodyPr wrap="none" rtlCol="0">
+            <a:spAutoFit/>
+          </a:bodyPr>
+          <a:lstStyle/>
+          <a:p>
+            <a:pPr algn="ctr"/>
+            <a:r>
+              <a:rPr lang="ko-KR" altLang="en-US" sz="4800" dirty="0">
+                <a:solidFill>
+                  <a:srgbClr val="6BC7BF"/>
+                </a:solidFill>
+                <a:latin typeface="나눔스퀘어" panose="020B0600000101010101" pitchFamily="50" charset="-127"/>
+                <a:ea typeface="나눔스퀘어" panose="020B0600000101010101" pitchFamily="50" charset="-127"/>
+              </a:rPr>
+              <a:t>추후 일정</a:t>
+            </a:r>
+          </a:p>
+        </p:txBody>
+      </p:sp>
+      <p:sp>
+        <p:nvSpPr>
+          <p:cNvPr id="16" name="다양한 스마트 헬스케어 제품 출시…">
+            <a:extLst>
+              <a:ext uri="{FF2B5EF4-FFF2-40B4-BE49-F238E27FC236}">
+                <a16:creationId xmlns:a16="http://schemas.microsoft.com/office/drawing/2014/main" id="{41E72F1B-F8D1-4DAB-828A-0B72251BC4D4}"/>
+              </a:ext>
+            </a:extLst>
+          </p:cNvPr>
+          <p:cNvSpPr txBox="1">
+            <a:spLocks/>
+          </p:cNvSpPr>
+          <p:nvPr/>
+        </p:nvSpPr>
+        <p:spPr>
+          <a:xfrm>
+            <a:off x="1662882" y="1497473"/>
+            <a:ext cx="9157779" cy="4929831"/>
+          </a:xfrm>
+          <a:prstGeom prst="rect">
+            <a:avLst/>
+          </a:prstGeom>
+        </p:spPr>
+        <p:txBody>
+          <a:bodyPr vert="horz" lIns="91440" tIns="45720" rIns="91440" bIns="45720" rtlCol="0">
+            <a:normAutofit/>
+          </a:bodyPr>
+          <a:lstStyle>
+            <a:lvl1pPr marL="228600" indent="-228600" algn="l" defTabSz="914400" rtl="0" eaLnBrk="1" latinLnBrk="1" hangingPunct="1">
+              <a:lnSpc>
+                <a:spcPct val="90000"/>
+              </a:lnSpc>
+              <a:spcBef>
+                <a:spcPts val="1000"/>
+              </a:spcBef>
+              <a:buFont typeface="Arial" panose="020B0604020202020204" pitchFamily="34" charset="0"/>
+              <a:buChar char="•"/>
+              <a:defRPr sz="2800" kern="1200">
+                <a:solidFill>
+                  <a:schemeClr val="tx1"/>
+                </a:solidFill>
+                <a:latin typeface="+mn-lt"/>
+                <a:ea typeface="+mn-ea"/>
+                <a:cs typeface="+mn-cs"/>
+              </a:defRPr>
+            </a:lvl1pPr>
+            <a:lvl2pPr marL="685800" indent="-228600" algn="l" defTabSz="914400" rtl="0" eaLnBrk="1" latinLnBrk="1" hangingPunct="1">
+              <a:lnSpc>
+                <a:spcPct val="90000"/>
+              </a:lnSpc>
+              <a:spcBef>
+                <a:spcPts val="500"/>
+              </a:spcBef>
+              <a:buFont typeface="Arial" panose="020B0604020202020204" pitchFamily="34" charset="0"/>
+              <a:buChar char="•"/>
+              <a:defRPr sz="2400" kern="1200">
+                <a:solidFill>
+                  <a:schemeClr val="tx1"/>
+                </a:solidFill>
+                <a:latin typeface="+mn-lt"/>
+                <a:ea typeface="+mn-ea"/>
+                <a:cs typeface="+mn-cs"/>
+              </a:defRPr>
+            </a:lvl2pPr>
+            <a:lvl3pPr marL="1143000" indent="-228600" algn="l" defTabSz="914400" rtl="0" eaLnBrk="1" latinLnBrk="1" hangingPunct="1">
+              <a:lnSpc>
+                <a:spcPct val="90000"/>
+              </a:lnSpc>
+              <a:spcBef>
+                <a:spcPts val="500"/>
+              </a:spcBef>
+              <a:buFont typeface="Arial" panose="020B0604020202020204" pitchFamily="34" charset="0"/>
+              <a:buChar char="•"/>
+              <a:defRPr sz="2000" kern="1200">
+                <a:solidFill>
+                  <a:schemeClr val="tx1"/>
+                </a:solidFill>
+                <a:latin typeface="+mn-lt"/>
+                <a:ea typeface="+mn-ea"/>
+                <a:cs typeface="+mn-cs"/>
+              </a:defRPr>
+            </a:lvl3pPr>
+            <a:lvl4pPr marL="1600200" indent="-228600" algn="l" defTabSz="914400" rtl="0" eaLnBrk="1" latinLnBrk="1" hangingPunct="1">
+              <a:lnSpc>
+                <a:spcPct val="90000"/>
+              </a:lnSpc>
+              <a:spcBef>
+                <a:spcPts val="500"/>
+              </a:spcBef>
+              <a:buFont typeface="Arial" panose="020B0604020202020204" pitchFamily="34" charset="0"/>
+              <a:buChar char="•"/>
+              <a:defRPr sz="1800" kern="1200">
+                <a:solidFill>
+                  <a:schemeClr val="tx1"/>
+                </a:solidFill>
+                <a:latin typeface="+mn-lt"/>
+                <a:ea typeface="+mn-ea"/>
+                <a:cs typeface="+mn-cs"/>
+              </a:defRPr>
+            </a:lvl4pPr>
+            <a:lvl5pPr marL="2057400" indent="-228600" algn="l" defTabSz="914400" rtl="0" eaLnBrk="1" latinLnBrk="1" hangingPunct="1">
+              <a:lnSpc>
+                <a:spcPct val="90000"/>
+              </a:lnSpc>
+              <a:spcBef>
+                <a:spcPts val="500"/>
+              </a:spcBef>
+              <a:buFont typeface="Arial" panose="020B0604020202020204" pitchFamily="34" charset="0"/>
+              <a:buChar char="•"/>
+              <a:defRPr sz="1800" kern="1200">
+                <a:solidFill>
+                  <a:schemeClr val="tx1"/>
+                </a:solidFill>
+                <a:latin typeface="+mn-lt"/>
+                <a:ea typeface="+mn-ea"/>
+                <a:cs typeface="+mn-cs"/>
+              </a:defRPr>
+            </a:lvl5pPr>
+            <a:lvl6pPr marL="2514600" indent="-228600" algn="l" defTabSz="914400" rtl="0" eaLnBrk="1" latinLnBrk="1" hangingPunct="1">
+              <a:lnSpc>
+                <a:spcPct val="90000"/>
+              </a:lnSpc>
+              <a:spcBef>
+                <a:spcPts val="500"/>
+              </a:spcBef>
+              <a:buFont typeface="Arial" panose="020B0604020202020204" pitchFamily="34" charset="0"/>
+              <a:buChar char="•"/>
+              <a:defRPr sz="1800" kern="1200">
+                <a:solidFill>
+                  <a:schemeClr val="tx1"/>
+                </a:solidFill>
+                <a:latin typeface="+mn-lt"/>
+                <a:ea typeface="+mn-ea"/>
+                <a:cs typeface="+mn-cs"/>
+              </a:defRPr>
+            </a:lvl6pPr>
+            <a:lvl7pPr marL="2971800" indent="-228600" algn="l" defTabSz="914400" rtl="0" eaLnBrk="1" latinLnBrk="1" hangingPunct="1">
+              <a:lnSpc>
+                <a:spcPct val="90000"/>
+              </a:lnSpc>
+              <a:spcBef>
+                <a:spcPts val="500"/>
+              </a:spcBef>
+              <a:buFont typeface="Arial" panose="020B0604020202020204" pitchFamily="34" charset="0"/>
+              <a:buChar char="•"/>
+              <a:defRPr sz="1800" kern="1200">
+                <a:solidFill>
+                  <a:schemeClr val="tx1"/>
+                </a:solidFill>
+                <a:latin typeface="+mn-lt"/>
+                <a:ea typeface="+mn-ea"/>
+                <a:cs typeface="+mn-cs"/>
+              </a:defRPr>
+            </a:lvl7pPr>
+            <a:lvl8pPr marL="3429000" indent="-228600" algn="l" defTabSz="914400" rtl="0" eaLnBrk="1" latinLnBrk="1" hangingPunct="1">
+              <a:lnSpc>
+                <a:spcPct val="90000"/>
+              </a:lnSpc>
+              <a:spcBef>
+                <a:spcPts val="500"/>
+              </a:spcBef>
+              <a:buFont typeface="Arial" panose="020B0604020202020204" pitchFamily="34" charset="0"/>
+              <a:buChar char="•"/>
+              <a:defRPr sz="1800" kern="1200">
+                <a:solidFill>
+                  <a:schemeClr val="tx1"/>
+                </a:solidFill>
+                <a:latin typeface="+mn-lt"/>
+                <a:ea typeface="+mn-ea"/>
+                <a:cs typeface="+mn-cs"/>
+              </a:defRPr>
+            </a:lvl8pPr>
+            <a:lvl9pPr marL="3886200" indent="-228600" algn="l" defTabSz="914400" rtl="0" eaLnBrk="1" latinLnBrk="1" hangingPunct="1">
+              <a:lnSpc>
+                <a:spcPct val="90000"/>
+              </a:lnSpc>
+              <a:spcBef>
+                <a:spcPts val="500"/>
+              </a:spcBef>
+              <a:buFont typeface="Arial" panose="020B0604020202020204" pitchFamily="34" charset="0"/>
+              <a:buChar char="•"/>
+              <a:defRPr sz="1800" kern="1200">
+                <a:solidFill>
+                  <a:schemeClr val="tx1"/>
+                </a:solidFill>
+                <a:latin typeface="+mn-lt"/>
+                <a:ea typeface="+mn-ea"/>
+                <a:cs typeface="+mn-cs"/>
+              </a:defRPr>
+            </a:lvl9pPr>
+          </a:lstStyle>
+          <a:p>
+            <a:pPr marL="722312" indent="-722312">
+              <a:lnSpc>
+                <a:spcPct val="150000"/>
+              </a:lnSpc>
+              <a:buSzPct val="50000"/>
+              <a:buFont typeface="Arial" panose="020B0604020202020204" pitchFamily="34" charset="0"/>
+              <a:buBlip>
+                <a:blip r:embed="rId3"/>
+              </a:buBlip>
+            </a:pPr>
+            <a:r>
+              <a:rPr lang="ko-KR" altLang="en-US" dirty="0">
+                <a:latin typeface="나눔스퀘어" panose="020B0600000101010101" pitchFamily="50" charset="-127"/>
+                <a:ea typeface="나눔스퀘어" panose="020B0600000101010101" pitchFamily="50" charset="-127"/>
+              </a:rPr>
+              <a:t>치아 판별 기능 구현</a:t>
+            </a:r>
+            <a:endParaRPr lang="en-US" altLang="ko-KR" dirty="0">
+              <a:latin typeface="나눔스퀘어" panose="020B0600000101010101" pitchFamily="50" charset="-127"/>
+              <a:ea typeface="나눔스퀘어" panose="020B0600000101010101" pitchFamily="50" charset="-127"/>
+            </a:endParaRPr>
+          </a:p>
+          <a:p>
+            <a:pPr marL="1179512" lvl="1" indent="-722312">
+              <a:lnSpc>
+                <a:spcPct val="150000"/>
+              </a:lnSpc>
+              <a:buSzPct val="50000"/>
+              <a:buBlip>
+                <a:blip r:embed="rId3">
+                  <a:extLst/>
+                </a:blip>
+              </a:buBlip>
+            </a:pPr>
+            <a:r>
+              <a:rPr lang="ko-KR" altLang="en-US" dirty="0">
+                <a:latin typeface="나눔스퀘어" panose="020B0600000101010101" pitchFamily="50" charset="-127"/>
+                <a:ea typeface="나눔스퀘어" panose="020B0600000101010101" pitchFamily="50" charset="-127"/>
+              </a:rPr>
+              <a:t>성능 테스트 완료 후 최종 모델 구현</a:t>
+            </a:r>
+            <a:endParaRPr lang="en-US" altLang="ko-KR" dirty="0">
+              <a:latin typeface="나눔스퀘어" panose="020B0600000101010101" pitchFamily="50" charset="-127"/>
+              <a:ea typeface="나눔스퀘어" panose="020B0600000101010101" pitchFamily="50" charset="-127"/>
+            </a:endParaRPr>
+          </a:p>
+          <a:p>
+            <a:pPr marL="1179512" lvl="1" indent="-722312">
+              <a:lnSpc>
+                <a:spcPct val="150000"/>
+              </a:lnSpc>
+              <a:buSzPct val="50000"/>
+              <a:buBlip>
+                <a:blip r:embed="rId3">
+                  <a:extLst/>
+                </a:blip>
+              </a:buBlip>
+            </a:pPr>
+            <a:r>
+              <a:rPr lang="ko-KR" altLang="en-US" dirty="0">
+                <a:latin typeface="나눔스퀘어" panose="020B0600000101010101" pitchFamily="50" charset="-127"/>
+                <a:ea typeface="나눔스퀘어" panose="020B0600000101010101" pitchFamily="50" charset="-127"/>
+              </a:rPr>
+              <a:t>치아모형을 통한 값 전송 테스트</a:t>
+            </a:r>
+            <a:endParaRPr lang="en-US" altLang="ko-KR" dirty="0">
+              <a:latin typeface="나눔스퀘어" panose="020B0600000101010101" pitchFamily="50" charset="-127"/>
+              <a:ea typeface="나눔스퀘어" panose="020B0600000101010101" pitchFamily="50" charset="-127"/>
+            </a:endParaRPr>
+          </a:p>
+          <a:p>
+            <a:pPr marL="722312" indent="-722312">
+              <a:lnSpc>
+                <a:spcPct val="150000"/>
+              </a:lnSpc>
+              <a:buSzPct val="50000"/>
+              <a:buBlip>
+                <a:blip r:embed="rId3">
+                  <a:extLst/>
+                </a:blip>
+              </a:buBlip>
+            </a:pPr>
+            <a:r>
+              <a:rPr lang="ko-KR" altLang="en-US" dirty="0">
+                <a:latin typeface="나눔스퀘어" panose="020B0600000101010101" pitchFamily="50" charset="-127"/>
+                <a:ea typeface="나눔스퀘어" panose="020B0600000101010101" pitchFamily="50" charset="-127"/>
+              </a:rPr>
+              <a:t>양치 시간 측정 기능 구현</a:t>
+            </a:r>
+            <a:endParaRPr lang="en-US" altLang="ko-KR" dirty="0">
+              <a:latin typeface="나눔스퀘어" panose="020B0600000101010101" pitchFamily="50" charset="-127"/>
+              <a:ea typeface="나눔스퀘어" panose="020B0600000101010101" pitchFamily="50" charset="-127"/>
+            </a:endParaRPr>
+          </a:p>
+          <a:p>
+            <a:pPr marL="1179512" lvl="1" indent="-722312">
+              <a:lnSpc>
+                <a:spcPct val="150000"/>
+              </a:lnSpc>
+              <a:buSzPct val="50000"/>
+              <a:buBlip>
+                <a:blip r:embed="rId3">
+                  <a:extLst/>
+                </a:blip>
+              </a:buBlip>
+            </a:pPr>
+            <a:r>
+              <a:rPr lang="ko-KR" altLang="en-US" dirty="0">
+                <a:latin typeface="나눔스퀘어" panose="020B0600000101010101" pitchFamily="50" charset="-127"/>
+                <a:ea typeface="나눔스퀘어" panose="020B0600000101010101" pitchFamily="50" charset="-127"/>
+              </a:rPr>
+              <a:t>기능 구현 완료</a:t>
+            </a:r>
+            <a:endParaRPr lang="en-US" altLang="ko-KR" dirty="0">
+              <a:latin typeface="나눔스퀘어" panose="020B0600000101010101" pitchFamily="50" charset="-127"/>
+              <a:ea typeface="나눔스퀘어" panose="020B0600000101010101" pitchFamily="50" charset="-127"/>
+            </a:endParaRPr>
+          </a:p>
+          <a:p>
+            <a:pPr marL="722312" indent="-722312">
+              <a:lnSpc>
+                <a:spcPct val="150000"/>
+              </a:lnSpc>
+              <a:buSzPct val="50000"/>
+              <a:buBlip>
+                <a:blip r:embed="rId3">
+                  <a:extLst/>
+                </a:blip>
+              </a:buBlip>
+            </a:pPr>
+            <a:r>
+              <a:rPr lang="ko-KR" altLang="en-US" dirty="0">
+                <a:latin typeface="나눔스퀘어" panose="020B0600000101010101" pitchFamily="50" charset="-127"/>
+                <a:ea typeface="나눔스퀘어" panose="020B0600000101010101" pitchFamily="50" charset="-127"/>
+              </a:rPr>
+              <a:t>치아 관련 정보 제공 기능 구현</a:t>
+            </a:r>
+            <a:endParaRPr lang="en-US" altLang="ko-KR" dirty="0">
+              <a:latin typeface="나눔스퀘어" panose="020B0600000101010101" pitchFamily="50" charset="-127"/>
+              <a:ea typeface="나눔스퀘어" panose="020B0600000101010101" pitchFamily="50" charset="-127"/>
+            </a:endParaRPr>
+          </a:p>
+          <a:p>
+            <a:pPr marL="1179512" lvl="1" indent="-722312">
+              <a:lnSpc>
+                <a:spcPct val="150000"/>
+              </a:lnSpc>
+              <a:buSzPct val="50000"/>
+              <a:buBlip>
+                <a:blip r:embed="rId3">
+                  <a:extLst/>
+                </a:blip>
+              </a:buBlip>
+            </a:pPr>
+            <a:r>
+              <a:rPr lang="ko-KR" altLang="en-US" dirty="0">
+                <a:latin typeface="나눔스퀘어" panose="020B0600000101010101" pitchFamily="50" charset="-127"/>
+                <a:ea typeface="나눔스퀘어" panose="020B0600000101010101" pitchFamily="50" charset="-127"/>
+              </a:rPr>
+              <a:t>기능 구현 완료</a:t>
+            </a:r>
+            <a:endParaRPr lang="en-US" altLang="ko-KR" dirty="0">
+              <a:latin typeface="나눔스퀘어" panose="020B0600000101010101" pitchFamily="50" charset="-127"/>
+              <a:ea typeface="나눔스퀘어" panose="020B0600000101010101" pitchFamily="50" charset="-127"/>
+            </a:endParaRPr>
+          </a:p>
+          <a:p>
+            <a:pPr marL="1179512" lvl="1" indent="-722312">
+              <a:lnSpc>
+                <a:spcPct val="150000"/>
+              </a:lnSpc>
+              <a:buSzPct val="50000"/>
+              <a:buBlip>
+                <a:blip r:embed="rId3">
+                  <a:extLst/>
+                </a:blip>
+              </a:buBlip>
+            </a:pPr>
+            <a:endParaRPr lang="ko-KR" altLang="en-US" dirty="0">
+              <a:latin typeface="나눔스퀘어" panose="020B0600000101010101" pitchFamily="50" charset="-127"/>
+              <a:ea typeface="나눔스퀘어" panose="020B0600000101010101" pitchFamily="50" charset="-127"/>
+            </a:endParaRPr>
+          </a:p>
+        </p:txBody>
+      </p:sp>
+      <p:sp>
+        <p:nvSpPr>
+          <p:cNvPr id="8" name="화살표: 오른쪽 7">
+            <a:extLst>
+              <a:ext uri="{FF2B5EF4-FFF2-40B4-BE49-F238E27FC236}">
+                <a16:creationId xmlns:a16="http://schemas.microsoft.com/office/drawing/2014/main" id="{ED10C673-7F83-427E-8092-72360187A100}"/>
               </a:ext>
             </a:extLst>
           </p:cNvPr>
@@ -8293,7 +8621,7 @@
         </p:nvSpPr>
         <p:spPr>
           <a:xfrm>
-            <a:off x="2381250" y="4166397"/>
+            <a:off x="2222224" y="2427905"/>
             <a:ext cx="307552" cy="315252"/>
           </a:xfrm>
           <a:prstGeom prst="rightArrow">
@@ -8327,590 +8655,76 @@
           <a:lstStyle/>
           <a:p>
             <a:pPr algn="ctr"/>
-            <a:endParaRPr lang="ko-KR" altLang="en-US"/>
-          </a:p>
-        </p:txBody>
-      </p:sp>
-    </p:spTree>
-    <p:extLst>
-      <p:ext uri="{BB962C8B-B14F-4D97-AF65-F5344CB8AC3E}">
-        <p14:creationId xmlns:p14="http://schemas.microsoft.com/office/powerpoint/2010/main" val="3212065679"/>
-      </p:ext>
-    </p:extLst>
-  </p:cSld>
-  <p:clrMapOvr>
-    <a:masterClrMapping/>
-  </p:clrMapOvr>
-</p:sld>
-</file>
-
-<file path=ppt/slides/slide17.xml><?xml version="1.0" encoding="utf-8"?>
-<p:sld xmlns:a="http://schemas.openxmlformats.org/drawingml/2006/main" xmlns:r="http://schemas.openxmlformats.org/officeDocument/2006/relationships" xmlns:p="http://schemas.openxmlformats.org/presentationml/2006/main">
-  <p:cSld>
-    <p:spTree>
-      <p:nvGrpSpPr>
-        <p:cNvPr id="1" name=""/>
-        <p:cNvGrpSpPr/>
-        <p:nvPr/>
-      </p:nvGrpSpPr>
-      <p:grpSpPr>
-        <a:xfrm>
-          <a:off x="0" y="0"/>
-          <a:ext cx="0" cy="0"/>
-          <a:chOff x="0" y="0"/>
-          <a:chExt cx="0" cy="0"/>
-        </a:xfrm>
-      </p:grpSpPr>
-      <p:sp>
-        <p:nvSpPr>
-          <p:cNvPr id="7" name="개발 배경">
-            <a:extLst>
-              <a:ext uri="{FF2B5EF4-FFF2-40B4-BE49-F238E27FC236}">
-                <a16:creationId xmlns:a16="http://schemas.microsoft.com/office/drawing/2014/main" id="{7BCC61F2-9241-4C7E-891D-B602AF36CE71}"/>
-              </a:ext>
-            </a:extLst>
-          </p:cNvPr>
-          <p:cNvSpPr txBox="1">
-            <a:spLocks noGrp="1"/>
-          </p:cNvSpPr>
-          <p:nvPr>
-            <p:ph type="title"/>
-          </p:nvPr>
-        </p:nvSpPr>
-        <p:spPr>
-          <a:prstGeom prst="rect">
-            <a:avLst/>
-          </a:prstGeom>
-        </p:spPr>
-        <p:txBody>
-          <a:bodyPr>
-            <a:normAutofit/>
-          </a:bodyPr>
-          <a:lstStyle/>
-          <a:p>
-            <a:pPr algn="ctr"/>
-            <a:r>
-              <a:rPr lang="ko-KR" altLang="en-US" sz="7200" dirty="0">
-                <a:latin typeface="나눔스퀘어" panose="020B0600000101010101" pitchFamily="50" charset="-127"/>
-                <a:ea typeface="나눔스퀘어" panose="020B0600000101010101" pitchFamily="50" charset="-127"/>
-              </a:rPr>
-              <a:t>추후 일정</a:t>
-            </a:r>
-            <a:endParaRPr sz="7200" dirty="0">
-              <a:latin typeface="나눔스퀘어" panose="020B0600000101010101" pitchFamily="50" charset="-127"/>
-              <a:ea typeface="나눔스퀘어" panose="020B0600000101010101" pitchFamily="50" charset="-127"/>
-            </a:endParaRPr>
-          </a:p>
-        </p:txBody>
-      </p:sp>
-    </p:spTree>
-    <p:extLst>
-      <p:ext uri="{BB962C8B-B14F-4D97-AF65-F5344CB8AC3E}">
-        <p14:creationId xmlns:p14="http://schemas.microsoft.com/office/powerpoint/2010/main" val="2629804364"/>
-      </p:ext>
-    </p:extLst>
-  </p:cSld>
-  <p:clrMapOvr>
-    <a:masterClrMapping/>
-  </p:clrMapOvr>
-</p:sld>
-</file>
-
-<file path=ppt/slides/slide18.xml><?xml version="1.0" encoding="utf-8"?>
-<p:sld xmlns:a="http://schemas.openxmlformats.org/drawingml/2006/main" xmlns:r="http://schemas.openxmlformats.org/officeDocument/2006/relationships" xmlns:p="http://schemas.openxmlformats.org/presentationml/2006/main">
-  <p:cSld>
-    <p:spTree>
-      <p:nvGrpSpPr>
-        <p:cNvPr id="1" name=""/>
-        <p:cNvGrpSpPr/>
-        <p:nvPr/>
-      </p:nvGrpSpPr>
-      <p:grpSpPr>
-        <a:xfrm>
-          <a:off x="0" y="0"/>
-          <a:ext cx="0" cy="0"/>
-          <a:chOff x="0" y="0"/>
-          <a:chExt cx="0" cy="0"/>
-        </a:xfrm>
-      </p:grpSpPr>
-      <p:sp>
-        <p:nvSpPr>
-          <p:cNvPr id="6" name="TextBox 5">
-            <a:extLst>
-              <a:ext uri="{FF2B5EF4-FFF2-40B4-BE49-F238E27FC236}">
-                <a16:creationId xmlns:a16="http://schemas.microsoft.com/office/drawing/2014/main" id="{42A6955F-C97B-4E5D-AA79-0644E3710CD5}"/>
-              </a:ext>
-            </a:extLst>
-          </p:cNvPr>
-          <p:cNvSpPr txBox="1"/>
+            <a:endParaRPr lang="ko-KR" altLang="en-US" dirty="0"/>
+          </a:p>
+        </p:txBody>
+      </p:sp>
+      <p:pic>
+        <p:nvPicPr>
+          <p:cNvPr id="10" name="그림 9" descr="2.png">
+            <a:extLst>
+              <a:ext uri="{FF2B5EF4-FFF2-40B4-BE49-F238E27FC236}">
+                <a16:creationId xmlns:a16="http://schemas.microsoft.com/office/drawing/2014/main" id="{9636F53A-B172-46E3-8CE2-1EAC57CA9AA7}"/>
+              </a:ext>
+            </a:extLst>
+          </p:cNvPr>
+          <p:cNvPicPr>
+            <a:picLocks noChangeAspect="1"/>
+          </p:cNvPicPr>
           <p:nvPr/>
-        </p:nvSpPr>
+        </p:nvPicPr>
+        <p:blipFill>
+          <a:blip r:embed="rId4" cstate="print"/>
+          <a:stretch>
+            <a:fillRect/>
+          </a:stretch>
+        </p:blipFill>
         <p:spPr>
           <a:xfrm>
-            <a:off x="4807830" y="341922"/>
-            <a:ext cx="2576346" cy="830997"/>
-          </a:xfrm>
-          <a:prstGeom prst="rect">
-            <a:avLst/>
-          </a:prstGeom>
-          <a:noFill/>
-        </p:spPr>
-        <p:txBody>
-          <a:bodyPr wrap="none" rtlCol="0">
-            <a:spAutoFit/>
-          </a:bodyPr>
-          <a:lstStyle/>
-          <a:p>
-            <a:pPr algn="ctr"/>
-            <a:r>
-              <a:rPr lang="ko-KR" altLang="en-US" sz="4800" dirty="0">
-                <a:solidFill>
-                  <a:srgbClr val="6BC7BF"/>
-                </a:solidFill>
-                <a:latin typeface="나눔스퀘어" panose="020B0600000101010101" pitchFamily="50" charset="-127"/>
-                <a:ea typeface="나눔스퀘어" panose="020B0600000101010101" pitchFamily="50" charset="-127"/>
-              </a:rPr>
-              <a:t>추후 일정</a:t>
-            </a:r>
-          </a:p>
-        </p:txBody>
-      </p:sp>
-      <p:sp>
-        <p:nvSpPr>
-          <p:cNvPr id="16" name="다양한 스마트 헬스케어 제품 출시…">
-            <a:extLst>
-              <a:ext uri="{FF2B5EF4-FFF2-40B4-BE49-F238E27FC236}">
-                <a16:creationId xmlns:a16="http://schemas.microsoft.com/office/drawing/2014/main" id="{41E72F1B-F8D1-4DAB-828A-0B72251BC4D4}"/>
-              </a:ext>
-            </a:extLst>
-          </p:cNvPr>
-          <p:cNvSpPr txBox="1">
-            <a:spLocks/>
-          </p:cNvSpPr>
-          <p:nvPr/>
-        </p:nvSpPr>
-        <p:spPr>
-          <a:xfrm>
-            <a:off x="1662882" y="1497473"/>
-            <a:ext cx="9157779" cy="4929831"/>
+            <a:off x="1662881" y="3758171"/>
+            <a:ext cx="390145" cy="408433"/>
           </a:xfrm>
           <a:prstGeom prst="rect">
             <a:avLst/>
           </a:prstGeom>
         </p:spPr>
-        <p:txBody>
-          <a:bodyPr vert="horz" lIns="91440" tIns="45720" rIns="91440" bIns="45720" rtlCol="0">
-            <a:normAutofit fontScale="77500" lnSpcReduction="20000"/>
-          </a:bodyPr>
-          <a:lstStyle>
-            <a:lvl1pPr marL="228600" indent="-228600" algn="l" defTabSz="914400" rtl="0" eaLnBrk="1" latinLnBrk="1" hangingPunct="1">
-              <a:lnSpc>
-                <a:spcPct val="90000"/>
-              </a:lnSpc>
-              <a:spcBef>
-                <a:spcPts val="1000"/>
-              </a:spcBef>
-              <a:buFont typeface="Arial" panose="020B0604020202020204" pitchFamily="34" charset="0"/>
-              <a:buChar char="•"/>
-              <a:defRPr sz="2800" kern="1200">
-                <a:solidFill>
-                  <a:schemeClr val="tx1"/>
-                </a:solidFill>
-                <a:latin typeface="+mn-lt"/>
-                <a:ea typeface="+mn-ea"/>
-                <a:cs typeface="+mn-cs"/>
-              </a:defRPr>
-            </a:lvl1pPr>
-            <a:lvl2pPr marL="685800" indent="-228600" algn="l" defTabSz="914400" rtl="0" eaLnBrk="1" latinLnBrk="1" hangingPunct="1">
-              <a:lnSpc>
-                <a:spcPct val="90000"/>
-              </a:lnSpc>
-              <a:spcBef>
-                <a:spcPts val="500"/>
-              </a:spcBef>
-              <a:buFont typeface="Arial" panose="020B0604020202020204" pitchFamily="34" charset="0"/>
-              <a:buChar char="•"/>
-              <a:defRPr sz="2400" kern="1200">
-                <a:solidFill>
-                  <a:schemeClr val="tx1"/>
-                </a:solidFill>
-                <a:latin typeface="+mn-lt"/>
-                <a:ea typeface="+mn-ea"/>
-                <a:cs typeface="+mn-cs"/>
-              </a:defRPr>
-            </a:lvl2pPr>
-            <a:lvl3pPr marL="1143000" indent="-228600" algn="l" defTabSz="914400" rtl="0" eaLnBrk="1" latinLnBrk="1" hangingPunct="1">
-              <a:lnSpc>
-                <a:spcPct val="90000"/>
-              </a:lnSpc>
-              <a:spcBef>
-                <a:spcPts val="500"/>
-              </a:spcBef>
-              <a:buFont typeface="Arial" panose="020B0604020202020204" pitchFamily="34" charset="0"/>
-              <a:buChar char="•"/>
-              <a:defRPr sz="2000" kern="1200">
-                <a:solidFill>
-                  <a:schemeClr val="tx1"/>
-                </a:solidFill>
-                <a:latin typeface="+mn-lt"/>
-                <a:ea typeface="+mn-ea"/>
-                <a:cs typeface="+mn-cs"/>
-              </a:defRPr>
-            </a:lvl3pPr>
-            <a:lvl4pPr marL="1600200" indent="-228600" algn="l" defTabSz="914400" rtl="0" eaLnBrk="1" latinLnBrk="1" hangingPunct="1">
-              <a:lnSpc>
-                <a:spcPct val="90000"/>
-              </a:lnSpc>
-              <a:spcBef>
-                <a:spcPts val="500"/>
-              </a:spcBef>
-              <a:buFont typeface="Arial" panose="020B0604020202020204" pitchFamily="34" charset="0"/>
-              <a:buChar char="•"/>
-              <a:defRPr sz="1800" kern="1200">
-                <a:solidFill>
-                  <a:schemeClr val="tx1"/>
-                </a:solidFill>
-                <a:latin typeface="+mn-lt"/>
-                <a:ea typeface="+mn-ea"/>
-                <a:cs typeface="+mn-cs"/>
-              </a:defRPr>
-            </a:lvl4pPr>
-            <a:lvl5pPr marL="2057400" indent="-228600" algn="l" defTabSz="914400" rtl="0" eaLnBrk="1" latinLnBrk="1" hangingPunct="1">
-              <a:lnSpc>
-                <a:spcPct val="90000"/>
-              </a:lnSpc>
-              <a:spcBef>
-                <a:spcPts val="500"/>
-              </a:spcBef>
-              <a:buFont typeface="Arial" panose="020B0604020202020204" pitchFamily="34" charset="0"/>
-              <a:buChar char="•"/>
-              <a:defRPr sz="1800" kern="1200">
-                <a:solidFill>
-                  <a:schemeClr val="tx1"/>
-                </a:solidFill>
-                <a:latin typeface="+mn-lt"/>
-                <a:ea typeface="+mn-ea"/>
-                <a:cs typeface="+mn-cs"/>
-              </a:defRPr>
-            </a:lvl5pPr>
-            <a:lvl6pPr marL="2514600" indent="-228600" algn="l" defTabSz="914400" rtl="0" eaLnBrk="1" latinLnBrk="1" hangingPunct="1">
-              <a:lnSpc>
-                <a:spcPct val="90000"/>
-              </a:lnSpc>
-              <a:spcBef>
-                <a:spcPts val="500"/>
-              </a:spcBef>
-              <a:buFont typeface="Arial" panose="020B0604020202020204" pitchFamily="34" charset="0"/>
-              <a:buChar char="•"/>
-              <a:defRPr sz="1800" kern="1200">
-                <a:solidFill>
-                  <a:schemeClr val="tx1"/>
-                </a:solidFill>
-                <a:latin typeface="+mn-lt"/>
-                <a:ea typeface="+mn-ea"/>
-                <a:cs typeface="+mn-cs"/>
-              </a:defRPr>
-            </a:lvl6pPr>
-            <a:lvl7pPr marL="2971800" indent="-228600" algn="l" defTabSz="914400" rtl="0" eaLnBrk="1" latinLnBrk="1" hangingPunct="1">
-              <a:lnSpc>
-                <a:spcPct val="90000"/>
-              </a:lnSpc>
-              <a:spcBef>
-                <a:spcPts val="500"/>
-              </a:spcBef>
-              <a:buFont typeface="Arial" panose="020B0604020202020204" pitchFamily="34" charset="0"/>
-              <a:buChar char="•"/>
-              <a:defRPr sz="1800" kern="1200">
-                <a:solidFill>
-                  <a:schemeClr val="tx1"/>
-                </a:solidFill>
-                <a:latin typeface="+mn-lt"/>
-                <a:ea typeface="+mn-ea"/>
-                <a:cs typeface="+mn-cs"/>
-              </a:defRPr>
-            </a:lvl7pPr>
-            <a:lvl8pPr marL="3429000" indent="-228600" algn="l" defTabSz="914400" rtl="0" eaLnBrk="1" latinLnBrk="1" hangingPunct="1">
-              <a:lnSpc>
-                <a:spcPct val="90000"/>
-              </a:lnSpc>
-              <a:spcBef>
-                <a:spcPts val="500"/>
-              </a:spcBef>
-              <a:buFont typeface="Arial" panose="020B0604020202020204" pitchFamily="34" charset="0"/>
-              <a:buChar char="•"/>
-              <a:defRPr sz="1800" kern="1200">
-                <a:solidFill>
-                  <a:schemeClr val="tx1"/>
-                </a:solidFill>
-                <a:latin typeface="+mn-lt"/>
-                <a:ea typeface="+mn-ea"/>
-                <a:cs typeface="+mn-cs"/>
-              </a:defRPr>
-            </a:lvl8pPr>
-            <a:lvl9pPr marL="3886200" indent="-228600" algn="l" defTabSz="914400" rtl="0" eaLnBrk="1" latinLnBrk="1" hangingPunct="1">
-              <a:lnSpc>
-                <a:spcPct val="90000"/>
-              </a:lnSpc>
-              <a:spcBef>
-                <a:spcPts val="500"/>
-              </a:spcBef>
-              <a:buFont typeface="Arial" panose="020B0604020202020204" pitchFamily="34" charset="0"/>
-              <a:buChar char="•"/>
-              <a:defRPr sz="1800" kern="1200">
-                <a:solidFill>
-                  <a:schemeClr val="tx1"/>
-                </a:solidFill>
-                <a:latin typeface="+mn-lt"/>
-                <a:ea typeface="+mn-ea"/>
-                <a:cs typeface="+mn-cs"/>
-              </a:defRPr>
-            </a:lvl9pPr>
-          </a:lstStyle>
-          <a:p>
-            <a:pPr marL="722312" indent="-722312">
-              <a:lnSpc>
-                <a:spcPct val="150000"/>
-              </a:lnSpc>
-              <a:buSzPct val="50000"/>
-              <a:buFont typeface="Arial" panose="020B0604020202020204" pitchFamily="34" charset="0"/>
-              <a:buBlip>
-                <a:blip r:embed="rId3"/>
-              </a:buBlip>
-            </a:pPr>
-            <a:r>
-              <a:rPr lang="ko-KR" altLang="en-US" dirty="0">
-                <a:latin typeface="나눔스퀘어" panose="020B0600000101010101" pitchFamily="50" charset="-127"/>
-                <a:ea typeface="나눔스퀘어" panose="020B0600000101010101" pitchFamily="50" charset="-127"/>
-              </a:rPr>
-              <a:t>치아 판별 기능 구현</a:t>
-            </a:r>
-            <a:endParaRPr lang="en-US" altLang="ko-KR" dirty="0">
-              <a:latin typeface="나눔스퀘어" panose="020B0600000101010101" pitchFamily="50" charset="-127"/>
-              <a:ea typeface="나눔스퀘어" panose="020B0600000101010101" pitchFamily="50" charset="-127"/>
-            </a:endParaRPr>
-          </a:p>
-          <a:p>
-            <a:pPr marL="1179512" lvl="1" indent="-722312">
-              <a:lnSpc>
-                <a:spcPct val="150000"/>
-              </a:lnSpc>
-              <a:buSzPct val="50000"/>
-              <a:buBlip>
-                <a:blip r:embed="rId3">
-                  <a:extLst/>
-                </a:blip>
-              </a:buBlip>
-            </a:pPr>
-            <a:r>
-              <a:rPr lang="ko-KR" altLang="en-US" dirty="0">
-                <a:latin typeface="나눔스퀘어" panose="020B0600000101010101" pitchFamily="50" charset="-127"/>
-                <a:ea typeface="나눔스퀘어" panose="020B0600000101010101" pitchFamily="50" charset="-127"/>
-              </a:rPr>
-              <a:t>성능 테스트 완료 후 최종 모델 구현</a:t>
-            </a:r>
-            <a:endParaRPr lang="en-US" altLang="ko-KR" dirty="0">
-              <a:latin typeface="나눔스퀘어" panose="020B0600000101010101" pitchFamily="50" charset="-127"/>
-              <a:ea typeface="나눔스퀘어" panose="020B0600000101010101" pitchFamily="50" charset="-127"/>
-            </a:endParaRPr>
-          </a:p>
-          <a:p>
-            <a:pPr marL="1179512" lvl="1" indent="-722312">
-              <a:lnSpc>
-                <a:spcPct val="150000"/>
-              </a:lnSpc>
-              <a:buSzPct val="50000"/>
-              <a:buBlip>
-                <a:blip r:embed="rId3">
-                  <a:extLst/>
-                </a:blip>
-              </a:buBlip>
-            </a:pPr>
-            <a:r>
-              <a:rPr lang="ko-KR" altLang="en-US" dirty="0">
-                <a:latin typeface="나눔스퀘어" panose="020B0600000101010101" pitchFamily="50" charset="-127"/>
-                <a:ea typeface="나눔스퀘어" panose="020B0600000101010101" pitchFamily="50" charset="-127"/>
-              </a:rPr>
-              <a:t>치아모형을 통한 값 전송 테스트</a:t>
-            </a:r>
-            <a:endParaRPr lang="en-US" altLang="ko-KR" dirty="0">
-              <a:latin typeface="나눔스퀘어" panose="020B0600000101010101" pitchFamily="50" charset="-127"/>
-              <a:ea typeface="나눔스퀘어" panose="020B0600000101010101" pitchFamily="50" charset="-127"/>
-            </a:endParaRPr>
-          </a:p>
-          <a:p>
-            <a:pPr marL="1179512" lvl="1" indent="-722312">
-              <a:lnSpc>
-                <a:spcPct val="150000"/>
-              </a:lnSpc>
-              <a:buSzPct val="50000"/>
-              <a:buBlip>
-                <a:blip r:embed="rId3">
-                  <a:extLst/>
-                </a:blip>
-              </a:buBlip>
-            </a:pPr>
-            <a:endParaRPr lang="en-US" altLang="ko-KR" dirty="0">
-              <a:latin typeface="나눔스퀘어" panose="020B0600000101010101" pitchFamily="50" charset="-127"/>
-              <a:ea typeface="나눔스퀘어" panose="020B0600000101010101" pitchFamily="50" charset="-127"/>
-            </a:endParaRPr>
-          </a:p>
-          <a:p>
-            <a:pPr marL="722312" indent="-722312">
-              <a:lnSpc>
-                <a:spcPct val="150000"/>
-              </a:lnSpc>
-              <a:buSzPct val="50000"/>
-              <a:buBlip>
-                <a:blip r:embed="rId3">
-                  <a:extLst/>
-                </a:blip>
-              </a:buBlip>
-            </a:pPr>
-            <a:r>
-              <a:rPr lang="ko-KR" altLang="en-US" dirty="0">
-                <a:latin typeface="나눔스퀘어" panose="020B0600000101010101" pitchFamily="50" charset="-127"/>
-                <a:ea typeface="나눔스퀘어" panose="020B0600000101010101" pitchFamily="50" charset="-127"/>
-              </a:rPr>
-              <a:t>양치 시간 측정 기능 구현</a:t>
-            </a:r>
-            <a:endParaRPr lang="en-US" altLang="ko-KR" dirty="0">
-              <a:latin typeface="나눔스퀘어" panose="020B0600000101010101" pitchFamily="50" charset="-127"/>
-              <a:ea typeface="나눔스퀘어" panose="020B0600000101010101" pitchFamily="50" charset="-127"/>
-            </a:endParaRPr>
-          </a:p>
-          <a:p>
-            <a:pPr marL="1179512" lvl="1" indent="-722312">
-              <a:lnSpc>
-                <a:spcPct val="150000"/>
-              </a:lnSpc>
-              <a:buSzPct val="50000"/>
-              <a:buBlip>
-                <a:blip r:embed="rId3">
-                  <a:extLst/>
-                </a:blip>
-              </a:buBlip>
-            </a:pPr>
-            <a:r>
-              <a:rPr lang="en-US" altLang="ko-KR" dirty="0">
-                <a:latin typeface="나눔스퀘어" panose="020B0600000101010101" pitchFamily="50" charset="-127"/>
-                <a:ea typeface="나눔스퀘어" panose="020B0600000101010101" pitchFamily="50" charset="-127"/>
-              </a:rPr>
-              <a:t>@@@@</a:t>
-            </a:r>
-          </a:p>
-          <a:p>
-            <a:pPr marL="1179512" lvl="1" indent="-722312">
-              <a:lnSpc>
-                <a:spcPct val="150000"/>
-              </a:lnSpc>
-              <a:buSzPct val="50000"/>
-              <a:buBlip>
-                <a:blip r:embed="rId3">
-                  <a:extLst/>
-                </a:blip>
-              </a:buBlip>
-            </a:pPr>
-            <a:r>
-              <a:rPr lang="en-US" altLang="ko-KR" dirty="0">
-                <a:latin typeface="나눔스퀘어" panose="020B0600000101010101" pitchFamily="50" charset="-127"/>
-                <a:ea typeface="나눔스퀘어" panose="020B0600000101010101" pitchFamily="50" charset="-127"/>
-              </a:rPr>
-              <a:t>@@@@</a:t>
-            </a:r>
-          </a:p>
-          <a:p>
-            <a:pPr marL="722312" indent="-722312">
-              <a:lnSpc>
-                <a:spcPct val="150000"/>
-              </a:lnSpc>
-              <a:buSzPct val="50000"/>
-              <a:buBlip>
-                <a:blip r:embed="rId3">
-                  <a:extLst/>
-                </a:blip>
-              </a:buBlip>
-            </a:pPr>
-            <a:r>
-              <a:rPr lang="ko-KR" altLang="en-US" dirty="0">
-                <a:latin typeface="나눔스퀘어" panose="020B0600000101010101" pitchFamily="50" charset="-127"/>
-                <a:ea typeface="나눔스퀘어" panose="020B0600000101010101" pitchFamily="50" charset="-127"/>
-              </a:rPr>
-              <a:t>치아 관련 정보 제공 기능 구현</a:t>
-            </a:r>
-            <a:endParaRPr lang="en-US" altLang="ko-KR" dirty="0">
-              <a:latin typeface="나눔스퀘어" panose="020B0600000101010101" pitchFamily="50" charset="-127"/>
-              <a:ea typeface="나눔스퀘어" panose="020B0600000101010101" pitchFamily="50" charset="-127"/>
-            </a:endParaRPr>
-          </a:p>
-          <a:p>
-            <a:pPr marL="1179512" lvl="1" indent="-722312">
-              <a:lnSpc>
-                <a:spcPct val="150000"/>
-              </a:lnSpc>
-              <a:buSzPct val="50000"/>
-              <a:buBlip>
-                <a:blip r:embed="rId3">
-                  <a:extLst/>
-                </a:blip>
-              </a:buBlip>
-            </a:pPr>
-            <a:r>
-              <a:rPr lang="en-US" altLang="ko-KR" dirty="0">
-                <a:latin typeface="나눔스퀘어" panose="020B0600000101010101" pitchFamily="50" charset="-127"/>
-                <a:ea typeface="나눔스퀘어" panose="020B0600000101010101" pitchFamily="50" charset="-127"/>
-              </a:rPr>
-              <a:t>~~~~</a:t>
-            </a:r>
-          </a:p>
-          <a:p>
-            <a:pPr marL="1179512" lvl="1" indent="-722312">
-              <a:lnSpc>
-                <a:spcPct val="150000"/>
-              </a:lnSpc>
-              <a:buSzPct val="50000"/>
-              <a:buBlip>
-                <a:blip r:embed="rId3">
-                  <a:extLst/>
-                </a:blip>
-              </a:buBlip>
-            </a:pPr>
-            <a:r>
-              <a:rPr lang="en-US" altLang="ko-KR" dirty="0">
-                <a:latin typeface="나눔스퀘어" panose="020B0600000101010101" pitchFamily="50" charset="-127"/>
-                <a:ea typeface="나눔스퀘어" panose="020B0600000101010101" pitchFamily="50" charset="-127"/>
-              </a:rPr>
-              <a:t>@@@@</a:t>
-            </a:r>
-            <a:endParaRPr lang="ko-KR" altLang="en-US" dirty="0">
-              <a:latin typeface="나눔스퀘어" panose="020B0600000101010101" pitchFamily="50" charset="-127"/>
-              <a:ea typeface="나눔스퀘어" panose="020B0600000101010101" pitchFamily="50" charset="-127"/>
-            </a:endParaRPr>
-          </a:p>
-          <a:p>
-            <a:pPr marL="1179512" lvl="1" indent="-722312">
-              <a:lnSpc>
-                <a:spcPct val="150000"/>
-              </a:lnSpc>
-              <a:buSzPct val="50000"/>
-              <a:buBlip>
-                <a:blip r:embed="rId3">
-                  <a:extLst/>
-                </a:blip>
-              </a:buBlip>
-            </a:pPr>
-            <a:endParaRPr lang="ko-KR" altLang="en-US" dirty="0">
-              <a:latin typeface="나눔스퀘어" panose="020B0600000101010101" pitchFamily="50" charset="-127"/>
-              <a:ea typeface="나눔스퀘어" panose="020B0600000101010101" pitchFamily="50" charset="-127"/>
-            </a:endParaRPr>
-          </a:p>
-        </p:txBody>
-      </p:sp>
-      <p:sp>
-        <p:nvSpPr>
-          <p:cNvPr id="8" name="화살표: 오른쪽 7">
-            <a:extLst>
-              <a:ext uri="{FF2B5EF4-FFF2-40B4-BE49-F238E27FC236}">
-                <a16:creationId xmlns:a16="http://schemas.microsoft.com/office/drawing/2014/main" id="{ED10C673-7F83-427E-8092-72360187A100}"/>
+      </p:pic>
+      <p:pic>
+        <p:nvPicPr>
+          <p:cNvPr id="11" name="그림 10" descr="1.png">
+            <a:extLst>
+              <a:ext uri="{FF2B5EF4-FFF2-40B4-BE49-F238E27FC236}">
+                <a16:creationId xmlns:a16="http://schemas.microsoft.com/office/drawing/2014/main" id="{29EC10D2-E005-4666-83DE-E5337A0CC2E0}"/>
+              </a:ext>
+            </a:extLst>
+          </p:cNvPr>
+          <p:cNvPicPr>
+            <a:picLocks noChangeAspect="1"/>
+          </p:cNvPicPr>
+          <p:nvPr/>
+        </p:nvPicPr>
+        <p:blipFill>
+          <a:blip r:embed="rId5" cstate="print"/>
+          <a:stretch>
+            <a:fillRect/>
+          </a:stretch>
+        </p:blipFill>
+        <p:spPr>
+          <a:xfrm>
+            <a:off x="1662882" y="1713092"/>
+            <a:ext cx="390145" cy="408433"/>
+          </a:xfrm>
+          <a:prstGeom prst="rect">
+            <a:avLst/>
+          </a:prstGeom>
+        </p:spPr>
+      </p:pic>
+      <p:sp>
+        <p:nvSpPr>
+          <p:cNvPr id="13" name="화살표: 오른쪽 12">
+            <a:extLst>
+              <a:ext uri="{FF2B5EF4-FFF2-40B4-BE49-F238E27FC236}">
+                <a16:creationId xmlns:a16="http://schemas.microsoft.com/office/drawing/2014/main" id="{A8B3D993-A4E4-4DFD-BD31-D8F42104451A}"/>
               </a:ext>
             </a:extLst>
           </p:cNvPr>
@@ -8919,7 +8733,7 @@
         </p:nvSpPr>
         <p:spPr>
           <a:xfrm>
-            <a:off x="2222224" y="2104105"/>
+            <a:off x="2222224" y="3039637"/>
             <a:ext cx="307552" cy="315252"/>
           </a:xfrm>
           <a:prstGeom prst="rightArrow">
@@ -8953,16 +8767,46 @@
           <a:lstStyle/>
           <a:p>
             <a:pPr algn="ctr"/>
-            <a:endParaRPr lang="ko-KR" altLang="en-US" dirty="0"/>
-          </a:p>
-        </p:txBody>
-      </p:sp>
-      <p:sp>
-        <p:nvSpPr>
-          <p:cNvPr id="9" name="화살표: 오른쪽 8">
-            <a:extLst>
-              <a:ext uri="{FF2B5EF4-FFF2-40B4-BE49-F238E27FC236}">
-                <a16:creationId xmlns:a16="http://schemas.microsoft.com/office/drawing/2014/main" id="{B2D24FD1-7608-449D-962D-95C10933E066}"/>
+            <a:endParaRPr lang="ko-KR" altLang="en-US"/>
+          </a:p>
+        </p:txBody>
+      </p:sp>
+      <p:pic>
+        <p:nvPicPr>
+          <p:cNvPr id="14" name="그림 13" descr="3.png">
+            <a:extLst>
+              <a:ext uri="{FF2B5EF4-FFF2-40B4-BE49-F238E27FC236}">
+                <a16:creationId xmlns:a16="http://schemas.microsoft.com/office/drawing/2014/main" id="{CCF95567-FBD1-4E28-A695-1BA6DCFB6FCB}"/>
+              </a:ext>
+            </a:extLst>
+          </p:cNvPr>
+          <p:cNvPicPr>
+            <a:picLocks noChangeAspect="1"/>
+          </p:cNvPicPr>
+          <p:nvPr/>
+        </p:nvPicPr>
+        <p:blipFill>
+          <a:blip r:embed="rId6" cstate="print"/>
+          <a:stretch>
+            <a:fillRect/>
+          </a:stretch>
+        </p:blipFill>
+        <p:spPr>
+          <a:xfrm>
+            <a:off x="1662880" y="5092737"/>
+            <a:ext cx="390145" cy="408433"/>
+          </a:xfrm>
+          <a:prstGeom prst="rect">
+            <a:avLst/>
+          </a:prstGeom>
+        </p:spPr>
+      </p:pic>
+      <p:sp>
+        <p:nvSpPr>
+          <p:cNvPr id="15" name="화살표: 오른쪽 14">
+            <a:extLst>
+              <a:ext uri="{FF2B5EF4-FFF2-40B4-BE49-F238E27FC236}">
+                <a16:creationId xmlns:a16="http://schemas.microsoft.com/office/drawing/2014/main" id="{A1763025-8062-46C7-B7D5-EABC8D5F4062}"/>
               </a:ext>
             </a:extLst>
           </p:cNvPr>
@@ -8971,7 +8815,7 @@
         </p:nvSpPr>
         <p:spPr>
           <a:xfrm>
-            <a:off x="2128233" y="4046368"/>
+            <a:off x="2222224" y="4438690"/>
             <a:ext cx="307552" cy="315252"/>
           </a:xfrm>
           <a:prstGeom prst="rightArrow">
@@ -9009,81 +8853,21 @@
           </a:p>
         </p:txBody>
       </p:sp>
-      <p:pic>
-        <p:nvPicPr>
-          <p:cNvPr id="10" name="그림 9" descr="2.png">
-            <a:extLst>
-              <a:ext uri="{FF2B5EF4-FFF2-40B4-BE49-F238E27FC236}">
-                <a16:creationId xmlns:a16="http://schemas.microsoft.com/office/drawing/2014/main" id="{9636F53A-B172-46E3-8CE2-1EAC57CA9AA7}"/>
-              </a:ext>
-            </a:extLst>
-          </p:cNvPr>
-          <p:cNvPicPr>
-            <a:picLocks noChangeAspect="1"/>
-          </p:cNvPicPr>
+      <p:sp>
+        <p:nvSpPr>
+          <p:cNvPr id="17" name="화살표: 오른쪽 16">
+            <a:extLst>
+              <a:ext uri="{FF2B5EF4-FFF2-40B4-BE49-F238E27FC236}">
+                <a16:creationId xmlns:a16="http://schemas.microsoft.com/office/drawing/2014/main" id="{703CE311-0225-4D63-9117-781022C39D3F}"/>
+              </a:ext>
+            </a:extLst>
+          </p:cNvPr>
+          <p:cNvSpPr/>
           <p:nvPr/>
-        </p:nvPicPr>
-        <p:blipFill>
-          <a:blip r:embed="rId4" cstate="print"/>
-          <a:stretch>
-            <a:fillRect/>
-          </a:stretch>
-        </p:blipFill>
+        </p:nvSpPr>
         <p:spPr>
           <a:xfrm>
-            <a:off x="1605995" y="3433976"/>
-            <a:ext cx="390145" cy="408433"/>
-          </a:xfrm>
-          <a:prstGeom prst="rect">
-            <a:avLst/>
-          </a:prstGeom>
-        </p:spPr>
-      </p:pic>
-      <p:pic>
-        <p:nvPicPr>
-          <p:cNvPr id="11" name="그림 10" descr="1.png">
-            <a:extLst>
-              <a:ext uri="{FF2B5EF4-FFF2-40B4-BE49-F238E27FC236}">
-                <a16:creationId xmlns:a16="http://schemas.microsoft.com/office/drawing/2014/main" id="{29EC10D2-E005-4666-83DE-E5337A0CC2E0}"/>
-              </a:ext>
-            </a:extLst>
-          </p:cNvPr>
-          <p:cNvPicPr>
-            <a:picLocks noChangeAspect="1"/>
-          </p:cNvPicPr>
-          <p:nvPr/>
-        </p:nvPicPr>
-        <p:blipFill>
-          <a:blip r:embed="rId5" cstate="print"/>
-          <a:stretch>
-            <a:fillRect/>
-          </a:stretch>
-        </p:blipFill>
-        <p:spPr>
-          <a:xfrm>
-            <a:off x="1695713" y="1695672"/>
-            <a:ext cx="390145" cy="408433"/>
-          </a:xfrm>
-          <a:prstGeom prst="rect">
-            <a:avLst/>
-          </a:prstGeom>
-        </p:spPr>
-      </p:pic>
-      <p:sp>
-        <p:nvSpPr>
-          <p:cNvPr id="12" name="화살표: 오른쪽 11">
-            <a:extLst>
-              <a:ext uri="{FF2B5EF4-FFF2-40B4-BE49-F238E27FC236}">
-                <a16:creationId xmlns:a16="http://schemas.microsoft.com/office/drawing/2014/main" id="{C2B9B744-E121-47B3-A795-505B9F87DF1A}"/>
-              </a:ext>
-            </a:extLst>
-          </p:cNvPr>
-          <p:cNvSpPr/>
-          <p:nvPr/>
-        </p:nvSpPr>
-        <p:spPr>
-          <a:xfrm>
-            <a:off x="2128233" y="4370922"/>
+            <a:off x="2222224" y="5796799"/>
             <a:ext cx="307552" cy="315252"/>
           </a:xfrm>
           <a:prstGeom prst="rightArrow">
@@ -9117,59 +8901,7 @@
           <a:lstStyle/>
           <a:p>
             <a:pPr algn="ctr"/>
-            <a:endParaRPr lang="ko-KR" altLang="en-US"/>
-          </a:p>
-        </p:txBody>
-      </p:sp>
-      <p:sp>
-        <p:nvSpPr>
-          <p:cNvPr id="13" name="화살표: 오른쪽 12">
-            <a:extLst>
-              <a:ext uri="{FF2B5EF4-FFF2-40B4-BE49-F238E27FC236}">
-                <a16:creationId xmlns:a16="http://schemas.microsoft.com/office/drawing/2014/main" id="{A8B3D993-A4E4-4DFD-BD31-D8F42104451A}"/>
-              </a:ext>
-            </a:extLst>
-          </p:cNvPr>
-          <p:cNvSpPr/>
-          <p:nvPr/>
-        </p:nvSpPr>
-        <p:spPr>
-          <a:xfrm>
-            <a:off x="2222224" y="2586285"/>
-            <a:ext cx="307552" cy="315252"/>
-          </a:xfrm>
-          <a:prstGeom prst="rightArrow">
-            <a:avLst/>
-          </a:prstGeom>
-          <a:solidFill>
-            <a:srgbClr val="6BC7BF"/>
-          </a:solidFill>
-          <a:ln>
-            <a:noFill/>
-          </a:ln>
-        </p:spPr>
-        <p:style>
-          <a:lnRef idx="2">
-            <a:schemeClr val="accent1">
-              <a:shade val="50000"/>
-            </a:schemeClr>
-          </a:lnRef>
-          <a:fillRef idx="1">
-            <a:schemeClr val="accent1"/>
-          </a:fillRef>
-          <a:effectRef idx="0">
-            <a:schemeClr val="accent1"/>
-          </a:effectRef>
-          <a:fontRef idx="minor">
-            <a:schemeClr val="lt1"/>
-          </a:fontRef>
-        </p:style>
-        <p:txBody>
-          <a:bodyPr rtlCol="0" anchor="ctr"/>
-          <a:lstStyle/>
-          <a:p>
-            <a:pPr algn="ctr"/>
-            <a:endParaRPr lang="ko-KR" altLang="en-US"/>
+            <a:endParaRPr lang="ko-KR" altLang="en-US" dirty="0"/>
           </a:p>
         </p:txBody>
       </p:sp>
@@ -9186,7 +8918,339 @@
 </p:sld>
 </file>
 
-<file path=ppt/slides/slide19.xml><?xml version="1.0" encoding="utf-8"?>
+<file path=ppt/slides/slide2.xml><?xml version="1.0" encoding="utf-8"?>
+<p:sld xmlns:a="http://schemas.openxmlformats.org/drawingml/2006/main" xmlns:r="http://schemas.openxmlformats.org/officeDocument/2006/relationships" xmlns:p="http://schemas.openxmlformats.org/presentationml/2006/main">
+  <p:cSld>
+    <p:spTree>
+      <p:nvGrpSpPr>
+        <p:cNvPr id="1" name=""/>
+        <p:cNvGrpSpPr/>
+        <p:nvPr/>
+      </p:nvGrpSpPr>
+      <p:grpSpPr>
+        <a:xfrm>
+          <a:off x="0" y="0"/>
+          <a:ext cx="0" cy="0"/>
+          <a:chOff x="0" y="0"/>
+          <a:chExt cx="0" cy="0"/>
+        </a:xfrm>
+      </p:grpSpPr>
+      <p:pic>
+        <p:nvPicPr>
+          <p:cNvPr id="6" name="Picture 2">
+            <a:extLst>
+              <a:ext uri="{FF2B5EF4-FFF2-40B4-BE49-F238E27FC236}">
+                <a16:creationId xmlns:a16="http://schemas.microsoft.com/office/drawing/2014/main" id="{D4EC9FAD-F4C7-427B-9FA9-F52D35FE8BCD}"/>
+              </a:ext>
+            </a:extLst>
+          </p:cNvPr>
+          <p:cNvPicPr>
+            <a:picLocks noChangeAspect="1" noChangeArrowheads="1"/>
+          </p:cNvPicPr>
+          <p:nvPr/>
+        </p:nvPicPr>
+        <p:blipFill>
+          <a:blip r:embed="rId2" cstate="print"/>
+          <a:srcRect/>
+          <a:stretch>
+            <a:fillRect/>
+          </a:stretch>
+        </p:blipFill>
+        <p:spPr bwMode="auto">
+          <a:xfrm>
+            <a:off x="2855640" y="1463412"/>
+            <a:ext cx="6515100" cy="19050"/>
+          </a:xfrm>
+          <a:prstGeom prst="rect">
+            <a:avLst/>
+          </a:prstGeom>
+          <a:noFill/>
+          <a:ln w="9525">
+            <a:noFill/>
+            <a:miter lim="800000"/>
+            <a:headEnd/>
+            <a:tailEnd/>
+          </a:ln>
+        </p:spPr>
+      </p:pic>
+      <p:sp>
+        <p:nvSpPr>
+          <p:cNvPr id="7" name="TextBox 6">
+            <a:extLst>
+              <a:ext uri="{FF2B5EF4-FFF2-40B4-BE49-F238E27FC236}">
+                <a16:creationId xmlns:a16="http://schemas.microsoft.com/office/drawing/2014/main" id="{314A80FE-0C8F-40B3-AC4D-1DA282109BB9}"/>
+              </a:ext>
+            </a:extLst>
+          </p:cNvPr>
+          <p:cNvSpPr txBox="1"/>
+          <p:nvPr/>
+        </p:nvSpPr>
+        <p:spPr>
+          <a:xfrm>
+            <a:off x="3874600" y="692696"/>
+            <a:ext cx="4079963" cy="861774"/>
+          </a:xfrm>
+          <a:prstGeom prst="rect">
+            <a:avLst/>
+          </a:prstGeom>
+          <a:noFill/>
+        </p:spPr>
+        <p:txBody>
+          <a:bodyPr wrap="none" rtlCol="0">
+            <a:spAutoFit/>
+          </a:bodyPr>
+          <a:lstStyle/>
+          <a:p>
+            <a:r>
+              <a:rPr lang="en-US" altLang="ko-KR" sz="5000" dirty="0">
+                <a:solidFill>
+                  <a:srgbClr val="6BC7BF"/>
+                </a:solidFill>
+                <a:latin typeface="HY견고딕" panose="02030600000101010101" pitchFamily="18" charset="-127"/>
+                <a:ea typeface="HY견고딕" panose="02030600000101010101" pitchFamily="18" charset="-127"/>
+              </a:rPr>
+              <a:t>CONTENTS</a:t>
+            </a:r>
+            <a:endParaRPr lang="ko-KR" altLang="en-US" sz="5000" dirty="0">
+              <a:solidFill>
+                <a:srgbClr val="6BC7BF"/>
+              </a:solidFill>
+              <a:latin typeface="HY견고딕" panose="02030600000101010101" pitchFamily="18" charset="-127"/>
+              <a:ea typeface="HY견고딕" panose="02030600000101010101" pitchFamily="18" charset="-127"/>
+            </a:endParaRPr>
+          </a:p>
+        </p:txBody>
+      </p:sp>
+      <p:sp>
+        <p:nvSpPr>
+          <p:cNvPr id="8" name="직사각형 7">
+            <a:extLst>
+              <a:ext uri="{FF2B5EF4-FFF2-40B4-BE49-F238E27FC236}">
+                <a16:creationId xmlns:a16="http://schemas.microsoft.com/office/drawing/2014/main" id="{C3EEE79C-C3A5-4AC6-87F8-4B366BCFDC79}"/>
+              </a:ext>
+            </a:extLst>
+          </p:cNvPr>
+          <p:cNvSpPr/>
+          <p:nvPr/>
+        </p:nvSpPr>
+        <p:spPr>
+          <a:xfrm>
+            <a:off x="4798740" y="2494682"/>
+            <a:ext cx="4572000" cy="2677656"/>
+          </a:xfrm>
+          <a:prstGeom prst="rect">
+            <a:avLst/>
+          </a:prstGeom>
+        </p:spPr>
+        <p:txBody>
+          <a:bodyPr wrap="square">
+            <a:spAutoFit/>
+          </a:bodyPr>
+          <a:lstStyle/>
+          <a:p>
+            <a:r>
+              <a:rPr lang="ko-KR" altLang="en-US" sz="2400" spc="-50" dirty="0">
+                <a:solidFill>
+                  <a:srgbClr val="444444"/>
+                </a:solidFill>
+                <a:latin typeface="나눔스퀘어" panose="020B0600000101010101" pitchFamily="50" charset="-127"/>
+                <a:ea typeface="나눔스퀘어" panose="020B0600000101010101" pitchFamily="50" charset="-127"/>
+                <a:cs typeface="Verdana" pitchFamily="34" charset="0"/>
+              </a:rPr>
+              <a:t>피드백 내용</a:t>
+            </a:r>
+            <a:endParaRPr lang="en-US" altLang="ko-KR" sz="2400" spc="-50" dirty="0">
+              <a:solidFill>
+                <a:srgbClr val="444444"/>
+              </a:solidFill>
+              <a:latin typeface="나눔스퀘어" panose="020B0600000101010101" pitchFamily="50" charset="-127"/>
+              <a:ea typeface="나눔스퀘어" panose="020B0600000101010101" pitchFamily="50" charset="-127"/>
+              <a:cs typeface="Verdana" pitchFamily="34" charset="0"/>
+            </a:endParaRPr>
+          </a:p>
+          <a:p>
+            <a:endParaRPr lang="en-US" altLang="ko-KR" sz="2400" spc="-50" dirty="0">
+              <a:solidFill>
+                <a:srgbClr val="444444"/>
+              </a:solidFill>
+              <a:latin typeface="나눔스퀘어" panose="020B0600000101010101" pitchFamily="50" charset="-127"/>
+              <a:ea typeface="나눔스퀘어" panose="020B0600000101010101" pitchFamily="50" charset="-127"/>
+              <a:cs typeface="Verdana" pitchFamily="34" charset="0"/>
+            </a:endParaRPr>
+          </a:p>
+          <a:p>
+            <a:endParaRPr lang="en-US" altLang="ko-KR" sz="2400" spc="-50" dirty="0">
+              <a:solidFill>
+                <a:srgbClr val="444444"/>
+              </a:solidFill>
+              <a:latin typeface="나눔스퀘어" panose="020B0600000101010101" pitchFamily="50" charset="-127"/>
+              <a:ea typeface="나눔스퀘어" panose="020B0600000101010101" pitchFamily="50" charset="-127"/>
+            </a:endParaRPr>
+          </a:p>
+          <a:p>
+            <a:r>
+              <a:rPr lang="ko-KR" altLang="en-US" sz="2400" spc="-50" dirty="0">
+                <a:solidFill>
+                  <a:srgbClr val="444444"/>
+                </a:solidFill>
+                <a:latin typeface="나눔스퀘어" panose="020B0600000101010101" pitchFamily="50" charset="-127"/>
+                <a:ea typeface="나눔스퀘어" panose="020B0600000101010101" pitchFamily="50" charset="-127"/>
+              </a:rPr>
+              <a:t>프로젝트 진행 상황</a:t>
+            </a:r>
+            <a:endParaRPr lang="en-US" altLang="ko-KR" sz="2400" spc="-50" dirty="0">
+              <a:solidFill>
+                <a:srgbClr val="444444"/>
+              </a:solidFill>
+              <a:latin typeface="나눔스퀘어" panose="020B0600000101010101" pitchFamily="50" charset="-127"/>
+              <a:ea typeface="나눔스퀘어" panose="020B0600000101010101" pitchFamily="50" charset="-127"/>
+            </a:endParaRPr>
+          </a:p>
+          <a:p>
+            <a:endParaRPr lang="en-US" altLang="ko-KR" sz="2400" spc="-50" dirty="0">
+              <a:solidFill>
+                <a:srgbClr val="444444"/>
+              </a:solidFill>
+              <a:latin typeface="나눔스퀘어" panose="020B0600000101010101" pitchFamily="50" charset="-127"/>
+              <a:ea typeface="나눔스퀘어" panose="020B0600000101010101" pitchFamily="50" charset="-127"/>
+            </a:endParaRPr>
+          </a:p>
+          <a:p>
+            <a:endParaRPr lang="en-US" altLang="ko-KR" sz="2400" spc="-50" dirty="0">
+              <a:solidFill>
+                <a:srgbClr val="444444"/>
+              </a:solidFill>
+              <a:latin typeface="나눔스퀘어" panose="020B0600000101010101" pitchFamily="50" charset="-127"/>
+              <a:ea typeface="나눔스퀘어" panose="020B0600000101010101" pitchFamily="50" charset="-127"/>
+            </a:endParaRPr>
+          </a:p>
+          <a:p>
+            <a:r>
+              <a:rPr lang="ko-KR" altLang="en-US" sz="2400" spc="-50">
+                <a:solidFill>
+                  <a:srgbClr val="444444"/>
+                </a:solidFill>
+                <a:latin typeface="나눔스퀘어" panose="020B0600000101010101" pitchFamily="50" charset="-127"/>
+                <a:ea typeface="나눔스퀘어" panose="020B0600000101010101" pitchFamily="50" charset="-127"/>
+                <a:cs typeface="Verdana" pitchFamily="34" charset="0"/>
+              </a:rPr>
+              <a:t>추후 일정</a:t>
+            </a:r>
+            <a:endParaRPr lang="en-US" altLang="ko-KR" sz="2400" spc="-50" dirty="0">
+              <a:solidFill>
+                <a:srgbClr val="444444"/>
+              </a:solidFill>
+              <a:latin typeface="나눔스퀘어" panose="020B0600000101010101" pitchFamily="50" charset="-127"/>
+              <a:ea typeface="나눔스퀘어" panose="020B0600000101010101" pitchFamily="50" charset="-127"/>
+              <a:cs typeface="Verdana" pitchFamily="34" charset="0"/>
+            </a:endParaRPr>
+          </a:p>
+        </p:txBody>
+      </p:sp>
+      <p:pic>
+        <p:nvPicPr>
+          <p:cNvPr id="9" name="그림 8" descr="1.png">
+            <a:extLst>
+              <a:ext uri="{FF2B5EF4-FFF2-40B4-BE49-F238E27FC236}">
+                <a16:creationId xmlns:a16="http://schemas.microsoft.com/office/drawing/2014/main" id="{FD878155-04AB-44E5-B361-4D133A7C71CD}"/>
+              </a:ext>
+            </a:extLst>
+          </p:cNvPr>
+          <p:cNvPicPr>
+            <a:picLocks noChangeAspect="1"/>
+          </p:cNvPicPr>
+          <p:nvPr/>
+        </p:nvPicPr>
+        <p:blipFill>
+          <a:blip r:embed="rId3" cstate="print"/>
+          <a:stretch>
+            <a:fillRect/>
+          </a:stretch>
+        </p:blipFill>
+        <p:spPr>
+          <a:xfrm>
+            <a:off x="4276599" y="2494682"/>
+            <a:ext cx="390145" cy="408433"/>
+          </a:xfrm>
+          <a:prstGeom prst="rect">
+            <a:avLst/>
+          </a:prstGeom>
+        </p:spPr>
+      </p:pic>
+      <p:pic>
+        <p:nvPicPr>
+          <p:cNvPr id="10" name="그림 9" descr="2.png">
+            <a:extLst>
+              <a:ext uri="{FF2B5EF4-FFF2-40B4-BE49-F238E27FC236}">
+                <a16:creationId xmlns:a16="http://schemas.microsoft.com/office/drawing/2014/main" id="{C170F17B-B05E-4BE3-94B7-05FFB9026FD2}"/>
+              </a:ext>
+            </a:extLst>
+          </p:cNvPr>
+          <p:cNvPicPr>
+            <a:picLocks noChangeAspect="1"/>
+          </p:cNvPicPr>
+          <p:nvPr/>
+        </p:nvPicPr>
+        <p:blipFill>
+          <a:blip r:embed="rId4" cstate="print"/>
+          <a:stretch>
+            <a:fillRect/>
+          </a:stretch>
+        </p:blipFill>
+        <p:spPr>
+          <a:xfrm>
+            <a:off x="4272334" y="3592903"/>
+            <a:ext cx="390145" cy="408433"/>
+          </a:xfrm>
+          <a:prstGeom prst="rect">
+            <a:avLst/>
+          </a:prstGeom>
+        </p:spPr>
+      </p:pic>
+      <p:pic>
+        <p:nvPicPr>
+          <p:cNvPr id="11" name="그림 10" descr="3.png">
+            <a:extLst>
+              <a:ext uri="{FF2B5EF4-FFF2-40B4-BE49-F238E27FC236}">
+                <a16:creationId xmlns:a16="http://schemas.microsoft.com/office/drawing/2014/main" id="{D91BC421-0DB6-4D3C-847B-51BA835B1166}"/>
+              </a:ext>
+            </a:extLst>
+          </p:cNvPr>
+          <p:cNvPicPr>
+            <a:picLocks noChangeAspect="1"/>
+          </p:cNvPicPr>
+          <p:nvPr/>
+        </p:nvPicPr>
+        <p:blipFill>
+          <a:blip r:embed="rId5" cstate="print"/>
+          <a:stretch>
+            <a:fillRect/>
+          </a:stretch>
+        </p:blipFill>
+        <p:spPr>
+          <a:xfrm>
+            <a:off x="4272333" y="4691124"/>
+            <a:ext cx="390145" cy="408433"/>
+          </a:xfrm>
+          <a:prstGeom prst="rect">
+            <a:avLst/>
+          </a:prstGeom>
+        </p:spPr>
+      </p:pic>
+    </p:spTree>
+    <p:extLst>
+      <p:ext uri="{BB962C8B-B14F-4D97-AF65-F5344CB8AC3E}">
+        <p14:creationId xmlns:p14="http://schemas.microsoft.com/office/powerpoint/2010/main" val="443686820"/>
+      </p:ext>
+    </p:extLst>
+  </p:cSld>
+  <p:clrMapOvr>
+    <a:masterClrMapping/>
+  </p:clrMapOvr>
+</p:sld>
+</file>
+
+<file path=ppt/slides/slide20.xml><?xml version="1.0" encoding="utf-8"?>
 <p:sld xmlns:a="http://schemas.openxmlformats.org/drawingml/2006/main" xmlns:r="http://schemas.openxmlformats.org/officeDocument/2006/relationships" xmlns:p="http://schemas.openxmlformats.org/presentationml/2006/main">
   <p:cSld>
     <p:spTree>
@@ -9339,338 +9403,6 @@
 </p:sld>
 </file>
 
-<file path=ppt/slides/slide2.xml><?xml version="1.0" encoding="utf-8"?>
-<p:sld xmlns:a="http://schemas.openxmlformats.org/drawingml/2006/main" xmlns:r="http://schemas.openxmlformats.org/officeDocument/2006/relationships" xmlns:p="http://schemas.openxmlformats.org/presentationml/2006/main">
-  <p:cSld>
-    <p:spTree>
-      <p:nvGrpSpPr>
-        <p:cNvPr id="1" name=""/>
-        <p:cNvGrpSpPr/>
-        <p:nvPr/>
-      </p:nvGrpSpPr>
-      <p:grpSpPr>
-        <a:xfrm>
-          <a:off x="0" y="0"/>
-          <a:ext cx="0" cy="0"/>
-          <a:chOff x="0" y="0"/>
-          <a:chExt cx="0" cy="0"/>
-        </a:xfrm>
-      </p:grpSpPr>
-      <p:pic>
-        <p:nvPicPr>
-          <p:cNvPr id="6" name="Picture 2">
-            <a:extLst>
-              <a:ext uri="{FF2B5EF4-FFF2-40B4-BE49-F238E27FC236}">
-                <a16:creationId xmlns:a16="http://schemas.microsoft.com/office/drawing/2014/main" id="{D4EC9FAD-F4C7-427B-9FA9-F52D35FE8BCD}"/>
-              </a:ext>
-            </a:extLst>
-          </p:cNvPr>
-          <p:cNvPicPr>
-            <a:picLocks noChangeAspect="1" noChangeArrowheads="1"/>
-          </p:cNvPicPr>
-          <p:nvPr/>
-        </p:nvPicPr>
-        <p:blipFill>
-          <a:blip r:embed="rId2" cstate="print"/>
-          <a:srcRect/>
-          <a:stretch>
-            <a:fillRect/>
-          </a:stretch>
-        </p:blipFill>
-        <p:spPr bwMode="auto">
-          <a:xfrm>
-            <a:off x="2855640" y="1463412"/>
-            <a:ext cx="6515100" cy="19050"/>
-          </a:xfrm>
-          <a:prstGeom prst="rect">
-            <a:avLst/>
-          </a:prstGeom>
-          <a:noFill/>
-          <a:ln w="9525">
-            <a:noFill/>
-            <a:miter lim="800000"/>
-            <a:headEnd/>
-            <a:tailEnd/>
-          </a:ln>
-        </p:spPr>
-      </p:pic>
-      <p:sp>
-        <p:nvSpPr>
-          <p:cNvPr id="7" name="TextBox 6">
-            <a:extLst>
-              <a:ext uri="{FF2B5EF4-FFF2-40B4-BE49-F238E27FC236}">
-                <a16:creationId xmlns:a16="http://schemas.microsoft.com/office/drawing/2014/main" id="{314A80FE-0C8F-40B3-AC4D-1DA282109BB9}"/>
-              </a:ext>
-            </a:extLst>
-          </p:cNvPr>
-          <p:cNvSpPr txBox="1"/>
-          <p:nvPr/>
-        </p:nvSpPr>
-        <p:spPr>
-          <a:xfrm>
-            <a:off x="3874600" y="692696"/>
-            <a:ext cx="4079963" cy="861774"/>
-          </a:xfrm>
-          <a:prstGeom prst="rect">
-            <a:avLst/>
-          </a:prstGeom>
-          <a:noFill/>
-        </p:spPr>
-        <p:txBody>
-          <a:bodyPr wrap="none" rtlCol="0">
-            <a:spAutoFit/>
-          </a:bodyPr>
-          <a:lstStyle/>
-          <a:p>
-            <a:r>
-              <a:rPr lang="en-US" altLang="ko-KR" sz="5000" dirty="0">
-                <a:solidFill>
-                  <a:srgbClr val="6BC7BF"/>
-                </a:solidFill>
-                <a:latin typeface="HY견고딕" panose="02030600000101010101" pitchFamily="18" charset="-127"/>
-                <a:ea typeface="HY견고딕" panose="02030600000101010101" pitchFamily="18" charset="-127"/>
-              </a:rPr>
-              <a:t>CONTENTS</a:t>
-            </a:r>
-            <a:endParaRPr lang="ko-KR" altLang="en-US" sz="5000" dirty="0">
-              <a:solidFill>
-                <a:srgbClr val="6BC7BF"/>
-              </a:solidFill>
-              <a:latin typeface="HY견고딕" panose="02030600000101010101" pitchFamily="18" charset="-127"/>
-              <a:ea typeface="HY견고딕" panose="02030600000101010101" pitchFamily="18" charset="-127"/>
-            </a:endParaRPr>
-          </a:p>
-        </p:txBody>
-      </p:sp>
-      <p:sp>
-        <p:nvSpPr>
-          <p:cNvPr id="8" name="직사각형 7">
-            <a:extLst>
-              <a:ext uri="{FF2B5EF4-FFF2-40B4-BE49-F238E27FC236}">
-                <a16:creationId xmlns:a16="http://schemas.microsoft.com/office/drawing/2014/main" id="{C3EEE79C-C3A5-4AC6-87F8-4B366BCFDC79}"/>
-              </a:ext>
-            </a:extLst>
-          </p:cNvPr>
-          <p:cNvSpPr/>
-          <p:nvPr/>
-        </p:nvSpPr>
-        <p:spPr>
-          <a:xfrm>
-            <a:off x="4798740" y="2494682"/>
-            <a:ext cx="4572000" cy="2677656"/>
-          </a:xfrm>
-          <a:prstGeom prst="rect">
-            <a:avLst/>
-          </a:prstGeom>
-        </p:spPr>
-        <p:txBody>
-          <a:bodyPr wrap="square">
-            <a:spAutoFit/>
-          </a:bodyPr>
-          <a:lstStyle/>
-          <a:p>
-            <a:r>
-              <a:rPr lang="ko-KR" altLang="en-US" sz="2400" spc="-50" dirty="0">
-                <a:solidFill>
-                  <a:srgbClr val="444444"/>
-                </a:solidFill>
-                <a:latin typeface="나눔스퀘어" panose="020B0600000101010101" pitchFamily="50" charset="-127"/>
-                <a:ea typeface="나눔스퀘어" panose="020B0600000101010101" pitchFamily="50" charset="-127"/>
-                <a:cs typeface="Verdana" pitchFamily="34" charset="0"/>
-              </a:rPr>
-              <a:t>피드백 내용</a:t>
-            </a:r>
-            <a:endParaRPr lang="en-US" altLang="ko-KR" sz="2400" spc="-50" dirty="0">
-              <a:solidFill>
-                <a:srgbClr val="444444"/>
-              </a:solidFill>
-              <a:latin typeface="나눔스퀘어" panose="020B0600000101010101" pitchFamily="50" charset="-127"/>
-              <a:ea typeface="나눔스퀘어" panose="020B0600000101010101" pitchFamily="50" charset="-127"/>
-              <a:cs typeface="Verdana" pitchFamily="34" charset="0"/>
-            </a:endParaRPr>
-          </a:p>
-          <a:p>
-            <a:endParaRPr lang="en-US" altLang="ko-KR" sz="2400" spc="-50" dirty="0">
-              <a:solidFill>
-                <a:srgbClr val="444444"/>
-              </a:solidFill>
-              <a:latin typeface="나눔스퀘어" panose="020B0600000101010101" pitchFamily="50" charset="-127"/>
-              <a:ea typeface="나눔스퀘어" panose="020B0600000101010101" pitchFamily="50" charset="-127"/>
-              <a:cs typeface="Verdana" pitchFamily="34" charset="0"/>
-            </a:endParaRPr>
-          </a:p>
-          <a:p>
-            <a:endParaRPr lang="en-US" altLang="ko-KR" sz="2400" spc="-50" dirty="0">
-              <a:solidFill>
-                <a:srgbClr val="444444"/>
-              </a:solidFill>
-              <a:latin typeface="나눔스퀘어" panose="020B0600000101010101" pitchFamily="50" charset="-127"/>
-              <a:ea typeface="나눔스퀘어" panose="020B0600000101010101" pitchFamily="50" charset="-127"/>
-            </a:endParaRPr>
-          </a:p>
-          <a:p>
-            <a:r>
-              <a:rPr lang="ko-KR" altLang="en-US" sz="2400" spc="-50" dirty="0">
-                <a:solidFill>
-                  <a:srgbClr val="444444"/>
-                </a:solidFill>
-                <a:latin typeface="나눔스퀘어" panose="020B0600000101010101" pitchFamily="50" charset="-127"/>
-                <a:ea typeface="나눔스퀘어" panose="020B0600000101010101" pitchFamily="50" charset="-127"/>
-              </a:rPr>
-              <a:t>프로젝트 진행 상황</a:t>
-            </a:r>
-            <a:endParaRPr lang="en-US" altLang="ko-KR" sz="2400" spc="-50" dirty="0">
-              <a:solidFill>
-                <a:srgbClr val="444444"/>
-              </a:solidFill>
-              <a:latin typeface="나눔스퀘어" panose="020B0600000101010101" pitchFamily="50" charset="-127"/>
-              <a:ea typeface="나눔스퀘어" panose="020B0600000101010101" pitchFamily="50" charset="-127"/>
-            </a:endParaRPr>
-          </a:p>
-          <a:p>
-            <a:endParaRPr lang="en-US" altLang="ko-KR" sz="2400" spc="-50" dirty="0">
-              <a:solidFill>
-                <a:srgbClr val="444444"/>
-              </a:solidFill>
-              <a:latin typeface="나눔스퀘어" panose="020B0600000101010101" pitchFamily="50" charset="-127"/>
-              <a:ea typeface="나눔스퀘어" panose="020B0600000101010101" pitchFamily="50" charset="-127"/>
-            </a:endParaRPr>
-          </a:p>
-          <a:p>
-            <a:endParaRPr lang="en-US" altLang="ko-KR" sz="2400" spc="-50" dirty="0">
-              <a:solidFill>
-                <a:srgbClr val="444444"/>
-              </a:solidFill>
-              <a:latin typeface="나눔스퀘어" panose="020B0600000101010101" pitchFamily="50" charset="-127"/>
-              <a:ea typeface="나눔스퀘어" panose="020B0600000101010101" pitchFamily="50" charset="-127"/>
-            </a:endParaRPr>
-          </a:p>
-          <a:p>
-            <a:r>
-              <a:rPr lang="ko-KR" altLang="en-US" sz="2400" spc="-50">
-                <a:solidFill>
-                  <a:srgbClr val="444444"/>
-                </a:solidFill>
-                <a:latin typeface="나눔스퀘어" panose="020B0600000101010101" pitchFamily="50" charset="-127"/>
-                <a:ea typeface="나눔스퀘어" panose="020B0600000101010101" pitchFamily="50" charset="-127"/>
-                <a:cs typeface="Verdana" pitchFamily="34" charset="0"/>
-              </a:rPr>
-              <a:t>추후 일정</a:t>
-            </a:r>
-            <a:endParaRPr lang="en-US" altLang="ko-KR" sz="2400" spc="-50" dirty="0">
-              <a:solidFill>
-                <a:srgbClr val="444444"/>
-              </a:solidFill>
-              <a:latin typeface="나눔스퀘어" panose="020B0600000101010101" pitchFamily="50" charset="-127"/>
-              <a:ea typeface="나눔스퀘어" panose="020B0600000101010101" pitchFamily="50" charset="-127"/>
-              <a:cs typeface="Verdana" pitchFamily="34" charset="0"/>
-            </a:endParaRPr>
-          </a:p>
-        </p:txBody>
-      </p:sp>
-      <p:pic>
-        <p:nvPicPr>
-          <p:cNvPr id="9" name="그림 8" descr="1.png">
-            <a:extLst>
-              <a:ext uri="{FF2B5EF4-FFF2-40B4-BE49-F238E27FC236}">
-                <a16:creationId xmlns:a16="http://schemas.microsoft.com/office/drawing/2014/main" id="{FD878155-04AB-44E5-B361-4D133A7C71CD}"/>
-              </a:ext>
-            </a:extLst>
-          </p:cNvPr>
-          <p:cNvPicPr>
-            <a:picLocks noChangeAspect="1"/>
-          </p:cNvPicPr>
-          <p:nvPr/>
-        </p:nvPicPr>
-        <p:blipFill>
-          <a:blip r:embed="rId3" cstate="print"/>
-          <a:stretch>
-            <a:fillRect/>
-          </a:stretch>
-        </p:blipFill>
-        <p:spPr>
-          <a:xfrm>
-            <a:off x="4276599" y="2494682"/>
-            <a:ext cx="390145" cy="408433"/>
-          </a:xfrm>
-          <a:prstGeom prst="rect">
-            <a:avLst/>
-          </a:prstGeom>
-        </p:spPr>
-      </p:pic>
-      <p:pic>
-        <p:nvPicPr>
-          <p:cNvPr id="10" name="그림 9" descr="2.png">
-            <a:extLst>
-              <a:ext uri="{FF2B5EF4-FFF2-40B4-BE49-F238E27FC236}">
-                <a16:creationId xmlns:a16="http://schemas.microsoft.com/office/drawing/2014/main" id="{C170F17B-B05E-4BE3-94B7-05FFB9026FD2}"/>
-              </a:ext>
-            </a:extLst>
-          </p:cNvPr>
-          <p:cNvPicPr>
-            <a:picLocks noChangeAspect="1"/>
-          </p:cNvPicPr>
-          <p:nvPr/>
-        </p:nvPicPr>
-        <p:blipFill>
-          <a:blip r:embed="rId4" cstate="print"/>
-          <a:stretch>
-            <a:fillRect/>
-          </a:stretch>
-        </p:blipFill>
-        <p:spPr>
-          <a:xfrm>
-            <a:off x="4272334" y="3592903"/>
-            <a:ext cx="390145" cy="408433"/>
-          </a:xfrm>
-          <a:prstGeom prst="rect">
-            <a:avLst/>
-          </a:prstGeom>
-        </p:spPr>
-      </p:pic>
-      <p:pic>
-        <p:nvPicPr>
-          <p:cNvPr id="11" name="그림 10" descr="3.png">
-            <a:extLst>
-              <a:ext uri="{FF2B5EF4-FFF2-40B4-BE49-F238E27FC236}">
-                <a16:creationId xmlns:a16="http://schemas.microsoft.com/office/drawing/2014/main" id="{D91BC421-0DB6-4D3C-847B-51BA835B1166}"/>
-              </a:ext>
-            </a:extLst>
-          </p:cNvPr>
-          <p:cNvPicPr>
-            <a:picLocks noChangeAspect="1"/>
-          </p:cNvPicPr>
-          <p:nvPr/>
-        </p:nvPicPr>
-        <p:blipFill>
-          <a:blip r:embed="rId5" cstate="print"/>
-          <a:stretch>
-            <a:fillRect/>
-          </a:stretch>
-        </p:blipFill>
-        <p:spPr>
-          <a:xfrm>
-            <a:off x="4272333" y="4691124"/>
-            <a:ext cx="390145" cy="408433"/>
-          </a:xfrm>
-          <a:prstGeom prst="rect">
-            <a:avLst/>
-          </a:prstGeom>
-        </p:spPr>
-      </p:pic>
-    </p:spTree>
-    <p:extLst>
-      <p:ext uri="{BB962C8B-B14F-4D97-AF65-F5344CB8AC3E}">
-        <p14:creationId xmlns:p14="http://schemas.microsoft.com/office/powerpoint/2010/main" val="443686820"/>
-      </p:ext>
-    </p:extLst>
-  </p:cSld>
-  <p:clrMapOvr>
-    <a:masterClrMapping/>
-  </p:clrMapOvr>
-</p:sld>
-</file>
-
 <file path=ppt/slides/slide3.xml><?xml version="1.0" encoding="utf-8"?>
 <p:sld xmlns:a="http://schemas.openxmlformats.org/drawingml/2006/main" xmlns:r="http://schemas.openxmlformats.org/officeDocument/2006/relationships" xmlns:p="http://schemas.openxmlformats.org/presentationml/2006/main">
   <p:cSld>
@@ -11016,7 +10748,7 @@
         </p:nvSpPr>
         <p:spPr>
           <a:xfrm>
-            <a:off x="2543175" y="1623222"/>
+            <a:off x="2389399" y="1622090"/>
             <a:ext cx="307552" cy="315252"/>
           </a:xfrm>
           <a:prstGeom prst="rightArrow">
@@ -11068,7 +10800,7 @@
         </p:nvSpPr>
         <p:spPr>
           <a:xfrm>
-            <a:off x="2543175" y="2251462"/>
+            <a:off x="2389399" y="2225137"/>
             <a:ext cx="307552" cy="315252"/>
           </a:xfrm>
           <a:prstGeom prst="rightArrow">
@@ -11120,7 +10852,7 @@
         </p:nvSpPr>
         <p:spPr>
           <a:xfrm>
-            <a:off x="1600200" y="3861597"/>
+            <a:off x="1552593" y="3840347"/>
             <a:ext cx="355177" cy="315252"/>
           </a:xfrm>
           <a:prstGeom prst="rightArrow">
@@ -11255,7 +10987,7 @@
         </p:spPr>
         <p:txBody>
           <a:bodyPr vert="horz" lIns="91440" tIns="45720" rIns="91440" bIns="45720" rtlCol="0">
-            <a:normAutofit lnSpcReduction="10000"/>
+            <a:normAutofit/>
           </a:bodyPr>
           <a:lstStyle>
             <a:lvl1pPr marL="228600" indent="-228600" algn="l" defTabSz="914400" rtl="0" eaLnBrk="1" latinLnBrk="1" hangingPunct="1">
@@ -11638,7 +11370,7 @@
         </p:nvSpPr>
         <p:spPr>
           <a:xfrm>
-            <a:off x="1609725" y="3013462"/>
+            <a:off x="1609725" y="2667473"/>
             <a:ext cx="307552" cy="315252"/>
           </a:xfrm>
           <a:prstGeom prst="rightArrow">
@@ -11690,7 +11422,7 @@
         </p:nvSpPr>
         <p:spPr>
           <a:xfrm>
-            <a:off x="1609725" y="4165987"/>
+            <a:off x="1609725" y="3844707"/>
             <a:ext cx="307552" cy="315252"/>
           </a:xfrm>
           <a:prstGeom prst="rightArrow">
@@ -11742,7 +11474,7 @@
         </p:nvSpPr>
         <p:spPr>
           <a:xfrm>
-            <a:off x="1609725" y="5127682"/>
+            <a:off x="1609725" y="4892899"/>
             <a:ext cx="307552" cy="315252"/>
           </a:xfrm>
           <a:prstGeom prst="rightArrow">
